--- a/docs/diagrams/ModelComponentClassDiagram.pptx
+++ b/docs/diagrams/ModelComponentClassDiagram.pptx
@@ -208,7 +208,7 @@
           <a:p>
             <a:fld id="{F5CC4B3F-88C1-4FFA-B1B6-F41C21DC6924}" type="datetimeFigureOut">
               <a:rPr lang="en-US" smtClean="0"/>
-              <a:t>6/27/2018</a:t>
+              <a:t>10/23/18</a:t>
             </a:fld>
             <a:endParaRPr lang="en-US"/>
           </a:p>
@@ -654,7 +654,7 @@
           <a:p>
             <a:fld id="{78C97017-6FC3-485B-9764-EAC9E56C1D49}" type="datetimeFigureOut">
               <a:rPr lang="en-US" smtClean="0"/>
-              <a:t>6/27/2018</a:t>
+              <a:t>10/23/18</a:t>
             </a:fld>
             <a:endParaRPr lang="en-US"/>
           </a:p>
@@ -822,7 +822,7 @@
           <a:p>
             <a:fld id="{78C97017-6FC3-485B-9764-EAC9E56C1D49}" type="datetimeFigureOut">
               <a:rPr lang="en-US" smtClean="0"/>
-              <a:t>6/27/2018</a:t>
+              <a:t>10/23/18</a:t>
             </a:fld>
             <a:endParaRPr lang="en-US"/>
           </a:p>
@@ -1000,7 +1000,7 @@
           <a:p>
             <a:fld id="{78C97017-6FC3-485B-9764-EAC9E56C1D49}" type="datetimeFigureOut">
               <a:rPr lang="en-US" smtClean="0"/>
-              <a:t>6/27/2018</a:t>
+              <a:t>10/23/18</a:t>
             </a:fld>
             <a:endParaRPr lang="en-US"/>
           </a:p>
@@ -1168,7 +1168,7 @@
           <a:p>
             <a:fld id="{78C97017-6FC3-485B-9764-EAC9E56C1D49}" type="datetimeFigureOut">
               <a:rPr lang="en-US" smtClean="0"/>
-              <a:t>6/27/2018</a:t>
+              <a:t>10/23/18</a:t>
             </a:fld>
             <a:endParaRPr lang="en-US"/>
           </a:p>
@@ -1413,7 +1413,7 @@
           <a:p>
             <a:fld id="{78C97017-6FC3-485B-9764-EAC9E56C1D49}" type="datetimeFigureOut">
               <a:rPr lang="en-US" smtClean="0"/>
-              <a:t>6/27/2018</a:t>
+              <a:t>10/23/18</a:t>
             </a:fld>
             <a:endParaRPr lang="en-US"/>
           </a:p>
@@ -1698,7 +1698,7 @@
           <a:p>
             <a:fld id="{78C97017-6FC3-485B-9764-EAC9E56C1D49}" type="datetimeFigureOut">
               <a:rPr lang="en-US" smtClean="0"/>
-              <a:t>6/27/2018</a:t>
+              <a:t>10/23/18</a:t>
             </a:fld>
             <a:endParaRPr lang="en-US"/>
           </a:p>
@@ -2117,7 +2117,7 @@
           <a:p>
             <a:fld id="{78C97017-6FC3-485B-9764-EAC9E56C1D49}" type="datetimeFigureOut">
               <a:rPr lang="en-US" smtClean="0"/>
-              <a:t>6/27/2018</a:t>
+              <a:t>10/23/18</a:t>
             </a:fld>
             <a:endParaRPr lang="en-US"/>
           </a:p>
@@ -2234,7 +2234,7 @@
           <a:p>
             <a:fld id="{78C97017-6FC3-485B-9764-EAC9E56C1D49}" type="datetimeFigureOut">
               <a:rPr lang="en-US" smtClean="0"/>
-              <a:t>6/27/2018</a:t>
+              <a:t>10/23/18</a:t>
             </a:fld>
             <a:endParaRPr lang="en-US"/>
           </a:p>
@@ -2329,7 +2329,7 @@
           <a:p>
             <a:fld id="{78C97017-6FC3-485B-9764-EAC9E56C1D49}" type="datetimeFigureOut">
               <a:rPr lang="en-US" smtClean="0"/>
-              <a:t>6/27/2018</a:t>
+              <a:t>10/23/18</a:t>
             </a:fld>
             <a:endParaRPr lang="en-US"/>
           </a:p>
@@ -2604,7 +2604,7 @@
           <a:p>
             <a:fld id="{78C97017-6FC3-485B-9764-EAC9E56C1D49}" type="datetimeFigureOut">
               <a:rPr lang="en-US" smtClean="0"/>
-              <a:t>6/27/2018</a:t>
+              <a:t>10/23/18</a:t>
             </a:fld>
             <a:endParaRPr lang="en-US"/>
           </a:p>
@@ -2856,7 +2856,7 @@
           <a:p>
             <a:fld id="{78C97017-6FC3-485B-9764-EAC9E56C1D49}" type="datetimeFigureOut">
               <a:rPr lang="en-US" smtClean="0"/>
-              <a:t>6/27/2018</a:t>
+              <a:t>10/23/18</a:t>
             </a:fld>
             <a:endParaRPr lang="en-US"/>
           </a:p>
@@ -3067,7 +3067,7 @@
           <a:p>
             <a:fld id="{78C97017-6FC3-485B-9764-EAC9E56C1D49}" type="datetimeFigureOut">
               <a:rPr lang="en-US" smtClean="0"/>
-              <a:t>6/27/2018</a:t>
+              <a:t>10/23/18</a:t>
             </a:fld>
             <a:endParaRPr lang="en-US"/>
           </a:p>
@@ -3450,8 +3450,8 @@
         </p:nvSpPr>
         <p:spPr>
           <a:xfrm>
-            <a:off x="1119865" y="1600200"/>
-            <a:ext cx="7490735" cy="3124200"/>
+            <a:off x="457201" y="1600200"/>
+            <a:ext cx="8153400" cy="3581400"/>
           </a:xfrm>
           <a:prstGeom prst="roundRect">
             <a:avLst>
@@ -3570,7 +3570,7 @@
         </p:nvSpPr>
         <p:spPr>
           <a:xfrm rot="16200000">
-            <a:off x="1661548" y="3097750"/>
+            <a:off x="1531563" y="3089802"/>
             <a:ext cx="1093635" cy="346760"/>
           </a:xfrm>
           <a:prstGeom prst="rect">
@@ -3621,33 +3621,27 @@
           </a:p>
         </p:txBody>
       </p:sp>
-      <p:cxnSp>
-        <p:nvCxnSpPr>
-          <p:cNvPr id="107" name="Elbow Connector 106"/>
-          <p:cNvCxnSpPr>
-            <a:cxnSpLocks/>
-            <a:stCxn id="9" idx="1"/>
-            <a:endCxn id="62" idx="2"/>
-          </p:cNvCxnSpPr>
+      <p:sp>
+        <p:nvSpPr>
+          <p:cNvPr id="119" name="Rectangle 62"/>
+          <p:cNvSpPr/>
           <p:nvPr/>
-        </p:nvCxnSpPr>
-        <p:spPr>
-          <a:xfrm rot="5400000" flipH="1" flipV="1">
-            <a:off x="4131507" y="1281685"/>
-            <a:ext cx="613122" cy="4459404"/>
-          </a:xfrm>
-          <a:prstGeom prst="bentConnector3">
-            <a:avLst>
-              <a:gd name="adj1" fmla="val -26668"/>
-            </a:avLst>
+        </p:nvSpPr>
+        <p:spPr>
+          <a:xfrm rot="16200000">
+            <a:off x="651402" y="2861202"/>
+            <a:ext cx="1093635" cy="346760"/>
+          </a:xfrm>
+          <a:prstGeom prst="rect">
+            <a:avLst/>
           </a:prstGeom>
+          <a:solidFill>
+            <a:srgbClr val="7030A0"/>
+          </a:solidFill>
           <a:ln w="19050">
             <a:solidFill>
               <a:srgbClr val="7030A0"/>
             </a:solidFill>
-            <a:prstDash val="solid"/>
-            <a:headEnd type="none" w="med" len="med"/>
-            <a:tailEnd type="arrow" w="med" len="med"/>
           </a:ln>
           <a:effectLst/>
         </p:spPr>
@@ -3665,45 +3659,6 @@
             <a:schemeClr val="dk1"/>
           </a:fontRef>
         </p:style>
-      </p:cxnSp>
-      <p:sp>
-        <p:nvSpPr>
-          <p:cNvPr id="119" name="Rectangle 62"/>
-          <p:cNvSpPr/>
-          <p:nvPr/>
-        </p:nvSpPr>
-        <p:spPr>
-          <a:xfrm rot="16200000">
-            <a:off x="956202" y="2861202"/>
-            <a:ext cx="1093635" cy="346760"/>
-          </a:xfrm>
-          <a:prstGeom prst="rect">
-            <a:avLst/>
-          </a:prstGeom>
-          <a:solidFill>
-            <a:srgbClr val="7030A0"/>
-          </a:solidFill>
-          <a:ln w="19050">
-            <a:solidFill>
-              <a:srgbClr val="7030A0"/>
-            </a:solidFill>
-          </a:ln>
-          <a:effectLst/>
-        </p:spPr>
-        <p:style>
-          <a:lnRef idx="1">
-            <a:schemeClr val="accent2"/>
-          </a:lnRef>
-          <a:fillRef idx="2">
-            <a:schemeClr val="accent2"/>
-          </a:fillRef>
-          <a:effectRef idx="1">
-            <a:schemeClr val="accent2"/>
-          </a:effectRef>
-          <a:fontRef idx="minor">
-            <a:schemeClr val="dk1"/>
-          </a:fontRef>
-        </p:style>
         <p:txBody>
           <a:bodyPr rtlCol="0" anchor="ctr"/>
           <a:lstStyle/>
@@ -3744,7 +3699,7 @@
         </p:nvSpPr>
         <p:spPr>
           <a:xfrm rot="16200000">
-            <a:off x="1626910" y="2952291"/>
+            <a:off x="1377186" y="3095491"/>
             <a:ext cx="270504" cy="175523"/>
           </a:xfrm>
           <a:prstGeom prst="triangle">
@@ -3787,15 +3742,14 @@
         <p:nvCxnSpPr>
           <p:cNvPr id="58" name="Straight Arrow Connector 57"/>
           <p:cNvCxnSpPr>
-            <a:stCxn id="42" idx="3"/>
-            <a:endCxn id="2" idx="1"/>
+            <a:cxnSpLocks/>
           </p:cNvCxnSpPr>
           <p:nvPr/>
         </p:nvCxnSpPr>
         <p:spPr>
           <a:xfrm>
-            <a:off x="2609828" y="3636620"/>
-            <a:ext cx="267352" cy="0"/>
+            <a:off x="2525903" y="3636620"/>
+            <a:ext cx="293497" cy="0"/>
           </a:xfrm>
           <a:prstGeom prst="straightConnector1">
             <a:avLst/>
@@ -3832,7 +3786,7 @@
         </p:nvCxnSpPr>
         <p:spPr>
           <a:xfrm>
-            <a:off x="910091" y="3040053"/>
+            <a:off x="533400" y="3040053"/>
             <a:ext cx="419548" cy="2860"/>
           </a:xfrm>
           <a:prstGeom prst="bentConnector3">
@@ -3871,13 +3825,14 @@
         <p:nvCxnSpPr>
           <p:cNvPr id="21" name="Straight Connector 20"/>
           <p:cNvCxnSpPr>
+            <a:cxnSpLocks/>
             <a:stCxn id="120" idx="3"/>
           </p:cNvCxnSpPr>
           <p:nvPr/>
         </p:nvCxnSpPr>
         <p:spPr>
           <a:xfrm flipV="1">
-            <a:off x="1849924" y="3040052"/>
+            <a:off x="1600200" y="3183252"/>
             <a:ext cx="216105" cy="1"/>
           </a:xfrm>
           <a:prstGeom prst="line">
@@ -3916,7 +3871,7 @@
         </p:nvSpPr>
         <p:spPr>
           <a:xfrm>
-            <a:off x="2373780" y="3549930"/>
+            <a:off x="2286000" y="3549930"/>
             <a:ext cx="236048" cy="173380"/>
           </a:xfrm>
           <a:prstGeom prst="flowChartDecision">
@@ -3962,7 +3917,7 @@
         <p:spPr>
           <a:xfrm>
             <a:off x="2825280" y="2846162"/>
-            <a:ext cx="1490560" cy="334856"/>
+            <a:ext cx="1746720" cy="334856"/>
           </a:xfrm>
           <a:prstGeom prst="rect">
             <a:avLst/>
@@ -3994,12 +3949,12 @@
           <a:p>
             <a:pPr algn="ctr"/>
             <a:r>
-              <a:rPr lang="en-US" sz="1050" dirty="0" err="1" smtClean="0">
+              <a:rPr lang="en-US" sz="1050" dirty="0" err="1">
                 <a:solidFill>
                   <a:srgbClr val="7030A0"/>
                 </a:solidFill>
               </a:rPr>
-              <a:t>VersionedAddressBook</a:t>
+              <a:t>VersionedFinancialDatabase</a:t>
             </a:r>
             <a:endParaRPr lang="en-SG" sz="1050" dirty="0">
               <a:solidFill>
@@ -4013,6 +3968,7 @@
         <p:nvCxnSpPr>
           <p:cNvPr id="47" name="Straight Arrow Connector 46"/>
           <p:cNvCxnSpPr>
+            <a:cxnSpLocks/>
             <a:stCxn id="48" idx="3"/>
             <a:endCxn id="46" idx="1"/>
           </p:cNvCxnSpPr>
@@ -4020,8 +3976,8 @@
         </p:nvCxnSpPr>
         <p:spPr>
           <a:xfrm>
-            <a:off x="2624360" y="3003033"/>
-            <a:ext cx="200920" cy="10557"/>
+            <a:off x="2522048" y="3003033"/>
+            <a:ext cx="303232" cy="10557"/>
           </a:xfrm>
           <a:prstGeom prst="straightConnector1">
             <a:avLst/>
@@ -4058,7 +4014,7 @@
         </p:nvSpPr>
         <p:spPr>
           <a:xfrm>
-            <a:off x="2388312" y="2916343"/>
+            <a:off x="2286000" y="2916343"/>
             <a:ext cx="236048" cy="173380"/>
           </a:xfrm>
           <a:prstGeom prst="flowChartDecision">
@@ -4091,7 +4047,7 @@
           <a:lstStyle/>
           <a:p>
             <a:pPr algn="ctr"/>
-            <a:endParaRPr lang="en-US" sz="1050"/>
+            <a:endParaRPr lang="en-US" sz="1050" dirty="0"/>
           </a:p>
         </p:txBody>
       </p:sp>
@@ -4103,8 +4059,8 @@
         </p:nvSpPr>
         <p:spPr>
           <a:xfrm>
-            <a:off x="4692650" y="2846162"/>
-            <a:ext cx="1156969" cy="346760"/>
+            <a:off x="5156708" y="2837441"/>
+            <a:ext cx="1413101" cy="346760"/>
           </a:xfrm>
           <a:prstGeom prst="rect">
             <a:avLst/>
@@ -4141,7 +4097,7 @@
                   <a:srgbClr val="7030A0"/>
                 </a:solidFill>
               </a:rPr>
-              <a:t>UniquePersonList</a:t>
+              <a:t>UniqueTransactionList</a:t>
             </a:r>
             <a:endParaRPr lang="en-SG" sz="1050" dirty="0">
               <a:solidFill>
@@ -4159,7 +4115,7 @@
         </p:nvSpPr>
         <p:spPr>
           <a:xfrm>
-            <a:off x="4324972" y="2920532"/>
+            <a:off x="4585918" y="2924537"/>
             <a:ext cx="236048" cy="173380"/>
           </a:xfrm>
           <a:prstGeom prst="flowChartDecision">
@@ -4206,8 +4162,8 @@
         </p:nvSpPr>
         <p:spPr>
           <a:xfrm>
-            <a:off x="6313677" y="2858066"/>
-            <a:ext cx="708186" cy="346760"/>
+            <a:off x="7139945" y="2846162"/>
+            <a:ext cx="979216" cy="346760"/>
           </a:xfrm>
           <a:prstGeom prst="rect">
             <a:avLst/>
@@ -4244,7 +4200,7 @@
                   <a:srgbClr val="7030A0"/>
                 </a:solidFill>
               </a:rPr>
-              <a:t>Person</a:t>
+              <a:t>Transaction</a:t>
             </a:r>
             <a:endParaRPr lang="en-SG" sz="1050" dirty="0">
               <a:solidFill>
@@ -4262,7 +4218,7 @@
         </p:nvSpPr>
         <p:spPr>
           <a:xfrm>
-            <a:off x="5858751" y="2941676"/>
+            <a:off x="6569809" y="2911893"/>
             <a:ext cx="236048" cy="173380"/>
           </a:xfrm>
           <a:prstGeom prst="flowChartDecision">
@@ -4301,17 +4257,17 @@
       </p:sp>
       <p:cxnSp>
         <p:nvCxnSpPr>
-          <p:cNvPr id="64" name="Elbow Connector 63"/>
+          <p:cNvPr id="81" name="Elbow Connector 80"/>
           <p:cNvCxnSpPr>
-            <a:stCxn id="63" idx="3"/>
-            <a:endCxn id="62" idx="1"/>
+            <a:stCxn id="78" idx="3"/>
+            <a:endCxn id="80" idx="1"/>
           </p:cNvCxnSpPr>
           <p:nvPr/>
         </p:nvCxnSpPr>
         <p:spPr>
-          <a:xfrm>
-            <a:off x="6094799" y="3028366"/>
-            <a:ext cx="218878" cy="3080"/>
+          <a:xfrm flipV="1">
+            <a:off x="7326275" y="5624008"/>
+            <a:ext cx="434402" cy="4783"/>
           </a:xfrm>
           <a:prstGeom prst="bentConnector3">
             <a:avLst/>
@@ -4340,121 +4296,19 @@
           </a:fontRef>
         </p:style>
       </p:cxnSp>
-      <p:sp>
-        <p:nvSpPr>
-          <p:cNvPr id="76" name="Rectangle 8"/>
-          <p:cNvSpPr/>
-          <p:nvPr/>
-        </p:nvSpPr>
-        <p:spPr>
-          <a:xfrm>
-            <a:off x="7712397" y="2564238"/>
-            <a:ext cx="708186" cy="285783"/>
-          </a:xfrm>
-          <a:prstGeom prst="rect">
-            <a:avLst/>
-          </a:prstGeom>
-          <a:ln w="19050">
-            <a:solidFill>
-              <a:srgbClr val="7030A0"/>
-            </a:solidFill>
-          </a:ln>
-          <a:effectLst/>
-        </p:spPr>
-        <p:style>
-          <a:lnRef idx="1">
-            <a:schemeClr val="accent4"/>
-          </a:lnRef>
-          <a:fillRef idx="2">
-            <a:schemeClr val="accent4"/>
-          </a:fillRef>
-          <a:effectRef idx="1">
-            <a:schemeClr val="accent4"/>
-          </a:effectRef>
-          <a:fontRef idx="minor">
-            <a:schemeClr val="dk1"/>
-          </a:fontRef>
-        </p:style>
-        <p:txBody>
-          <a:bodyPr rtlCol="0" anchor="ctr"/>
-          <a:lstStyle/>
-          <a:p>
-            <a:pPr algn="ctr"/>
-            <a:r>
-              <a:rPr lang="en-US" sz="1050" dirty="0">
-                <a:solidFill>
-                  <a:srgbClr val="7030A0"/>
-                </a:solidFill>
-              </a:rPr>
-              <a:t>Name</a:t>
-            </a:r>
-            <a:endParaRPr lang="en-SG" sz="1050" dirty="0">
-              <a:solidFill>
-                <a:srgbClr val="7030A0"/>
-              </a:solidFill>
-            </a:endParaRPr>
-          </a:p>
-        </p:txBody>
-      </p:sp>
-      <p:sp>
-        <p:nvSpPr>
-          <p:cNvPr id="78" name="Flowchart: Decision 96"/>
-          <p:cNvSpPr/>
-          <p:nvPr/>
-        </p:nvSpPr>
-        <p:spPr>
-          <a:xfrm>
-            <a:off x="7041947" y="2948201"/>
-            <a:ext cx="236048" cy="173380"/>
-          </a:xfrm>
-          <a:prstGeom prst="flowChartDecision">
-            <a:avLst/>
-          </a:prstGeom>
-          <a:solidFill>
-            <a:srgbClr val="7030A0"/>
-          </a:solidFill>
-          <a:ln w="19050">
-            <a:solidFill>
-              <a:srgbClr val="7030A0"/>
-            </a:solidFill>
-          </a:ln>
-          <a:effectLst/>
-        </p:spPr>
-        <p:style>
-          <a:lnRef idx="1">
-            <a:schemeClr val="accent6"/>
-          </a:lnRef>
-          <a:fillRef idx="2">
-            <a:schemeClr val="accent6"/>
-          </a:fillRef>
-          <a:effectRef idx="1">
-            <a:schemeClr val="accent6"/>
-          </a:effectRef>
-          <a:fontRef idx="minor">
-            <a:schemeClr val="dk1"/>
-          </a:fontRef>
-        </p:style>
-        <p:txBody>
-          <a:bodyPr rtlCol="0" anchor="ctr"/>
-          <a:lstStyle/>
-          <a:p>
-            <a:pPr algn="ctr"/>
-            <a:endParaRPr lang="en-US" sz="1050"/>
-          </a:p>
-        </p:txBody>
-      </p:sp>
       <p:cxnSp>
         <p:nvCxnSpPr>
-          <p:cNvPr id="79" name="Elbow Connector 78"/>
+          <p:cNvPr id="84" name="Elbow Connector 83"/>
           <p:cNvCxnSpPr>
-            <a:cxnSpLocks/>
+            <a:stCxn id="78" idx="3"/>
+            <a:endCxn id="83" idx="1"/>
           </p:cNvCxnSpPr>
           <p:nvPr/>
         </p:nvCxnSpPr>
         <p:spPr>
-          <a:xfrm flipV="1">
-            <a:off x="7277995" y="2706821"/>
-            <a:ext cx="434402" cy="327761"/>
+          <a:xfrm>
+            <a:off x="7326275" y="5628791"/>
+            <a:ext cx="434402" cy="318195"/>
           </a:xfrm>
           <a:prstGeom prst="bentConnector3">
             <a:avLst/>
@@ -4483,256 +4337,6 @@
           </a:fontRef>
         </p:style>
       </p:cxnSp>
-      <p:sp>
-        <p:nvSpPr>
-          <p:cNvPr id="80" name="Rectangle 8"/>
-          <p:cNvSpPr/>
-          <p:nvPr/>
-        </p:nvSpPr>
-        <p:spPr>
-          <a:xfrm>
-            <a:off x="7712397" y="2887216"/>
-            <a:ext cx="708186" cy="285783"/>
-          </a:xfrm>
-          <a:prstGeom prst="rect">
-            <a:avLst/>
-          </a:prstGeom>
-          <a:ln w="19050">
-            <a:solidFill>
-              <a:srgbClr val="7030A0"/>
-            </a:solidFill>
-          </a:ln>
-          <a:effectLst/>
-        </p:spPr>
-        <p:style>
-          <a:lnRef idx="1">
-            <a:schemeClr val="accent4"/>
-          </a:lnRef>
-          <a:fillRef idx="2">
-            <a:schemeClr val="accent4"/>
-          </a:fillRef>
-          <a:effectRef idx="1">
-            <a:schemeClr val="accent4"/>
-          </a:effectRef>
-          <a:fontRef idx="minor">
-            <a:schemeClr val="dk1"/>
-          </a:fontRef>
-        </p:style>
-        <p:txBody>
-          <a:bodyPr rtlCol="0" anchor="ctr"/>
-          <a:lstStyle/>
-          <a:p>
-            <a:pPr algn="ctr"/>
-            <a:r>
-              <a:rPr lang="en-US" sz="1050" dirty="0">
-                <a:solidFill>
-                  <a:srgbClr val="7030A0"/>
-                </a:solidFill>
-              </a:rPr>
-              <a:t>Phone</a:t>
-            </a:r>
-            <a:endParaRPr lang="en-SG" sz="1050" dirty="0">
-              <a:solidFill>
-                <a:srgbClr val="7030A0"/>
-              </a:solidFill>
-            </a:endParaRPr>
-          </a:p>
-        </p:txBody>
-      </p:sp>
-      <p:cxnSp>
-        <p:nvCxnSpPr>
-          <p:cNvPr id="81" name="Elbow Connector 80"/>
-          <p:cNvCxnSpPr>
-            <a:stCxn id="78" idx="3"/>
-            <a:endCxn id="80" idx="1"/>
-          </p:cNvCxnSpPr>
-          <p:nvPr/>
-        </p:nvCxnSpPr>
-        <p:spPr>
-          <a:xfrm flipV="1">
-            <a:off x="7277995" y="3030108"/>
-            <a:ext cx="434402" cy="4783"/>
-          </a:xfrm>
-          <a:prstGeom prst="bentConnector3">
-            <a:avLst/>
-          </a:prstGeom>
-          <a:ln w="19050">
-            <a:solidFill>
-              <a:srgbClr val="7030A0"/>
-            </a:solidFill>
-            <a:headEnd type="none" w="med" len="med"/>
-            <a:tailEnd type="arrow" w="med" len="med"/>
-          </a:ln>
-          <a:effectLst/>
-        </p:spPr>
-        <p:style>
-          <a:lnRef idx="1">
-            <a:schemeClr val="accent2"/>
-          </a:lnRef>
-          <a:fillRef idx="2">
-            <a:schemeClr val="accent2"/>
-          </a:fillRef>
-          <a:effectRef idx="1">
-            <a:schemeClr val="accent2"/>
-          </a:effectRef>
-          <a:fontRef idx="minor">
-            <a:schemeClr val="dk1"/>
-          </a:fontRef>
-        </p:style>
-      </p:cxnSp>
-      <p:sp>
-        <p:nvSpPr>
-          <p:cNvPr id="83" name="Rectangle 8"/>
-          <p:cNvSpPr/>
-          <p:nvPr/>
-        </p:nvSpPr>
-        <p:spPr>
-          <a:xfrm>
-            <a:off x="7712397" y="3210194"/>
-            <a:ext cx="708186" cy="285783"/>
-          </a:xfrm>
-          <a:prstGeom prst="rect">
-            <a:avLst/>
-          </a:prstGeom>
-          <a:ln w="19050">
-            <a:solidFill>
-              <a:srgbClr val="7030A0"/>
-            </a:solidFill>
-          </a:ln>
-          <a:effectLst/>
-        </p:spPr>
-        <p:style>
-          <a:lnRef idx="1">
-            <a:schemeClr val="accent4"/>
-          </a:lnRef>
-          <a:fillRef idx="2">
-            <a:schemeClr val="accent4"/>
-          </a:fillRef>
-          <a:effectRef idx="1">
-            <a:schemeClr val="accent4"/>
-          </a:effectRef>
-          <a:fontRef idx="minor">
-            <a:schemeClr val="dk1"/>
-          </a:fontRef>
-        </p:style>
-        <p:txBody>
-          <a:bodyPr rtlCol="0" anchor="ctr"/>
-          <a:lstStyle/>
-          <a:p>
-            <a:pPr algn="ctr"/>
-            <a:r>
-              <a:rPr lang="en-US" sz="1050" dirty="0">
-                <a:solidFill>
-                  <a:srgbClr val="7030A0"/>
-                </a:solidFill>
-              </a:rPr>
-              <a:t>Email</a:t>
-            </a:r>
-            <a:endParaRPr lang="en-SG" sz="1050" dirty="0">
-              <a:solidFill>
-                <a:srgbClr val="7030A0"/>
-              </a:solidFill>
-            </a:endParaRPr>
-          </a:p>
-        </p:txBody>
-      </p:sp>
-      <p:cxnSp>
-        <p:nvCxnSpPr>
-          <p:cNvPr id="84" name="Elbow Connector 83"/>
-          <p:cNvCxnSpPr>
-            <a:stCxn id="78" idx="3"/>
-            <a:endCxn id="83" idx="1"/>
-          </p:cNvCxnSpPr>
-          <p:nvPr/>
-        </p:nvCxnSpPr>
-        <p:spPr>
-          <a:xfrm>
-            <a:off x="7277995" y="3034891"/>
-            <a:ext cx="434402" cy="318195"/>
-          </a:xfrm>
-          <a:prstGeom prst="bentConnector3">
-            <a:avLst/>
-          </a:prstGeom>
-          <a:ln w="19050">
-            <a:solidFill>
-              <a:srgbClr val="7030A0"/>
-            </a:solidFill>
-            <a:headEnd type="none" w="med" len="med"/>
-            <a:tailEnd type="arrow" w="med" len="med"/>
-          </a:ln>
-          <a:effectLst/>
-        </p:spPr>
-        <p:style>
-          <a:lnRef idx="1">
-            <a:schemeClr val="accent2"/>
-          </a:lnRef>
-          <a:fillRef idx="2">
-            <a:schemeClr val="accent2"/>
-          </a:fillRef>
-          <a:effectRef idx="1">
-            <a:schemeClr val="accent2"/>
-          </a:effectRef>
-          <a:fontRef idx="minor">
-            <a:schemeClr val="dk1"/>
-          </a:fontRef>
-        </p:style>
-      </p:cxnSp>
-      <p:sp>
-        <p:nvSpPr>
-          <p:cNvPr id="85" name="Rectangle 8"/>
-          <p:cNvSpPr/>
-          <p:nvPr/>
-        </p:nvSpPr>
-        <p:spPr>
-          <a:xfrm>
-            <a:off x="7712397" y="3533171"/>
-            <a:ext cx="708186" cy="285783"/>
-          </a:xfrm>
-          <a:prstGeom prst="rect">
-            <a:avLst/>
-          </a:prstGeom>
-          <a:ln w="19050">
-            <a:solidFill>
-              <a:srgbClr val="7030A0"/>
-            </a:solidFill>
-          </a:ln>
-          <a:effectLst/>
-        </p:spPr>
-        <p:style>
-          <a:lnRef idx="1">
-            <a:schemeClr val="accent4"/>
-          </a:lnRef>
-          <a:fillRef idx="2">
-            <a:schemeClr val="accent4"/>
-          </a:fillRef>
-          <a:effectRef idx="1">
-            <a:schemeClr val="accent4"/>
-          </a:effectRef>
-          <a:fontRef idx="minor">
-            <a:schemeClr val="dk1"/>
-          </a:fontRef>
-        </p:style>
-        <p:txBody>
-          <a:bodyPr rtlCol="0" anchor="ctr"/>
-          <a:lstStyle/>
-          <a:p>
-            <a:pPr algn="ctr"/>
-            <a:r>
-              <a:rPr lang="en-US" sz="1050" dirty="0">
-                <a:solidFill>
-                  <a:srgbClr val="7030A0"/>
-                </a:solidFill>
-              </a:rPr>
-              <a:t>Address</a:t>
-            </a:r>
-            <a:endParaRPr lang="en-SG" sz="1050" dirty="0">
-              <a:solidFill>
-                <a:srgbClr val="7030A0"/>
-              </a:solidFill>
-            </a:endParaRPr>
-          </a:p>
-        </p:txBody>
-      </p:sp>
       <p:cxnSp>
         <p:nvCxnSpPr>
           <p:cNvPr id="86" name="Elbow Connector 85"/>
@@ -4744,7 +4348,7 @@
         </p:nvCxnSpPr>
         <p:spPr>
           <a:xfrm>
-            <a:off x="7277995" y="3034891"/>
+            <a:off x="7326275" y="5628791"/>
             <a:ext cx="434402" cy="641172"/>
           </a:xfrm>
           <a:prstGeom prst="bentConnector3">
@@ -4873,8 +4477,8 @@
         </p:nvSpPr>
         <p:spPr>
           <a:xfrm>
-            <a:off x="1260922" y="1998350"/>
-            <a:ext cx="1443661" cy="364396"/>
+            <a:off x="609599" y="1998349"/>
+            <a:ext cx="1829379" cy="413281"/>
           </a:xfrm>
           <a:prstGeom prst="rect">
             <a:avLst/>
@@ -4921,12 +4525,12 @@
               </a:rPr>
             </a:br>
             <a:r>
-              <a:rPr lang="en-US" sz="1050" dirty="0" err="1">
+              <a:rPr lang="en-US" sz="1050" dirty="0">
                 <a:solidFill>
                   <a:srgbClr val="7030A0"/>
                 </a:solidFill>
               </a:rPr>
-              <a:t>ReadOnlyAddressBook</a:t>
+              <a:t>ReadOnlyFinancialDatabase</a:t>
             </a:r>
             <a:endParaRPr lang="en-SG" sz="1050" dirty="0">
               <a:solidFill>
@@ -5023,16 +4627,8 @@
               </a:rPr>
               <a:t>&lt;&lt;interface&gt;&gt;</a:t>
             </a:r>
-            <a:r>
-              <a:rPr lang="en-US" sz="1050">
-                <a:solidFill>
-                  <a:srgbClr val="7030A0"/>
-                </a:solidFill>
-              </a:rPr>
-              <a:t/>
-            </a:r>
             <a:br>
-              <a:rPr lang="en-US" sz="1050">
+              <a:rPr lang="en-US" sz="1050" dirty="0">
                 <a:solidFill>
                   <a:srgbClr val="7030A0"/>
                 </a:solidFill>
@@ -5065,8 +4661,8 @@
         </p:nvCxnSpPr>
         <p:spPr>
           <a:xfrm rot="16200000" flipH="1">
-            <a:off x="1364475" y="3719944"/>
-            <a:ext cx="831471" cy="554381"/>
+            <a:off x="1212075" y="3567544"/>
+            <a:ext cx="831471" cy="859181"/>
           </a:xfrm>
           <a:prstGeom prst="bentConnector2">
             <a:avLst/>
@@ -5104,7 +4700,7 @@
         </p:nvSpPr>
         <p:spPr>
           <a:xfrm>
-            <a:off x="4429979" y="3111479"/>
+            <a:off x="4839943" y="3111479"/>
             <a:ext cx="189257" cy="178683"/>
           </a:xfrm>
           <a:prstGeom prst="rect">
@@ -5143,7 +4739,7 @@
         </p:nvSpPr>
         <p:spPr>
           <a:xfrm>
-            <a:off x="6135256" y="3097917"/>
+            <a:off x="6054827" y="3334675"/>
             <a:ext cx="189257" cy="178683"/>
           </a:xfrm>
           <a:prstGeom prst="rect">
@@ -5291,22 +4887,505 @@
           </a:p>
         </p:txBody>
       </p:sp>
-      <p:sp>
-        <p:nvSpPr>
-          <p:cNvPr id="52" name="Rectangle 8">
+      <p:grpSp>
+        <p:nvGrpSpPr>
+          <p:cNvPr id="14" name="Group 13">
             <a:extLst>
               <a:ext uri="{FF2B5EF4-FFF2-40B4-BE49-F238E27FC236}">
-                <a16:creationId xmlns:a16="http://schemas.microsoft.com/office/drawing/2014/main" id="{ABDCDBD2-131A-4B66-A2F2-43BBEE82C773}"/>
+                <a16:creationId xmlns:a16="http://schemas.microsoft.com/office/drawing/2014/main" id="{C948861A-F49D-5548-80F9-7FF47E958508}"/>
               </a:ext>
             </a:extLst>
           </p:cNvPr>
+          <p:cNvGrpSpPr/>
+          <p:nvPr/>
+        </p:nvGrpSpPr>
+        <p:grpSpPr>
+          <a:xfrm>
+            <a:off x="7090227" y="4822717"/>
+            <a:ext cx="1378636" cy="1590137"/>
+            <a:chOff x="7041947" y="2228817"/>
+            <a:chExt cx="1378636" cy="1590137"/>
+          </a:xfrm>
+        </p:grpSpPr>
+        <p:sp>
+          <p:nvSpPr>
+            <p:cNvPr id="76" name="Rectangle 8"/>
+            <p:cNvSpPr/>
+            <p:nvPr/>
+          </p:nvSpPr>
+          <p:spPr>
+            <a:xfrm>
+              <a:off x="7712397" y="2564238"/>
+              <a:ext cx="708186" cy="285783"/>
+            </a:xfrm>
+            <a:prstGeom prst="rect">
+              <a:avLst/>
+            </a:prstGeom>
+            <a:ln w="19050">
+              <a:solidFill>
+                <a:srgbClr val="7030A0"/>
+              </a:solidFill>
+            </a:ln>
+            <a:effectLst/>
+          </p:spPr>
+          <p:style>
+            <a:lnRef idx="1">
+              <a:schemeClr val="accent4"/>
+            </a:lnRef>
+            <a:fillRef idx="2">
+              <a:schemeClr val="accent4"/>
+            </a:fillRef>
+            <a:effectRef idx="1">
+              <a:schemeClr val="accent4"/>
+            </a:effectRef>
+            <a:fontRef idx="minor">
+              <a:schemeClr val="dk1"/>
+            </a:fontRef>
+          </p:style>
+          <p:txBody>
+            <a:bodyPr rtlCol="0" anchor="ctr"/>
+            <a:lstStyle/>
+            <a:p>
+              <a:pPr algn="ctr"/>
+              <a:r>
+                <a:rPr lang="en-US" sz="1050" dirty="0">
+                  <a:solidFill>
+                    <a:srgbClr val="7030A0"/>
+                  </a:solidFill>
+                </a:rPr>
+                <a:t>Name</a:t>
+              </a:r>
+              <a:endParaRPr lang="en-SG" sz="1050" dirty="0">
+                <a:solidFill>
+                  <a:srgbClr val="7030A0"/>
+                </a:solidFill>
+              </a:endParaRPr>
+            </a:p>
+          </p:txBody>
+        </p:sp>
+        <p:sp>
+          <p:nvSpPr>
+            <p:cNvPr id="78" name="Flowchart: Decision 96"/>
+            <p:cNvSpPr/>
+            <p:nvPr/>
+          </p:nvSpPr>
+          <p:spPr>
+            <a:xfrm>
+              <a:off x="7041947" y="2948201"/>
+              <a:ext cx="236048" cy="173380"/>
+            </a:xfrm>
+            <a:prstGeom prst="flowChartDecision">
+              <a:avLst/>
+            </a:prstGeom>
+            <a:solidFill>
+              <a:srgbClr val="7030A0"/>
+            </a:solidFill>
+            <a:ln w="19050">
+              <a:solidFill>
+                <a:srgbClr val="7030A0"/>
+              </a:solidFill>
+            </a:ln>
+            <a:effectLst/>
+          </p:spPr>
+          <p:style>
+            <a:lnRef idx="1">
+              <a:schemeClr val="accent6"/>
+            </a:lnRef>
+            <a:fillRef idx="2">
+              <a:schemeClr val="accent6"/>
+            </a:fillRef>
+            <a:effectRef idx="1">
+              <a:schemeClr val="accent6"/>
+            </a:effectRef>
+            <a:fontRef idx="minor">
+              <a:schemeClr val="dk1"/>
+            </a:fontRef>
+          </p:style>
+          <p:txBody>
+            <a:bodyPr rtlCol="0" anchor="ctr"/>
+            <a:lstStyle/>
+            <a:p>
+              <a:pPr algn="ctr"/>
+              <a:endParaRPr lang="en-US" sz="1050"/>
+            </a:p>
+          </p:txBody>
+        </p:sp>
+        <p:cxnSp>
+          <p:nvCxnSpPr>
+            <p:cNvPr id="79" name="Elbow Connector 78"/>
+            <p:cNvCxnSpPr>
+              <a:cxnSpLocks/>
+            </p:cNvCxnSpPr>
+            <p:nvPr/>
+          </p:nvCxnSpPr>
+          <p:spPr>
+            <a:xfrm flipV="1">
+              <a:off x="7277995" y="2706821"/>
+              <a:ext cx="434402" cy="327761"/>
+            </a:xfrm>
+            <a:prstGeom prst="bentConnector3">
+              <a:avLst/>
+            </a:prstGeom>
+            <a:ln w="19050">
+              <a:solidFill>
+                <a:srgbClr val="7030A0"/>
+              </a:solidFill>
+              <a:headEnd type="none" w="med" len="med"/>
+              <a:tailEnd type="arrow" w="med" len="med"/>
+            </a:ln>
+            <a:effectLst/>
+          </p:spPr>
+          <p:style>
+            <a:lnRef idx="1">
+              <a:schemeClr val="accent2"/>
+            </a:lnRef>
+            <a:fillRef idx="2">
+              <a:schemeClr val="accent2"/>
+            </a:fillRef>
+            <a:effectRef idx="1">
+              <a:schemeClr val="accent2"/>
+            </a:effectRef>
+            <a:fontRef idx="minor">
+              <a:schemeClr val="dk1"/>
+            </a:fontRef>
+          </p:style>
+        </p:cxnSp>
+        <p:sp>
+          <p:nvSpPr>
+            <p:cNvPr id="80" name="Rectangle 8"/>
+            <p:cNvSpPr/>
+            <p:nvPr/>
+          </p:nvSpPr>
+          <p:spPr>
+            <a:xfrm>
+              <a:off x="7712397" y="2887216"/>
+              <a:ext cx="708186" cy="285783"/>
+            </a:xfrm>
+            <a:prstGeom prst="rect">
+              <a:avLst/>
+            </a:prstGeom>
+            <a:ln w="19050">
+              <a:solidFill>
+                <a:srgbClr val="7030A0"/>
+              </a:solidFill>
+            </a:ln>
+            <a:effectLst/>
+          </p:spPr>
+          <p:style>
+            <a:lnRef idx="1">
+              <a:schemeClr val="accent4"/>
+            </a:lnRef>
+            <a:fillRef idx="2">
+              <a:schemeClr val="accent4"/>
+            </a:fillRef>
+            <a:effectRef idx="1">
+              <a:schemeClr val="accent4"/>
+            </a:effectRef>
+            <a:fontRef idx="minor">
+              <a:schemeClr val="dk1"/>
+            </a:fontRef>
+          </p:style>
+          <p:txBody>
+            <a:bodyPr rtlCol="0" anchor="ctr"/>
+            <a:lstStyle/>
+            <a:p>
+              <a:pPr algn="ctr"/>
+              <a:r>
+                <a:rPr lang="en-US" sz="1050" dirty="0">
+                  <a:solidFill>
+                    <a:srgbClr val="7030A0"/>
+                  </a:solidFill>
+                </a:rPr>
+                <a:t>Phone</a:t>
+              </a:r>
+              <a:endParaRPr lang="en-SG" sz="1050" dirty="0">
+                <a:solidFill>
+                  <a:srgbClr val="7030A0"/>
+                </a:solidFill>
+              </a:endParaRPr>
+            </a:p>
+          </p:txBody>
+        </p:sp>
+        <p:sp>
+          <p:nvSpPr>
+            <p:cNvPr id="83" name="Rectangle 8"/>
+            <p:cNvSpPr/>
+            <p:nvPr/>
+          </p:nvSpPr>
+          <p:spPr>
+            <a:xfrm>
+              <a:off x="7712397" y="3210194"/>
+              <a:ext cx="708186" cy="285783"/>
+            </a:xfrm>
+            <a:prstGeom prst="rect">
+              <a:avLst/>
+            </a:prstGeom>
+            <a:ln w="19050">
+              <a:solidFill>
+                <a:srgbClr val="7030A0"/>
+              </a:solidFill>
+            </a:ln>
+            <a:effectLst/>
+          </p:spPr>
+          <p:style>
+            <a:lnRef idx="1">
+              <a:schemeClr val="accent4"/>
+            </a:lnRef>
+            <a:fillRef idx="2">
+              <a:schemeClr val="accent4"/>
+            </a:fillRef>
+            <a:effectRef idx="1">
+              <a:schemeClr val="accent4"/>
+            </a:effectRef>
+            <a:fontRef idx="minor">
+              <a:schemeClr val="dk1"/>
+            </a:fontRef>
+          </p:style>
+          <p:txBody>
+            <a:bodyPr rtlCol="0" anchor="ctr"/>
+            <a:lstStyle/>
+            <a:p>
+              <a:pPr algn="ctr"/>
+              <a:r>
+                <a:rPr lang="en-US" sz="1050" dirty="0">
+                  <a:solidFill>
+                    <a:srgbClr val="7030A0"/>
+                  </a:solidFill>
+                </a:rPr>
+                <a:t>Email</a:t>
+              </a:r>
+              <a:endParaRPr lang="en-SG" sz="1050" dirty="0">
+                <a:solidFill>
+                  <a:srgbClr val="7030A0"/>
+                </a:solidFill>
+              </a:endParaRPr>
+            </a:p>
+          </p:txBody>
+        </p:sp>
+        <p:sp>
+          <p:nvSpPr>
+            <p:cNvPr id="85" name="Rectangle 8"/>
+            <p:cNvSpPr/>
+            <p:nvPr/>
+          </p:nvSpPr>
+          <p:spPr>
+            <a:xfrm>
+              <a:off x="7712397" y="3533171"/>
+              <a:ext cx="708186" cy="285783"/>
+            </a:xfrm>
+            <a:prstGeom prst="rect">
+              <a:avLst/>
+            </a:prstGeom>
+            <a:ln w="19050">
+              <a:solidFill>
+                <a:srgbClr val="7030A0"/>
+              </a:solidFill>
+            </a:ln>
+            <a:effectLst/>
+          </p:spPr>
+          <p:style>
+            <a:lnRef idx="1">
+              <a:schemeClr val="accent4"/>
+            </a:lnRef>
+            <a:fillRef idx="2">
+              <a:schemeClr val="accent4"/>
+            </a:fillRef>
+            <a:effectRef idx="1">
+              <a:schemeClr val="accent4"/>
+            </a:effectRef>
+            <a:fontRef idx="minor">
+              <a:schemeClr val="dk1"/>
+            </a:fontRef>
+          </p:style>
+          <p:txBody>
+            <a:bodyPr rtlCol="0" anchor="ctr"/>
+            <a:lstStyle/>
+            <a:p>
+              <a:pPr algn="ctr"/>
+              <a:r>
+                <a:rPr lang="en-US" sz="1050" dirty="0">
+                  <a:solidFill>
+                    <a:srgbClr val="7030A0"/>
+                  </a:solidFill>
+                </a:rPr>
+                <a:t>Address</a:t>
+              </a:r>
+              <a:endParaRPr lang="en-SG" sz="1050" dirty="0">
+                <a:solidFill>
+                  <a:srgbClr val="7030A0"/>
+                </a:solidFill>
+              </a:endParaRPr>
+            </a:p>
+          </p:txBody>
+        </p:sp>
+        <p:sp>
+          <p:nvSpPr>
+            <p:cNvPr id="52" name="Rectangle 8">
+              <a:extLst>
+                <a:ext uri="{FF2B5EF4-FFF2-40B4-BE49-F238E27FC236}">
+                  <a16:creationId xmlns:a16="http://schemas.microsoft.com/office/drawing/2014/main" id="{ABDCDBD2-131A-4B66-A2F2-43BBEE82C773}"/>
+                </a:ext>
+              </a:extLst>
+            </p:cNvPr>
+            <p:cNvSpPr/>
+            <p:nvPr/>
+          </p:nvSpPr>
+          <p:spPr>
+            <a:xfrm>
+              <a:off x="7712397" y="2228817"/>
+              <a:ext cx="708186" cy="285783"/>
+            </a:xfrm>
+            <a:prstGeom prst="rect">
+              <a:avLst/>
+            </a:prstGeom>
+            <a:ln w="19050">
+              <a:solidFill>
+                <a:srgbClr val="7030A0"/>
+              </a:solidFill>
+            </a:ln>
+            <a:effectLst/>
+          </p:spPr>
+          <p:style>
+            <a:lnRef idx="1">
+              <a:schemeClr val="accent4"/>
+            </a:lnRef>
+            <a:fillRef idx="2">
+              <a:schemeClr val="accent4"/>
+            </a:fillRef>
+            <a:effectRef idx="1">
+              <a:schemeClr val="accent4"/>
+            </a:effectRef>
+            <a:fontRef idx="minor">
+              <a:schemeClr val="dk1"/>
+            </a:fontRef>
+          </p:style>
+          <p:txBody>
+            <a:bodyPr rtlCol="0" anchor="ctr"/>
+            <a:lstStyle/>
+            <a:p>
+              <a:pPr algn="ctr"/>
+              <a:r>
+                <a:rPr lang="en-US" sz="1050" dirty="0">
+                  <a:solidFill>
+                    <a:srgbClr val="7030A0"/>
+                  </a:solidFill>
+                </a:rPr>
+                <a:t>Tag</a:t>
+              </a:r>
+              <a:endParaRPr lang="en-SG" sz="1050" dirty="0">
+                <a:solidFill>
+                  <a:srgbClr val="7030A0"/>
+                </a:solidFill>
+              </a:endParaRPr>
+            </a:p>
+          </p:txBody>
+        </p:sp>
+        <p:cxnSp>
+          <p:nvCxnSpPr>
+            <p:cNvPr id="53" name="Elbow Connector 78">
+              <a:extLst>
+                <a:ext uri="{FF2B5EF4-FFF2-40B4-BE49-F238E27FC236}">
+                  <a16:creationId xmlns:a16="http://schemas.microsoft.com/office/drawing/2014/main" id="{B97967F8-618A-448B-81FD-CDFD4AF0EC64}"/>
+                </a:ext>
+              </a:extLst>
+            </p:cNvPr>
+            <p:cNvCxnSpPr>
+              <a:cxnSpLocks/>
+              <a:stCxn id="78" idx="3"/>
+              <a:endCxn id="52" idx="1"/>
+            </p:cNvCxnSpPr>
+            <p:nvPr/>
+          </p:nvCxnSpPr>
+          <p:spPr>
+            <a:xfrm flipV="1">
+              <a:off x="7277995" y="2371709"/>
+              <a:ext cx="434402" cy="663182"/>
+            </a:xfrm>
+            <a:prstGeom prst="bentConnector3">
+              <a:avLst>
+                <a:gd name="adj1" fmla="val 50000"/>
+              </a:avLst>
+            </a:prstGeom>
+            <a:ln w="19050">
+              <a:solidFill>
+                <a:srgbClr val="7030A0"/>
+              </a:solidFill>
+              <a:headEnd type="none" w="med" len="med"/>
+              <a:tailEnd type="arrow" w="med" len="med"/>
+            </a:ln>
+            <a:effectLst/>
+          </p:spPr>
+          <p:style>
+            <a:lnRef idx="1">
+              <a:schemeClr val="accent2"/>
+            </a:lnRef>
+            <a:fillRef idx="2">
+              <a:schemeClr val="accent2"/>
+            </a:fillRef>
+            <a:effectRef idx="1">
+              <a:schemeClr val="accent2"/>
+            </a:effectRef>
+            <a:fontRef idx="minor">
+              <a:schemeClr val="dk1"/>
+            </a:fontRef>
+          </p:style>
+        </p:cxnSp>
+        <p:sp>
+          <p:nvSpPr>
+            <p:cNvPr id="50" name="TextBox 49">
+              <a:extLst>
+                <a:ext uri="{FF2B5EF4-FFF2-40B4-BE49-F238E27FC236}">
+                  <a16:creationId xmlns:a16="http://schemas.microsoft.com/office/drawing/2014/main" id="{B3FA9D57-880F-49C4-AD0B-A64E30D6F403}"/>
+                </a:ext>
+              </a:extLst>
+            </p:cNvPr>
+            <p:cNvSpPr txBox="1"/>
+            <p:nvPr/>
+          </p:nvSpPr>
+          <p:spPr>
+            <a:xfrm>
+              <a:off x="7466243" y="2255711"/>
+              <a:ext cx="189257" cy="178683"/>
+            </a:xfrm>
+            <a:prstGeom prst="rect">
+              <a:avLst/>
+            </a:prstGeom>
+            <a:noFill/>
+          </p:spPr>
+          <p:txBody>
+            <a:bodyPr wrap="square" lIns="0" tIns="0" rIns="0" bIns="0" rtlCol="0">
+              <a:noAutofit/>
+            </a:bodyPr>
+            <a:lstStyle/>
+            <a:p>
+              <a:pPr algn="ctr"/>
+              <a:r>
+                <a:rPr lang="en-US" sz="1100" dirty="0">
+                  <a:solidFill>
+                    <a:srgbClr val="7030A0"/>
+                  </a:solidFill>
+                </a:rPr>
+                <a:t>*</a:t>
+              </a:r>
+              <a:endParaRPr lang="en-SG" sz="1100" dirty="0">
+                <a:solidFill>
+                  <a:srgbClr val="7030A0"/>
+                </a:solidFill>
+              </a:endParaRPr>
+            </a:p>
+          </p:txBody>
+        </p:sp>
+      </p:grpSp>
+      <p:sp>
+        <p:nvSpPr>
+          <p:cNvPr id="55" name="Rectangle 8"/>
           <p:cNvSpPr/>
           <p:nvPr/>
         </p:nvSpPr>
         <p:spPr>
           <a:xfrm>
-            <a:off x="7712397" y="2228817"/>
-            <a:ext cx="708186" cy="285783"/>
+            <a:off x="2971800" y="2022158"/>
+            <a:ext cx="1353172" cy="364396"/>
           </a:xfrm>
           <a:prstGeom prst="rect">
             <a:avLst/>
@@ -5343,7 +5422,7 @@
                   <a:srgbClr val="7030A0"/>
                 </a:solidFill>
               </a:rPr>
-              <a:t>Tag</a:t>
+              <a:t>FinancialDatabase</a:t>
             </a:r>
             <a:endParaRPr lang="en-SG" sz="1050" dirty="0">
               <a:solidFill>
@@ -5355,29 +5434,19 @@
       </p:sp>
       <p:cxnSp>
         <p:nvCxnSpPr>
-          <p:cNvPr id="53" name="Elbow Connector 78">
-            <a:extLst>
-              <a:ext uri="{FF2B5EF4-FFF2-40B4-BE49-F238E27FC236}">
-                <a16:creationId xmlns:a16="http://schemas.microsoft.com/office/drawing/2014/main" id="{B97967F8-618A-448B-81FD-CDFD4AF0EC64}"/>
-              </a:ext>
-            </a:extLst>
-          </p:cNvPr>
+          <p:cNvPr id="60" name="Straight Arrow Connector 59"/>
           <p:cNvCxnSpPr>
             <a:cxnSpLocks/>
-            <a:stCxn id="78" idx="3"/>
-            <a:endCxn id="52" idx="1"/>
           </p:cNvCxnSpPr>
           <p:nvPr/>
         </p:nvCxnSpPr>
         <p:spPr>
-          <a:xfrm flipV="1">
-            <a:off x="7277995" y="2371709"/>
-            <a:ext cx="434402" cy="663182"/>
-          </a:xfrm>
-          <a:prstGeom prst="bentConnector3">
-            <a:avLst>
-              <a:gd name="adj1" fmla="val 50000"/>
-            </a:avLst>
+          <a:xfrm>
+            <a:off x="4821966" y="3003033"/>
+            <a:ext cx="336550" cy="0"/>
+          </a:xfrm>
+          <a:prstGeom prst="straightConnector1">
+            <a:avLst/>
           </a:prstGeom>
           <a:ln w="19050">
             <a:solidFill>
@@ -5405,155 +5474,13 @@
       </p:cxnSp>
       <p:sp>
         <p:nvSpPr>
-          <p:cNvPr id="50" name="TextBox 49">
-            <a:extLst>
-              <a:ext uri="{FF2B5EF4-FFF2-40B4-BE49-F238E27FC236}">
-                <a16:creationId xmlns:a16="http://schemas.microsoft.com/office/drawing/2014/main" id="{B3FA9D57-880F-49C4-AD0B-A64E30D6F403}"/>
-              </a:ext>
-            </a:extLst>
-          </p:cNvPr>
-          <p:cNvSpPr txBox="1"/>
-          <p:nvPr/>
-        </p:nvSpPr>
-        <p:spPr>
-          <a:xfrm>
-            <a:off x="7466243" y="2255711"/>
-            <a:ext cx="189257" cy="178683"/>
-          </a:xfrm>
-          <a:prstGeom prst="rect">
-            <a:avLst/>
-          </a:prstGeom>
-          <a:noFill/>
-        </p:spPr>
-        <p:txBody>
-          <a:bodyPr wrap="square" lIns="0" tIns="0" rIns="0" bIns="0" rtlCol="0">
-            <a:noAutofit/>
-          </a:bodyPr>
-          <a:lstStyle/>
-          <a:p>
-            <a:pPr algn="ctr"/>
-            <a:r>
-              <a:rPr lang="en-US" sz="1100" dirty="0">
-                <a:solidFill>
-                  <a:srgbClr val="7030A0"/>
-                </a:solidFill>
-              </a:rPr>
-              <a:t>*</a:t>
-            </a:r>
-            <a:endParaRPr lang="en-SG" sz="1100" dirty="0">
-              <a:solidFill>
-                <a:srgbClr val="7030A0"/>
-              </a:solidFill>
-            </a:endParaRPr>
-          </a:p>
-        </p:txBody>
-      </p:sp>
-      <p:sp>
-        <p:nvSpPr>
-          <p:cNvPr id="55" name="Rectangle 8"/>
-          <p:cNvSpPr/>
-          <p:nvPr/>
-        </p:nvSpPr>
-        <p:spPr>
-          <a:xfrm>
-            <a:off x="3170181" y="1998350"/>
-            <a:ext cx="1060683" cy="364396"/>
-          </a:xfrm>
-          <a:prstGeom prst="rect">
-            <a:avLst/>
-          </a:prstGeom>
-          <a:ln w="19050">
-            <a:solidFill>
-              <a:srgbClr val="7030A0"/>
-            </a:solidFill>
-          </a:ln>
-          <a:effectLst/>
-        </p:spPr>
-        <p:style>
-          <a:lnRef idx="1">
-            <a:schemeClr val="accent4"/>
-          </a:lnRef>
-          <a:fillRef idx="2">
-            <a:schemeClr val="accent4"/>
-          </a:fillRef>
-          <a:effectRef idx="1">
-            <a:schemeClr val="accent4"/>
-          </a:effectRef>
-          <a:fontRef idx="minor">
-            <a:schemeClr val="dk1"/>
-          </a:fontRef>
-        </p:style>
-        <p:txBody>
-          <a:bodyPr rtlCol="0" anchor="ctr"/>
-          <a:lstStyle/>
-          <a:p>
-            <a:pPr algn="ctr"/>
-            <a:r>
-              <a:rPr lang="en-US" sz="1050" dirty="0" err="1">
-                <a:solidFill>
-                  <a:srgbClr val="7030A0"/>
-                </a:solidFill>
-              </a:rPr>
-              <a:t>AddressBook</a:t>
-            </a:r>
-            <a:endParaRPr lang="en-SG" sz="1050" dirty="0">
-              <a:solidFill>
-                <a:srgbClr val="7030A0"/>
-              </a:solidFill>
-            </a:endParaRPr>
-          </a:p>
-        </p:txBody>
-      </p:sp>
-      <p:cxnSp>
-        <p:nvCxnSpPr>
-          <p:cNvPr id="60" name="Straight Arrow Connector 59"/>
-          <p:cNvCxnSpPr>
-            <a:stCxn id="51" idx="1"/>
-            <a:endCxn id="49" idx="1"/>
-          </p:cNvCxnSpPr>
-          <p:nvPr/>
-        </p:nvCxnSpPr>
-        <p:spPr>
-          <a:xfrm>
-            <a:off x="4324972" y="3007222"/>
-            <a:ext cx="367678" cy="12320"/>
-          </a:xfrm>
-          <a:prstGeom prst="straightConnector1">
-            <a:avLst/>
-          </a:prstGeom>
-          <a:ln w="19050">
-            <a:solidFill>
-              <a:srgbClr val="7030A0"/>
-            </a:solidFill>
-            <a:headEnd type="none" w="med" len="med"/>
-            <a:tailEnd type="arrow" w="med" len="med"/>
-          </a:ln>
-          <a:effectLst/>
-        </p:spPr>
-        <p:style>
-          <a:lnRef idx="1">
-            <a:schemeClr val="accent2"/>
-          </a:lnRef>
-          <a:fillRef idx="2">
-            <a:schemeClr val="accent2"/>
-          </a:fillRef>
-          <a:effectRef idx="1">
-            <a:schemeClr val="accent2"/>
-          </a:effectRef>
-          <a:fontRef idx="minor">
-            <a:schemeClr val="dk1"/>
-          </a:fontRef>
-        </p:style>
-      </p:cxnSp>
-      <p:sp>
-        <p:nvSpPr>
           <p:cNvPr id="68" name="Isosceles Triangle 102"/>
           <p:cNvSpPr/>
           <p:nvPr/>
         </p:nvSpPr>
         <p:spPr>
           <a:xfrm rot="16200000">
-            <a:off x="2669073" y="2069158"/>
+            <a:off x="2437784" y="2099199"/>
             <a:ext cx="271014" cy="187417"/>
           </a:xfrm>
           <a:prstGeom prst="triangle">
@@ -5601,15 +5528,16 @@
         <p:nvCxnSpPr>
           <p:cNvPr id="69" name="Elbow Connector 63"/>
           <p:cNvCxnSpPr>
+            <a:cxnSpLocks/>
             <a:stCxn id="68" idx="3"/>
             <a:endCxn id="55" idx="1"/>
           </p:cNvCxnSpPr>
           <p:nvPr/>
         </p:nvCxnSpPr>
         <p:spPr>
-          <a:xfrm>
-            <a:off x="2898289" y="2177727"/>
-            <a:ext cx="271892" cy="2821"/>
+          <a:xfrm flipV="1">
+            <a:off x="2667000" y="2204356"/>
+            <a:ext cx="304800" cy="3412"/>
           </a:xfrm>
           <a:prstGeom prst="bentConnector3">
             <a:avLst>
@@ -5623,6 +5551,98 @@
             <a:prstDash val="sysDot"/>
             <a:headEnd type="none" w="med" len="med"/>
             <a:tailEnd type="none" w="med" len="med"/>
+          </a:ln>
+          <a:effectLst/>
+        </p:spPr>
+        <p:style>
+          <a:lnRef idx="1">
+            <a:schemeClr val="accent2"/>
+          </a:lnRef>
+          <a:fillRef idx="2">
+            <a:schemeClr val="accent2"/>
+          </a:fillRef>
+          <a:effectRef idx="1">
+            <a:schemeClr val="accent2"/>
+          </a:effectRef>
+          <a:fontRef idx="minor">
+            <a:schemeClr val="dk1"/>
+          </a:fontRef>
+        </p:style>
+      </p:cxnSp>
+      <p:cxnSp>
+        <p:nvCxnSpPr>
+          <p:cNvPr id="67" name="Straight Arrow Connector 66">
+            <a:extLst>
+              <a:ext uri="{FF2B5EF4-FFF2-40B4-BE49-F238E27FC236}">
+                <a16:creationId xmlns:a16="http://schemas.microsoft.com/office/drawing/2014/main" id="{88DF6772-B3C3-EA4C-9D80-36BA5B69817C}"/>
+              </a:ext>
+            </a:extLst>
+          </p:cNvPr>
+          <p:cNvCxnSpPr>
+            <a:cxnSpLocks/>
+          </p:cNvCxnSpPr>
+          <p:nvPr/>
+        </p:nvCxnSpPr>
+        <p:spPr>
+          <a:xfrm>
+            <a:off x="6803395" y="2998583"/>
+            <a:ext cx="336550" cy="0"/>
+          </a:xfrm>
+          <a:prstGeom prst="straightConnector1">
+            <a:avLst/>
+          </a:prstGeom>
+          <a:ln w="19050">
+            <a:solidFill>
+              <a:srgbClr val="7030A0"/>
+            </a:solidFill>
+            <a:headEnd type="none" w="med" len="med"/>
+            <a:tailEnd type="arrow" w="med" len="med"/>
+          </a:ln>
+          <a:effectLst/>
+        </p:spPr>
+        <p:style>
+          <a:lnRef idx="1">
+            <a:schemeClr val="accent2"/>
+          </a:lnRef>
+          <a:fillRef idx="2">
+            <a:schemeClr val="accent2"/>
+          </a:fillRef>
+          <a:effectRef idx="1">
+            <a:schemeClr val="accent2"/>
+          </a:effectRef>
+          <a:fontRef idx="minor">
+            <a:schemeClr val="dk1"/>
+          </a:fontRef>
+        </p:style>
+      </p:cxnSp>
+      <p:cxnSp>
+        <p:nvCxnSpPr>
+          <p:cNvPr id="72" name="Straight Arrow Connector 71">
+            <a:extLst>
+              <a:ext uri="{FF2B5EF4-FFF2-40B4-BE49-F238E27FC236}">
+                <a16:creationId xmlns:a16="http://schemas.microsoft.com/office/drawing/2014/main" id="{54CB99EB-C410-DE42-9810-57570B034199}"/>
+              </a:ext>
+            </a:extLst>
+          </p:cNvPr>
+          <p:cNvCxnSpPr>
+            <a:cxnSpLocks/>
+          </p:cNvCxnSpPr>
+          <p:nvPr/>
+        </p:nvCxnSpPr>
+        <p:spPr>
+          <a:xfrm flipV="1">
+            <a:off x="6687833" y="4157619"/>
+            <a:ext cx="1015947" cy="4022"/>
+          </a:xfrm>
+          <a:prstGeom prst="straightConnector1">
+            <a:avLst/>
+          </a:prstGeom>
+          <a:ln w="19050">
+            <a:solidFill>
+              <a:srgbClr val="7030A0"/>
+            </a:solidFill>
+            <a:headEnd type="none" w="med" len="med"/>
+            <a:tailEnd type="arrow" w="med" len="med"/>
           </a:ln>
           <a:effectLst/>
         </p:spPr>

--- a/docs/diagrams/ModelComponentClassDiagram.pptx
+++ b/docs/diagrams/ModelComponentClassDiagram.pptx
@@ -5,12 +5,13 @@
     <p:sldMasterId id="2147483648" r:id="rId1"/>
   </p:sldMasterIdLst>
   <p:notesMasterIdLst>
-    <p:notesMasterId r:id="rId3"/>
+    <p:notesMasterId r:id="rId4"/>
   </p:notesMasterIdLst>
   <p:sldIdLst>
     <p:sldId id="263" r:id="rId2"/>
+    <p:sldId id="264" r:id="rId3"/>
   </p:sldIdLst>
-  <p:sldSz cx="9144000" cy="6858000" type="screen4x3"/>
+  <p:sldSz cx="12192000" cy="6858000"/>
   <p:notesSz cx="6858000" cy="9144000"/>
   <p:defaultTextStyle>
     <a:defPPr>
@@ -110,12 +111,12 @@
   <p:extLst>
     <p:ext uri="{EFAFB233-063F-42B5-8137-9DF3F51BA10A}">
       <p15:sldGuideLst xmlns:p15="http://schemas.microsoft.com/office/powerpoint/2012/main">
-        <p15:guide id="1" orient="horz" pos="1488">
+        <p15:guide id="1" orient="horz" pos="1488" userDrawn="1">
           <p15:clr>
             <a:srgbClr val="A4A3A4"/>
           </p15:clr>
         </p15:guide>
-        <p15:guide id="2" pos="2880">
+        <p15:guide id="2" pos="3840" userDrawn="1">
           <p15:clr>
             <a:srgbClr val="A4A3A4"/>
           </p15:clr>
@@ -208,7 +209,7 @@
           <a:p>
             <a:fld id="{F5CC4B3F-88C1-4FFA-B1B6-F41C21DC6924}" type="datetimeFigureOut">
               <a:rPr lang="en-US" smtClean="0"/>
-              <a:t>10/23/18</a:t>
+              <a:t>10/25/18</a:t>
             </a:fld>
             <a:endParaRPr lang="en-US"/>
           </a:p>
@@ -226,8 +227,8 @@
         </p:nvSpPr>
         <p:spPr>
           <a:xfrm>
-            <a:off x="1143000" y="685800"/>
-            <a:ext cx="4572000" cy="3429000"/>
+            <a:off x="381000" y="685800"/>
+            <a:ext cx="6096000" cy="3429000"/>
           </a:xfrm>
           <a:prstGeom prst="rect">
             <a:avLst/>
@@ -504,8 +505,8 @@
         </p:nvSpPr>
         <p:spPr>
           <a:xfrm>
-            <a:off x="685800" y="2130425"/>
-            <a:ext cx="7772400" cy="1470025"/>
+            <a:off x="914400" y="2130426"/>
+            <a:ext cx="10363200" cy="1470025"/>
           </a:xfrm>
         </p:spPr>
         <p:txBody>
@@ -531,8 +532,8 @@
         </p:nvSpPr>
         <p:spPr>
           <a:xfrm>
-            <a:off x="1371600" y="3886200"/>
-            <a:ext cx="6400800" cy="1752600"/>
+            <a:off x="1828800" y="3886200"/>
+            <a:ext cx="8534400" cy="1752600"/>
           </a:xfrm>
         </p:spPr>
         <p:txBody>
@@ -654,7 +655,7 @@
           <a:p>
             <a:fld id="{78C97017-6FC3-485B-9764-EAC9E56C1D49}" type="datetimeFigureOut">
               <a:rPr lang="en-US" smtClean="0"/>
-              <a:t>10/23/18</a:t>
+              <a:t>10/25/18</a:t>
             </a:fld>
             <a:endParaRPr lang="en-US"/>
           </a:p>
@@ -822,7 +823,7 @@
           <a:p>
             <a:fld id="{78C97017-6FC3-485B-9764-EAC9E56C1D49}" type="datetimeFigureOut">
               <a:rPr lang="en-US" smtClean="0"/>
-              <a:t>10/23/18</a:t>
+              <a:t>10/25/18</a:t>
             </a:fld>
             <a:endParaRPr lang="en-US"/>
           </a:p>
@@ -912,8 +913,8 @@
         </p:nvSpPr>
         <p:spPr>
           <a:xfrm>
-            <a:off x="6629400" y="274638"/>
-            <a:ext cx="2057400" cy="5851525"/>
+            <a:off x="8839200" y="274639"/>
+            <a:ext cx="2743200" cy="5851525"/>
           </a:xfrm>
         </p:spPr>
         <p:txBody>
@@ -939,8 +940,8 @@
         </p:nvSpPr>
         <p:spPr>
           <a:xfrm>
-            <a:off x="457200" y="274638"/>
-            <a:ext cx="6019800" cy="5851525"/>
+            <a:off x="609600" y="274639"/>
+            <a:ext cx="8026400" cy="5851525"/>
           </a:xfrm>
         </p:spPr>
         <p:txBody>
@@ -1000,7 +1001,7 @@
           <a:p>
             <a:fld id="{78C97017-6FC3-485B-9764-EAC9E56C1D49}" type="datetimeFigureOut">
               <a:rPr lang="en-US" smtClean="0"/>
-              <a:t>10/23/18</a:t>
+              <a:t>10/25/18</a:t>
             </a:fld>
             <a:endParaRPr lang="en-US"/>
           </a:p>
@@ -1168,7 +1169,7 @@
           <a:p>
             <a:fld id="{78C97017-6FC3-485B-9764-EAC9E56C1D49}" type="datetimeFigureOut">
               <a:rPr lang="en-US" smtClean="0"/>
-              <a:t>10/23/18</a:t>
+              <a:t>10/25/18</a:t>
             </a:fld>
             <a:endParaRPr lang="en-US"/>
           </a:p>
@@ -1258,8 +1259,8 @@
         </p:nvSpPr>
         <p:spPr>
           <a:xfrm>
-            <a:off x="722313" y="4406900"/>
-            <a:ext cx="7772400" cy="1362075"/>
+            <a:off x="963084" y="4406901"/>
+            <a:ext cx="10363200" cy="1362075"/>
           </a:xfrm>
         </p:spPr>
         <p:txBody>
@@ -1289,8 +1290,8 @@
         </p:nvSpPr>
         <p:spPr>
           <a:xfrm>
-            <a:off x="722313" y="2906713"/>
-            <a:ext cx="7772400" cy="1500187"/>
+            <a:off x="963084" y="2906713"/>
+            <a:ext cx="10363200" cy="1500187"/>
           </a:xfrm>
         </p:spPr>
         <p:txBody>
@@ -1413,7 +1414,7 @@
           <a:p>
             <a:fld id="{78C97017-6FC3-485B-9764-EAC9E56C1D49}" type="datetimeFigureOut">
               <a:rPr lang="en-US" smtClean="0"/>
-              <a:t>10/23/18</a:t>
+              <a:t>10/25/18</a:t>
             </a:fld>
             <a:endParaRPr lang="en-US"/>
           </a:p>
@@ -1525,8 +1526,8 @@
         </p:nvSpPr>
         <p:spPr>
           <a:xfrm>
-            <a:off x="457200" y="1600200"/>
-            <a:ext cx="4038600" cy="4525963"/>
+            <a:off x="609600" y="1600201"/>
+            <a:ext cx="5384800" cy="4525963"/>
           </a:xfrm>
         </p:spPr>
         <p:txBody>
@@ -1609,8 +1610,8 @@
         </p:nvSpPr>
         <p:spPr>
           <a:xfrm>
-            <a:off x="4648200" y="1600200"/>
-            <a:ext cx="4038600" cy="4525963"/>
+            <a:off x="6197600" y="1600201"/>
+            <a:ext cx="5384800" cy="4525963"/>
           </a:xfrm>
         </p:spPr>
         <p:txBody>
@@ -1698,7 +1699,7 @@
           <a:p>
             <a:fld id="{78C97017-6FC3-485B-9764-EAC9E56C1D49}" type="datetimeFigureOut">
               <a:rPr lang="en-US" smtClean="0"/>
-              <a:t>10/23/18</a:t>
+              <a:t>10/25/18</a:t>
             </a:fld>
             <a:endParaRPr lang="en-US"/>
           </a:p>
@@ -1814,8 +1815,8 @@
         </p:nvSpPr>
         <p:spPr>
           <a:xfrm>
-            <a:off x="457200" y="1535113"/>
-            <a:ext cx="4040188" cy="639762"/>
+            <a:off x="609600" y="1535113"/>
+            <a:ext cx="5386917" cy="639762"/>
           </a:xfrm>
         </p:spPr>
         <p:txBody>
@@ -1879,8 +1880,8 @@
         </p:nvSpPr>
         <p:spPr>
           <a:xfrm>
-            <a:off x="457200" y="2174875"/>
-            <a:ext cx="4040188" cy="3951288"/>
+            <a:off x="609600" y="2174875"/>
+            <a:ext cx="5386917" cy="3951288"/>
           </a:xfrm>
         </p:spPr>
         <p:txBody>
@@ -1963,8 +1964,8 @@
         </p:nvSpPr>
         <p:spPr>
           <a:xfrm>
-            <a:off x="4645025" y="1535113"/>
-            <a:ext cx="4041775" cy="639762"/>
+            <a:off x="6193368" y="1535113"/>
+            <a:ext cx="5389033" cy="639762"/>
           </a:xfrm>
         </p:spPr>
         <p:txBody>
@@ -2028,8 +2029,8 @@
         </p:nvSpPr>
         <p:spPr>
           <a:xfrm>
-            <a:off x="4645025" y="2174875"/>
-            <a:ext cx="4041775" cy="3951288"/>
+            <a:off x="6193368" y="2174875"/>
+            <a:ext cx="5389033" cy="3951288"/>
           </a:xfrm>
         </p:spPr>
         <p:txBody>
@@ -2117,7 +2118,7 @@
           <a:p>
             <a:fld id="{78C97017-6FC3-485B-9764-EAC9E56C1D49}" type="datetimeFigureOut">
               <a:rPr lang="en-US" smtClean="0"/>
-              <a:t>10/23/18</a:t>
+              <a:t>10/25/18</a:t>
             </a:fld>
             <a:endParaRPr lang="en-US"/>
           </a:p>
@@ -2234,7 +2235,7 @@
           <a:p>
             <a:fld id="{78C97017-6FC3-485B-9764-EAC9E56C1D49}" type="datetimeFigureOut">
               <a:rPr lang="en-US" smtClean="0"/>
-              <a:t>10/23/18</a:t>
+              <a:t>10/25/18</a:t>
             </a:fld>
             <a:endParaRPr lang="en-US"/>
           </a:p>
@@ -2329,7 +2330,7 @@
           <a:p>
             <a:fld id="{78C97017-6FC3-485B-9764-EAC9E56C1D49}" type="datetimeFigureOut">
               <a:rPr lang="en-US" smtClean="0"/>
-              <a:t>10/23/18</a:t>
+              <a:t>10/25/18</a:t>
             </a:fld>
             <a:endParaRPr lang="en-US"/>
           </a:p>
@@ -2419,8 +2420,8 @@
         </p:nvSpPr>
         <p:spPr>
           <a:xfrm>
-            <a:off x="457200" y="273050"/>
-            <a:ext cx="3008313" cy="1162050"/>
+            <a:off x="609601" y="273050"/>
+            <a:ext cx="4011084" cy="1162050"/>
           </a:xfrm>
         </p:spPr>
         <p:txBody>
@@ -2450,8 +2451,8 @@
         </p:nvSpPr>
         <p:spPr>
           <a:xfrm>
-            <a:off x="3575050" y="273050"/>
-            <a:ext cx="5111750" cy="5853113"/>
+            <a:off x="4766733" y="273051"/>
+            <a:ext cx="6815667" cy="5853113"/>
           </a:xfrm>
         </p:spPr>
         <p:txBody>
@@ -2534,8 +2535,8 @@
         </p:nvSpPr>
         <p:spPr>
           <a:xfrm>
-            <a:off x="457200" y="1435100"/>
-            <a:ext cx="3008313" cy="4691063"/>
+            <a:off x="609601" y="1435101"/>
+            <a:ext cx="4011084" cy="4691063"/>
           </a:xfrm>
         </p:spPr>
         <p:txBody>
@@ -2604,7 +2605,7 @@
           <a:p>
             <a:fld id="{78C97017-6FC3-485B-9764-EAC9E56C1D49}" type="datetimeFigureOut">
               <a:rPr lang="en-US" smtClean="0"/>
-              <a:t>10/23/18</a:t>
+              <a:t>10/25/18</a:t>
             </a:fld>
             <a:endParaRPr lang="en-US"/>
           </a:p>
@@ -2694,8 +2695,8 @@
         </p:nvSpPr>
         <p:spPr>
           <a:xfrm>
-            <a:off x="1792288" y="4800600"/>
-            <a:ext cx="5486400" cy="566738"/>
+            <a:off x="2389717" y="4800600"/>
+            <a:ext cx="7315200" cy="566738"/>
           </a:xfrm>
         </p:spPr>
         <p:txBody>
@@ -2725,8 +2726,8 @@
         </p:nvSpPr>
         <p:spPr>
           <a:xfrm>
-            <a:off x="1792288" y="612775"/>
-            <a:ext cx="5486400" cy="4114800"/>
+            <a:off x="2389717" y="612775"/>
+            <a:ext cx="7315200" cy="4114800"/>
           </a:xfrm>
         </p:spPr>
         <p:txBody>
@@ -2786,8 +2787,8 @@
         </p:nvSpPr>
         <p:spPr>
           <a:xfrm>
-            <a:off x="1792288" y="5367338"/>
-            <a:ext cx="5486400" cy="804862"/>
+            <a:off x="2389717" y="5367338"/>
+            <a:ext cx="7315200" cy="804862"/>
           </a:xfrm>
         </p:spPr>
         <p:txBody>
@@ -2856,7 +2857,7 @@
           <a:p>
             <a:fld id="{78C97017-6FC3-485B-9764-EAC9E56C1D49}" type="datetimeFigureOut">
               <a:rPr lang="en-US" smtClean="0"/>
-              <a:t>10/23/18</a:t>
+              <a:t>10/25/18</a:t>
             </a:fld>
             <a:endParaRPr lang="en-US"/>
           </a:p>
@@ -2951,8 +2952,8 @@
         </p:nvSpPr>
         <p:spPr>
           <a:xfrm>
-            <a:off x="457200" y="274638"/>
-            <a:ext cx="8229600" cy="1143000"/>
+            <a:off x="609600" y="274638"/>
+            <a:ext cx="10972800" cy="1143000"/>
           </a:xfrm>
           <a:prstGeom prst="rect">
             <a:avLst/>
@@ -2983,8 +2984,8 @@
         </p:nvSpPr>
         <p:spPr>
           <a:xfrm>
-            <a:off x="457200" y="1600200"/>
-            <a:ext cx="8229600" cy="4525963"/>
+            <a:off x="609600" y="1600201"/>
+            <a:ext cx="10972800" cy="4525963"/>
           </a:xfrm>
           <a:prstGeom prst="rect">
             <a:avLst/>
@@ -3044,8 +3045,8 @@
         </p:nvSpPr>
         <p:spPr>
           <a:xfrm>
-            <a:off x="457200" y="6356350"/>
-            <a:ext cx="2133600" cy="365125"/>
+            <a:off x="609600" y="6356351"/>
+            <a:ext cx="2844800" cy="365125"/>
           </a:xfrm>
           <a:prstGeom prst="rect">
             <a:avLst/>
@@ -3067,7 +3068,7 @@
           <a:p>
             <a:fld id="{78C97017-6FC3-485B-9764-EAC9E56C1D49}" type="datetimeFigureOut">
               <a:rPr lang="en-US" smtClean="0"/>
-              <a:t>10/23/18</a:t>
+              <a:t>10/25/18</a:t>
             </a:fld>
             <a:endParaRPr lang="en-US"/>
           </a:p>
@@ -3085,8 +3086,8 @@
         </p:nvSpPr>
         <p:spPr>
           <a:xfrm>
-            <a:off x="3124200" y="6356350"/>
-            <a:ext cx="2895600" cy="365125"/>
+            <a:off x="4165600" y="6356351"/>
+            <a:ext cx="3860800" cy="365125"/>
           </a:xfrm>
           <a:prstGeom prst="rect">
             <a:avLst/>
@@ -3122,8 +3123,8 @@
         </p:nvSpPr>
         <p:spPr>
           <a:xfrm>
-            <a:off x="6553200" y="6356350"/>
-            <a:ext cx="2133600" cy="365125"/>
+            <a:off x="8737600" y="6356351"/>
+            <a:ext cx="2844800" cy="365125"/>
           </a:xfrm>
           <a:prstGeom prst="rect">
             <a:avLst/>
@@ -3442,680 +3443,1781 @@
           <a:chExt cx="0" cy="0"/>
         </a:xfrm>
       </p:grpSpPr>
-      <p:sp>
-        <p:nvSpPr>
-          <p:cNvPr id="118" name="Rectangle 65"/>
-          <p:cNvSpPr/>
+      <p:grpSp>
+        <p:nvGrpSpPr>
+          <p:cNvPr id="35" name="Group 34">
+            <a:extLst>
+              <a:ext uri="{FF2B5EF4-FFF2-40B4-BE49-F238E27FC236}">
+                <a16:creationId xmlns:a16="http://schemas.microsoft.com/office/drawing/2014/main" id="{C4E883B1-E552-6C49-AA30-17410C751614}"/>
+              </a:ext>
+            </a:extLst>
+          </p:cNvPr>
+          <p:cNvGrpSpPr/>
           <p:nvPr/>
-        </p:nvSpPr>
-        <p:spPr>
+        </p:nvGrpSpPr>
+        <p:grpSpPr>
           <a:xfrm>
-            <a:off x="457201" y="1600200"/>
+            <a:off x="228600" y="381000"/>
             <a:ext cx="8153400" cy="3581400"/>
+            <a:chOff x="1905000" y="1600200"/>
+            <a:chExt cx="8153400" cy="3581400"/>
           </a:xfrm>
-          <a:prstGeom prst="roundRect">
-            <a:avLst>
-              <a:gd name="adj" fmla="val 3484"/>
-            </a:avLst>
-          </a:prstGeom>
-          <a:solidFill>
-            <a:schemeClr val="accent4">
-              <a:lumMod val="20000"/>
-              <a:lumOff val="80000"/>
-            </a:schemeClr>
-          </a:solidFill>
-          <a:ln w="19050">
-            <a:noFill/>
-          </a:ln>
-          <a:effectLst/>
-        </p:spPr>
-        <p:style>
-          <a:lnRef idx="1">
-            <a:schemeClr val="accent2"/>
-          </a:lnRef>
-          <a:fillRef idx="2">
-            <a:schemeClr val="accent2"/>
-          </a:fillRef>
-          <a:effectRef idx="1">
-            <a:schemeClr val="accent2"/>
-          </a:effectRef>
-          <a:fontRef idx="minor">
-            <a:schemeClr val="dk1"/>
-          </a:fontRef>
-        </p:style>
-        <p:txBody>
-          <a:bodyPr rtlCol="0" anchor="t"/>
-          <a:lstStyle/>
-          <a:p>
-            <a:r>
-              <a:rPr lang="en-US" sz="1200" b="1" dirty="0">
+        </p:grpSpPr>
+        <p:sp>
+          <p:nvSpPr>
+            <p:cNvPr id="118" name="Rectangle 65"/>
+            <p:cNvSpPr/>
+            <p:nvPr/>
+          </p:nvSpPr>
+          <p:spPr>
+            <a:xfrm>
+              <a:off x="1905000" y="1600200"/>
+              <a:ext cx="8153400" cy="3581400"/>
+            </a:xfrm>
+            <a:prstGeom prst="roundRect">
+              <a:avLst>
+                <a:gd name="adj" fmla="val 3484"/>
+              </a:avLst>
+            </a:prstGeom>
+            <a:solidFill>
+              <a:schemeClr val="accent4">
+                <a:lumMod val="20000"/>
+                <a:lumOff val="80000"/>
+              </a:schemeClr>
+            </a:solidFill>
+            <a:ln w="19050">
+              <a:noFill/>
+            </a:ln>
+            <a:effectLst/>
+          </p:spPr>
+          <p:style>
+            <a:lnRef idx="1">
+              <a:schemeClr val="accent2"/>
+            </a:lnRef>
+            <a:fillRef idx="2">
+              <a:schemeClr val="accent2"/>
+            </a:fillRef>
+            <a:effectRef idx="1">
+              <a:schemeClr val="accent2"/>
+            </a:effectRef>
+            <a:fontRef idx="minor">
+              <a:schemeClr val="dk1"/>
+            </a:fontRef>
+          </p:style>
+          <p:txBody>
+            <a:bodyPr rtlCol="0" anchor="t"/>
+            <a:lstStyle/>
+            <a:p>
+              <a:r>
+                <a:rPr lang="en-US" sz="1200" b="1" dirty="0">
+                  <a:solidFill>
+                    <a:srgbClr val="7030A0"/>
+                  </a:solidFill>
+                </a:rPr>
+                <a:t>Model</a:t>
+              </a:r>
+              <a:endParaRPr lang="en-SG" sz="1200" b="1" dirty="0">
                 <a:solidFill>
                   <a:srgbClr val="7030A0"/>
                 </a:solidFill>
-              </a:rPr>
-              <a:t>Model</a:t>
-            </a:r>
-            <a:endParaRPr lang="en-SG" sz="1200" b="1" dirty="0">
+              </a:endParaRPr>
+            </a:p>
+          </p:txBody>
+        </p:sp>
+        <p:sp>
+          <p:nvSpPr>
+            <p:cNvPr id="2" name="Rectangle 8"/>
+            <p:cNvSpPr/>
+            <p:nvPr/>
+          </p:nvSpPr>
+          <p:spPr>
+            <a:xfrm>
+              <a:off x="4401181" y="3463240"/>
+              <a:ext cx="1093635" cy="346760"/>
+            </a:xfrm>
+            <a:prstGeom prst="rect">
+              <a:avLst/>
+            </a:prstGeom>
+            <a:solidFill>
+              <a:srgbClr val="7030A0"/>
+            </a:solidFill>
+            <a:ln w="19050">
               <a:solidFill>
                 <a:srgbClr val="7030A0"/>
               </a:solidFill>
-            </a:endParaRPr>
-          </a:p>
-        </p:txBody>
-      </p:sp>
-      <p:sp>
-        <p:nvSpPr>
-          <p:cNvPr id="2" name="Rectangle 8"/>
-          <p:cNvSpPr/>
-          <p:nvPr/>
-        </p:nvSpPr>
-        <p:spPr>
-          <a:xfrm>
-            <a:off x="2877180" y="3463240"/>
-            <a:ext cx="1093635" cy="346760"/>
-          </a:xfrm>
-          <a:prstGeom prst="rect">
-            <a:avLst/>
-          </a:prstGeom>
-          <a:solidFill>
-            <a:srgbClr val="7030A0"/>
-          </a:solidFill>
-          <a:ln w="19050">
+            </a:ln>
+            <a:effectLst/>
+          </p:spPr>
+          <p:style>
+            <a:lnRef idx="1">
+              <a:schemeClr val="accent2"/>
+            </a:lnRef>
+            <a:fillRef idx="2">
+              <a:schemeClr val="accent2"/>
+            </a:fillRef>
+            <a:effectRef idx="1">
+              <a:schemeClr val="accent2"/>
+            </a:effectRef>
+            <a:fontRef idx="minor">
+              <a:schemeClr val="dk1"/>
+            </a:fontRef>
+          </p:style>
+          <p:txBody>
+            <a:bodyPr rtlCol="0" anchor="ctr"/>
+            <a:lstStyle/>
+            <a:p>
+              <a:pPr algn="ctr"/>
+              <a:r>
+                <a:rPr lang="en-US" sz="1050" dirty="0" err="1">
+                  <a:solidFill>
+                    <a:schemeClr val="bg1"/>
+                  </a:solidFill>
+                </a:rPr>
+                <a:t>UserPref</a:t>
+              </a:r>
+              <a:endParaRPr lang="en-SG" sz="1050" dirty="0">
+                <a:solidFill>
+                  <a:schemeClr val="bg1"/>
+                </a:solidFill>
+              </a:endParaRPr>
+            </a:p>
+          </p:txBody>
+        </p:sp>
+        <p:sp>
+          <p:nvSpPr>
+            <p:cNvPr id="9" name="Rectangle 62"/>
+            <p:cNvSpPr/>
+            <p:nvPr/>
+          </p:nvSpPr>
+          <p:spPr>
+            <a:xfrm rot="16200000">
+              <a:off x="3055564" y="3089802"/>
+              <a:ext cx="1093635" cy="346760"/>
+            </a:xfrm>
+            <a:prstGeom prst="rect">
+              <a:avLst/>
+            </a:prstGeom>
             <a:solidFill>
               <a:srgbClr val="7030A0"/>
             </a:solidFill>
-          </a:ln>
-          <a:effectLst/>
-        </p:spPr>
-        <p:style>
-          <a:lnRef idx="1">
-            <a:schemeClr val="accent2"/>
-          </a:lnRef>
-          <a:fillRef idx="2">
-            <a:schemeClr val="accent2"/>
-          </a:fillRef>
-          <a:effectRef idx="1">
-            <a:schemeClr val="accent2"/>
-          </a:effectRef>
-          <a:fontRef idx="minor">
-            <a:schemeClr val="dk1"/>
-          </a:fontRef>
-        </p:style>
-        <p:txBody>
-          <a:bodyPr rtlCol="0" anchor="ctr"/>
-          <a:lstStyle/>
-          <a:p>
-            <a:pPr algn="ctr"/>
-            <a:r>
-              <a:rPr lang="en-US" sz="1050" dirty="0" err="1">
+            <a:ln w="19050">
+              <a:solidFill>
+                <a:srgbClr val="7030A0"/>
+              </a:solidFill>
+            </a:ln>
+            <a:effectLst/>
+          </p:spPr>
+          <p:style>
+            <a:lnRef idx="1">
+              <a:schemeClr val="accent2"/>
+            </a:lnRef>
+            <a:fillRef idx="2">
+              <a:schemeClr val="accent2"/>
+            </a:fillRef>
+            <a:effectRef idx="1">
+              <a:schemeClr val="accent2"/>
+            </a:effectRef>
+            <a:fontRef idx="minor">
+              <a:schemeClr val="dk1"/>
+            </a:fontRef>
+          </p:style>
+          <p:txBody>
+            <a:bodyPr rtlCol="0" anchor="ctr"/>
+            <a:lstStyle/>
+            <a:p>
+              <a:pPr algn="ctr"/>
+              <a:r>
+                <a:rPr lang="en-US" sz="1050" dirty="0" err="1">
+                  <a:solidFill>
+                    <a:schemeClr val="bg1"/>
+                  </a:solidFill>
+                </a:rPr>
+                <a:t>ModelManager</a:t>
+              </a:r>
+              <a:endParaRPr lang="en-SG" sz="1050" dirty="0">
                 <a:solidFill>
                   <a:schemeClr val="bg1"/>
                 </a:solidFill>
-              </a:rPr>
-              <a:t>UserPref</a:t>
-            </a:r>
-            <a:endParaRPr lang="en-SG" sz="1050" dirty="0">
-              <a:solidFill>
-                <a:schemeClr val="bg1"/>
-              </a:solidFill>
-            </a:endParaRPr>
-          </a:p>
-        </p:txBody>
-      </p:sp>
-      <p:sp>
-        <p:nvSpPr>
-          <p:cNvPr id="9" name="Rectangle 62"/>
-          <p:cNvSpPr/>
-          <p:nvPr/>
-        </p:nvSpPr>
-        <p:spPr>
-          <a:xfrm rot="16200000">
-            <a:off x="1531563" y="3089802"/>
-            <a:ext cx="1093635" cy="346760"/>
-          </a:xfrm>
-          <a:prstGeom prst="rect">
-            <a:avLst/>
-          </a:prstGeom>
-          <a:solidFill>
-            <a:srgbClr val="7030A0"/>
-          </a:solidFill>
-          <a:ln w="19050">
+              </a:endParaRPr>
+            </a:p>
+          </p:txBody>
+        </p:sp>
+        <p:sp>
+          <p:nvSpPr>
+            <p:cNvPr id="119" name="Rectangle 62"/>
+            <p:cNvSpPr/>
+            <p:nvPr/>
+          </p:nvSpPr>
+          <p:spPr>
+            <a:xfrm rot="16200000">
+              <a:off x="2175403" y="2861202"/>
+              <a:ext cx="1093635" cy="346760"/>
+            </a:xfrm>
+            <a:prstGeom prst="rect">
+              <a:avLst/>
+            </a:prstGeom>
             <a:solidFill>
               <a:srgbClr val="7030A0"/>
             </a:solidFill>
-          </a:ln>
-          <a:effectLst/>
-        </p:spPr>
-        <p:style>
-          <a:lnRef idx="1">
-            <a:schemeClr val="accent2"/>
-          </a:lnRef>
-          <a:fillRef idx="2">
-            <a:schemeClr val="accent2"/>
-          </a:fillRef>
-          <a:effectRef idx="1">
-            <a:schemeClr val="accent2"/>
-          </a:effectRef>
-          <a:fontRef idx="minor">
-            <a:schemeClr val="dk1"/>
-          </a:fontRef>
-        </p:style>
-        <p:txBody>
-          <a:bodyPr rtlCol="0" anchor="ctr"/>
-          <a:lstStyle/>
-          <a:p>
-            <a:pPr algn="ctr"/>
-            <a:r>
-              <a:rPr lang="en-US" sz="1050" dirty="0" err="1">
+            <a:ln w="19050">
+              <a:solidFill>
+                <a:srgbClr val="7030A0"/>
+              </a:solidFill>
+            </a:ln>
+            <a:effectLst/>
+          </p:spPr>
+          <p:style>
+            <a:lnRef idx="1">
+              <a:schemeClr val="accent2"/>
+            </a:lnRef>
+            <a:fillRef idx="2">
+              <a:schemeClr val="accent2"/>
+            </a:fillRef>
+            <a:effectRef idx="1">
+              <a:schemeClr val="accent2"/>
+            </a:effectRef>
+            <a:fontRef idx="minor">
+              <a:schemeClr val="dk1"/>
+            </a:fontRef>
+          </p:style>
+          <p:txBody>
+            <a:bodyPr rtlCol="0" anchor="ctr"/>
+            <a:lstStyle/>
+            <a:p>
+              <a:pPr algn="ctr"/>
+              <a:r>
+                <a:rPr lang="en-US" sz="1050" dirty="0">
+                  <a:solidFill>
+                    <a:schemeClr val="bg1"/>
+                  </a:solidFill>
+                </a:rPr>
+                <a:t>&lt;&lt;interface&gt;&gt;</a:t>
+              </a:r>
+            </a:p>
+            <a:p>
+              <a:pPr algn="ctr"/>
+              <a:r>
+                <a:rPr lang="en-US" sz="1050" dirty="0">
+                  <a:solidFill>
+                    <a:schemeClr val="bg1"/>
+                  </a:solidFill>
+                </a:rPr>
+                <a:t>Model</a:t>
+              </a:r>
+              <a:endParaRPr lang="en-SG" sz="1050" dirty="0">
                 <a:solidFill>
                   <a:schemeClr val="bg1"/>
                 </a:solidFill>
-              </a:rPr>
-              <a:t>ModelManager</a:t>
-            </a:r>
-            <a:endParaRPr lang="en-SG" sz="1050" dirty="0">
-              <a:solidFill>
-                <a:schemeClr val="bg1"/>
-              </a:solidFill>
-            </a:endParaRPr>
-          </a:p>
-        </p:txBody>
-      </p:sp>
-      <p:sp>
-        <p:nvSpPr>
-          <p:cNvPr id="119" name="Rectangle 62"/>
-          <p:cNvSpPr/>
-          <p:nvPr/>
-        </p:nvSpPr>
-        <p:spPr>
-          <a:xfrm rot="16200000">
-            <a:off x="651402" y="2861202"/>
-            <a:ext cx="1093635" cy="346760"/>
-          </a:xfrm>
-          <a:prstGeom prst="rect">
-            <a:avLst/>
-          </a:prstGeom>
-          <a:solidFill>
-            <a:srgbClr val="7030A0"/>
-          </a:solidFill>
-          <a:ln w="19050">
+              </a:endParaRPr>
+            </a:p>
+          </p:txBody>
+        </p:sp>
+        <p:sp>
+          <p:nvSpPr>
+            <p:cNvPr id="120" name="Isosceles Triangle 102"/>
+            <p:cNvSpPr/>
+            <p:nvPr/>
+          </p:nvSpPr>
+          <p:spPr>
+            <a:xfrm rot="16200000">
+              <a:off x="2901186" y="3095492"/>
+              <a:ext cx="270504" cy="175523"/>
+            </a:xfrm>
+            <a:prstGeom prst="triangle">
+              <a:avLst/>
+            </a:prstGeom>
             <a:solidFill>
               <a:srgbClr val="7030A0"/>
             </a:solidFill>
-          </a:ln>
-          <a:effectLst/>
-        </p:spPr>
-        <p:style>
-          <a:lnRef idx="1">
-            <a:schemeClr val="accent2"/>
-          </a:lnRef>
-          <a:fillRef idx="2">
-            <a:schemeClr val="accent2"/>
-          </a:fillRef>
-          <a:effectRef idx="1">
-            <a:schemeClr val="accent2"/>
-          </a:effectRef>
-          <a:fontRef idx="minor">
-            <a:schemeClr val="dk1"/>
-          </a:fontRef>
-        </p:style>
-        <p:txBody>
-          <a:bodyPr rtlCol="0" anchor="ctr"/>
-          <a:lstStyle/>
-          <a:p>
-            <a:pPr algn="ctr"/>
-            <a:r>
-              <a:rPr lang="en-US" sz="1050" dirty="0">
+            <a:ln w="19050">
+              <a:solidFill>
+                <a:srgbClr val="7030A0"/>
+              </a:solidFill>
+            </a:ln>
+            <a:effectLst/>
+          </p:spPr>
+          <p:style>
+            <a:lnRef idx="1">
+              <a:schemeClr val="accent6"/>
+            </a:lnRef>
+            <a:fillRef idx="2">
+              <a:schemeClr val="accent6"/>
+            </a:fillRef>
+            <a:effectRef idx="1">
+              <a:schemeClr val="accent6"/>
+            </a:effectRef>
+            <a:fontRef idx="minor">
+              <a:schemeClr val="dk1"/>
+            </a:fontRef>
+          </p:style>
+          <p:txBody>
+            <a:bodyPr rtlCol="0" anchor="ctr"/>
+            <a:lstStyle/>
+            <a:p>
+              <a:pPr algn="ctr"/>
+              <a:endParaRPr lang="en-SG" sz="1050"/>
+            </a:p>
+          </p:txBody>
+        </p:sp>
+        <p:cxnSp>
+          <p:nvCxnSpPr>
+            <p:cNvPr id="58" name="Straight Arrow Connector 57"/>
+            <p:cNvCxnSpPr>
+              <a:cxnSpLocks/>
+            </p:cNvCxnSpPr>
+            <p:nvPr/>
+          </p:nvCxnSpPr>
+          <p:spPr>
+            <a:xfrm>
+              <a:off x="4049904" y="3636620"/>
+              <a:ext cx="293497" cy="0"/>
+            </a:xfrm>
+            <a:prstGeom prst="straightConnector1">
+              <a:avLst/>
+            </a:prstGeom>
+            <a:ln w="19050">
+              <a:solidFill>
+                <a:srgbClr val="7030A0"/>
+              </a:solidFill>
+              <a:headEnd type="none" w="med" len="med"/>
+              <a:tailEnd type="arrow" w="med" len="med"/>
+            </a:ln>
+            <a:effectLst/>
+          </p:spPr>
+          <p:style>
+            <a:lnRef idx="1">
+              <a:schemeClr val="accent2"/>
+            </a:lnRef>
+            <a:fillRef idx="2">
+              <a:schemeClr val="accent2"/>
+            </a:fillRef>
+            <a:effectRef idx="1">
+              <a:schemeClr val="accent2"/>
+            </a:effectRef>
+            <a:fontRef idx="minor">
+              <a:schemeClr val="dk1"/>
+            </a:fontRef>
+          </p:style>
+        </p:cxnSp>
+        <p:cxnSp>
+          <p:nvCxnSpPr>
+            <p:cNvPr id="75" name="Elbow Connector 122"/>
+            <p:cNvCxnSpPr/>
+            <p:nvPr/>
+          </p:nvCxnSpPr>
+          <p:spPr>
+            <a:xfrm>
+              <a:off x="2057400" y="3040053"/>
+              <a:ext cx="419548" cy="2860"/>
+            </a:xfrm>
+            <a:prstGeom prst="bentConnector3">
+              <a:avLst>
+                <a:gd name="adj1" fmla="val 50000"/>
+              </a:avLst>
+            </a:prstGeom>
+            <a:ln w="19050">
+              <a:solidFill>
+                <a:schemeClr val="bg1">
+                  <a:lumMod val="75000"/>
+                </a:schemeClr>
+              </a:solidFill>
+              <a:prstDash val="sysDot"/>
+              <a:headEnd type="none" w="med" len="med"/>
+              <a:tailEnd type="arrow" w="med" len="med"/>
+            </a:ln>
+            <a:effectLst/>
+          </p:spPr>
+          <p:style>
+            <a:lnRef idx="1">
+              <a:schemeClr val="accent2"/>
+            </a:lnRef>
+            <a:fillRef idx="2">
+              <a:schemeClr val="accent2"/>
+            </a:fillRef>
+            <a:effectRef idx="1">
+              <a:schemeClr val="accent2"/>
+            </a:effectRef>
+            <a:fontRef idx="minor">
+              <a:schemeClr val="dk1"/>
+            </a:fontRef>
+          </p:style>
+        </p:cxnSp>
+        <p:cxnSp>
+          <p:nvCxnSpPr>
+            <p:cNvPr id="21" name="Straight Connector 20"/>
+            <p:cNvCxnSpPr>
+              <a:cxnSpLocks/>
+              <a:stCxn id="120" idx="3"/>
+            </p:cNvCxnSpPr>
+            <p:nvPr/>
+          </p:nvCxnSpPr>
+          <p:spPr>
+            <a:xfrm flipV="1">
+              <a:off x="3124201" y="3183253"/>
+              <a:ext cx="216105" cy="1"/>
+            </a:xfrm>
+            <a:prstGeom prst="line">
+              <a:avLst/>
+            </a:prstGeom>
+            <a:ln w="19050">
+              <a:solidFill>
+                <a:srgbClr val="7030A0"/>
+              </a:solidFill>
+              <a:prstDash val="sysDot"/>
+              <a:headEnd type="none" w="med" len="med"/>
+              <a:tailEnd type="none" w="med" len="med"/>
+            </a:ln>
+            <a:effectLst/>
+          </p:spPr>
+          <p:style>
+            <a:lnRef idx="1">
+              <a:schemeClr val="accent2"/>
+            </a:lnRef>
+            <a:fillRef idx="2">
+              <a:schemeClr val="accent2"/>
+            </a:fillRef>
+            <a:effectRef idx="1">
+              <a:schemeClr val="accent2"/>
+            </a:effectRef>
+            <a:fontRef idx="minor">
+              <a:schemeClr val="dk1"/>
+            </a:fontRef>
+          </p:style>
+        </p:cxnSp>
+        <p:sp>
+          <p:nvSpPr>
+            <p:cNvPr id="42" name="Flowchart: Decision 96"/>
+            <p:cNvSpPr/>
+            <p:nvPr/>
+          </p:nvSpPr>
+          <p:spPr>
+            <a:xfrm>
+              <a:off x="3810000" y="3549930"/>
+              <a:ext cx="236048" cy="173380"/>
+            </a:xfrm>
+            <a:prstGeom prst="flowChartDecision">
+              <a:avLst/>
+            </a:prstGeom>
+            <a:noFill/>
+            <a:ln w="19050">
+              <a:solidFill>
+                <a:srgbClr val="7030A0"/>
+              </a:solidFill>
+            </a:ln>
+            <a:effectLst/>
+          </p:spPr>
+          <p:style>
+            <a:lnRef idx="1">
+              <a:schemeClr val="accent6"/>
+            </a:lnRef>
+            <a:fillRef idx="2">
+              <a:schemeClr val="accent6"/>
+            </a:fillRef>
+            <a:effectRef idx="1">
+              <a:schemeClr val="accent6"/>
+            </a:effectRef>
+            <a:fontRef idx="minor">
+              <a:schemeClr val="dk1"/>
+            </a:fontRef>
+          </p:style>
+          <p:txBody>
+            <a:bodyPr rtlCol="0" anchor="ctr"/>
+            <a:lstStyle/>
+            <a:p>
+              <a:pPr algn="ctr"/>
+              <a:endParaRPr lang="en-US" sz="1050"/>
+            </a:p>
+          </p:txBody>
+        </p:sp>
+        <p:sp>
+          <p:nvSpPr>
+            <p:cNvPr id="46" name="Rectangle 8"/>
+            <p:cNvSpPr/>
+            <p:nvPr/>
+          </p:nvSpPr>
+          <p:spPr>
+            <a:xfrm>
+              <a:off x="4349280" y="2846162"/>
+              <a:ext cx="1746720" cy="334856"/>
+            </a:xfrm>
+            <a:prstGeom prst="rect">
+              <a:avLst/>
+            </a:prstGeom>
+            <a:ln w="19050">
+              <a:solidFill>
+                <a:srgbClr val="7030A0"/>
+              </a:solidFill>
+            </a:ln>
+            <a:effectLst/>
+          </p:spPr>
+          <p:style>
+            <a:lnRef idx="1">
+              <a:schemeClr val="accent4"/>
+            </a:lnRef>
+            <a:fillRef idx="2">
+              <a:schemeClr val="accent4"/>
+            </a:fillRef>
+            <a:effectRef idx="1">
+              <a:schemeClr val="accent4"/>
+            </a:effectRef>
+            <a:fontRef idx="minor">
+              <a:schemeClr val="dk1"/>
+            </a:fontRef>
+          </p:style>
+          <p:txBody>
+            <a:bodyPr rtlCol="0" anchor="ctr"/>
+            <a:lstStyle/>
+            <a:p>
+              <a:pPr algn="ctr"/>
+              <a:r>
+                <a:rPr lang="en-US" sz="1050" dirty="0" err="1">
+                  <a:solidFill>
+                    <a:srgbClr val="7030A0"/>
+                  </a:solidFill>
+                </a:rPr>
+                <a:t>VersionedFinancialDatabase</a:t>
+              </a:r>
+              <a:endParaRPr lang="en-SG" sz="1050" dirty="0">
                 <a:solidFill>
-                  <a:schemeClr val="bg1"/>
+                  <a:srgbClr val="7030A0"/>
                 </a:solidFill>
-              </a:rPr>
-              <a:t>&lt;&lt;interface&gt;&gt;</a:t>
-            </a:r>
-          </a:p>
-          <a:p>
-            <a:pPr algn="ctr"/>
-            <a:r>
-              <a:rPr lang="en-US" sz="1050" dirty="0">
+              </a:endParaRPr>
+            </a:p>
+          </p:txBody>
+        </p:sp>
+        <p:cxnSp>
+          <p:nvCxnSpPr>
+            <p:cNvPr id="47" name="Straight Arrow Connector 46"/>
+            <p:cNvCxnSpPr>
+              <a:cxnSpLocks/>
+              <a:stCxn id="48" idx="3"/>
+              <a:endCxn id="46" idx="1"/>
+            </p:cNvCxnSpPr>
+            <p:nvPr/>
+          </p:nvCxnSpPr>
+          <p:spPr>
+            <a:xfrm>
+              <a:off x="4046048" y="3003034"/>
+              <a:ext cx="303232" cy="10557"/>
+            </a:xfrm>
+            <a:prstGeom prst="straightConnector1">
+              <a:avLst/>
+            </a:prstGeom>
+            <a:ln w="19050">
+              <a:solidFill>
+                <a:srgbClr val="7030A0"/>
+              </a:solidFill>
+              <a:headEnd type="none" w="med" len="med"/>
+              <a:tailEnd type="arrow" w="med" len="med"/>
+            </a:ln>
+            <a:effectLst/>
+          </p:spPr>
+          <p:style>
+            <a:lnRef idx="1">
+              <a:schemeClr val="accent2"/>
+            </a:lnRef>
+            <a:fillRef idx="2">
+              <a:schemeClr val="accent2"/>
+            </a:fillRef>
+            <a:effectRef idx="1">
+              <a:schemeClr val="accent2"/>
+            </a:effectRef>
+            <a:fontRef idx="minor">
+              <a:schemeClr val="dk1"/>
+            </a:fontRef>
+          </p:style>
+        </p:cxnSp>
+        <p:sp>
+          <p:nvSpPr>
+            <p:cNvPr id="48" name="Flowchart: Decision 96"/>
+            <p:cNvSpPr/>
+            <p:nvPr/>
+          </p:nvSpPr>
+          <p:spPr>
+            <a:xfrm>
+              <a:off x="3810000" y="2916343"/>
+              <a:ext cx="236048" cy="173380"/>
+            </a:xfrm>
+            <a:prstGeom prst="flowChartDecision">
+              <a:avLst/>
+            </a:prstGeom>
+            <a:noFill/>
+            <a:ln w="19050">
+              <a:solidFill>
+                <a:srgbClr val="7030A0"/>
+              </a:solidFill>
+            </a:ln>
+            <a:effectLst/>
+          </p:spPr>
+          <p:style>
+            <a:lnRef idx="1">
+              <a:schemeClr val="accent6"/>
+            </a:lnRef>
+            <a:fillRef idx="2">
+              <a:schemeClr val="accent6"/>
+            </a:fillRef>
+            <a:effectRef idx="1">
+              <a:schemeClr val="accent6"/>
+            </a:effectRef>
+            <a:fontRef idx="minor">
+              <a:schemeClr val="dk1"/>
+            </a:fontRef>
+          </p:style>
+          <p:txBody>
+            <a:bodyPr rtlCol="0" anchor="ctr"/>
+            <a:lstStyle/>
+            <a:p>
+              <a:pPr algn="ctr"/>
+              <a:endParaRPr lang="en-US" sz="1050" dirty="0"/>
+            </a:p>
+          </p:txBody>
+        </p:sp>
+        <p:sp>
+          <p:nvSpPr>
+            <p:cNvPr id="49" name="Rectangle 8"/>
+            <p:cNvSpPr/>
+            <p:nvPr/>
+          </p:nvSpPr>
+          <p:spPr>
+            <a:xfrm>
+              <a:off x="6680709" y="2837441"/>
+              <a:ext cx="1413101" cy="346760"/>
+            </a:xfrm>
+            <a:prstGeom prst="rect">
+              <a:avLst/>
+            </a:prstGeom>
+            <a:ln w="19050">
+              <a:solidFill>
+                <a:srgbClr val="7030A0"/>
+              </a:solidFill>
+            </a:ln>
+            <a:effectLst/>
+          </p:spPr>
+          <p:style>
+            <a:lnRef idx="1">
+              <a:schemeClr val="accent4"/>
+            </a:lnRef>
+            <a:fillRef idx="2">
+              <a:schemeClr val="accent4"/>
+            </a:fillRef>
+            <a:effectRef idx="1">
+              <a:schemeClr val="accent4"/>
+            </a:effectRef>
+            <a:fontRef idx="minor">
+              <a:schemeClr val="dk1"/>
+            </a:fontRef>
+          </p:style>
+          <p:txBody>
+            <a:bodyPr rtlCol="0" anchor="ctr"/>
+            <a:lstStyle/>
+            <a:p>
+              <a:pPr algn="ctr"/>
+              <a:r>
+                <a:rPr lang="en-US" sz="1050" dirty="0" err="1">
+                  <a:solidFill>
+                    <a:srgbClr val="7030A0"/>
+                  </a:solidFill>
+                </a:rPr>
+                <a:t>UniqueTransactionList</a:t>
+              </a:r>
+              <a:endParaRPr lang="en-SG" sz="1050" dirty="0">
                 <a:solidFill>
-                  <a:schemeClr val="bg1"/>
+                  <a:srgbClr val="7030A0"/>
                 </a:solidFill>
-              </a:rPr>
-              <a:t>Model</a:t>
-            </a:r>
-            <a:endParaRPr lang="en-SG" sz="1050" dirty="0">
-              <a:solidFill>
-                <a:schemeClr val="bg1"/>
-              </a:solidFill>
-            </a:endParaRPr>
-          </a:p>
-        </p:txBody>
-      </p:sp>
-      <p:sp>
-        <p:nvSpPr>
-          <p:cNvPr id="120" name="Isosceles Triangle 102"/>
-          <p:cNvSpPr/>
-          <p:nvPr/>
-        </p:nvSpPr>
-        <p:spPr>
-          <a:xfrm rot="16200000">
-            <a:off x="1377186" y="3095491"/>
-            <a:ext cx="270504" cy="175523"/>
-          </a:xfrm>
-          <a:prstGeom prst="triangle">
-            <a:avLst/>
-          </a:prstGeom>
-          <a:solidFill>
-            <a:srgbClr val="7030A0"/>
-          </a:solidFill>
-          <a:ln w="19050">
+              </a:endParaRPr>
+            </a:p>
+          </p:txBody>
+        </p:sp>
+        <p:sp>
+          <p:nvSpPr>
+            <p:cNvPr id="51" name="Flowchart: Decision 96"/>
+            <p:cNvSpPr/>
+            <p:nvPr/>
+          </p:nvSpPr>
+          <p:spPr>
+            <a:xfrm>
+              <a:off x="6109918" y="2924537"/>
+              <a:ext cx="236048" cy="173380"/>
+            </a:xfrm>
+            <a:prstGeom prst="flowChartDecision">
+              <a:avLst/>
+            </a:prstGeom>
             <a:solidFill>
               <a:srgbClr val="7030A0"/>
             </a:solidFill>
-          </a:ln>
-          <a:effectLst/>
-        </p:spPr>
-        <p:style>
-          <a:lnRef idx="1">
-            <a:schemeClr val="accent6"/>
-          </a:lnRef>
-          <a:fillRef idx="2">
-            <a:schemeClr val="accent6"/>
-          </a:fillRef>
-          <a:effectRef idx="1">
-            <a:schemeClr val="accent6"/>
-          </a:effectRef>
-          <a:fontRef idx="minor">
-            <a:schemeClr val="dk1"/>
-          </a:fontRef>
-        </p:style>
-        <p:txBody>
-          <a:bodyPr rtlCol="0" anchor="ctr"/>
-          <a:lstStyle/>
-          <a:p>
-            <a:pPr algn="ctr"/>
-            <a:endParaRPr lang="en-SG" sz="1050"/>
-          </a:p>
-        </p:txBody>
-      </p:sp>
-      <p:cxnSp>
-        <p:nvCxnSpPr>
-          <p:cNvPr id="58" name="Straight Arrow Connector 57"/>
-          <p:cNvCxnSpPr>
-            <a:cxnSpLocks/>
-          </p:cNvCxnSpPr>
-          <p:nvPr/>
-        </p:nvCxnSpPr>
-        <p:spPr>
-          <a:xfrm>
-            <a:off x="2525903" y="3636620"/>
-            <a:ext cx="293497" cy="0"/>
-          </a:xfrm>
-          <a:prstGeom prst="straightConnector1">
-            <a:avLst/>
-          </a:prstGeom>
-          <a:ln w="19050">
-            <a:solidFill>
-              <a:srgbClr val="7030A0"/>
-            </a:solidFill>
-            <a:headEnd type="none" w="med" len="med"/>
-            <a:tailEnd type="arrow" w="med" len="med"/>
-          </a:ln>
-          <a:effectLst/>
-        </p:spPr>
-        <p:style>
-          <a:lnRef idx="1">
-            <a:schemeClr val="accent2"/>
-          </a:lnRef>
-          <a:fillRef idx="2">
-            <a:schemeClr val="accent2"/>
-          </a:fillRef>
-          <a:effectRef idx="1">
-            <a:schemeClr val="accent2"/>
-          </a:effectRef>
-          <a:fontRef idx="minor">
-            <a:schemeClr val="dk1"/>
-          </a:fontRef>
-        </p:style>
-      </p:cxnSp>
-      <p:cxnSp>
-        <p:nvCxnSpPr>
-          <p:cNvPr id="75" name="Elbow Connector 122"/>
-          <p:cNvCxnSpPr/>
-          <p:nvPr/>
-        </p:nvCxnSpPr>
-        <p:spPr>
-          <a:xfrm>
-            <a:off x="533400" y="3040053"/>
-            <a:ext cx="419548" cy="2860"/>
-          </a:xfrm>
-          <a:prstGeom prst="bentConnector3">
-            <a:avLst>
-              <a:gd name="adj1" fmla="val 50000"/>
-            </a:avLst>
-          </a:prstGeom>
-          <a:ln w="19050">
-            <a:solidFill>
-              <a:schemeClr val="bg1">
-                <a:lumMod val="75000"/>
-              </a:schemeClr>
-            </a:solidFill>
-            <a:prstDash val="sysDot"/>
-            <a:headEnd type="none" w="med" len="med"/>
-            <a:tailEnd type="arrow" w="med" len="med"/>
-          </a:ln>
-          <a:effectLst/>
-        </p:spPr>
-        <p:style>
-          <a:lnRef idx="1">
-            <a:schemeClr val="accent2"/>
-          </a:lnRef>
-          <a:fillRef idx="2">
-            <a:schemeClr val="accent2"/>
-          </a:fillRef>
-          <a:effectRef idx="1">
-            <a:schemeClr val="accent2"/>
-          </a:effectRef>
-          <a:fontRef idx="minor">
-            <a:schemeClr val="dk1"/>
-          </a:fontRef>
-        </p:style>
-      </p:cxnSp>
-      <p:cxnSp>
-        <p:nvCxnSpPr>
-          <p:cNvPr id="21" name="Straight Connector 20"/>
-          <p:cNvCxnSpPr>
-            <a:cxnSpLocks/>
-            <a:stCxn id="120" idx="3"/>
-          </p:cNvCxnSpPr>
-          <p:nvPr/>
-        </p:nvCxnSpPr>
-        <p:spPr>
-          <a:xfrm flipV="1">
-            <a:off x="1600200" y="3183252"/>
-            <a:ext cx="216105" cy="1"/>
-          </a:xfrm>
-          <a:prstGeom prst="line">
-            <a:avLst/>
-          </a:prstGeom>
-          <a:ln w="19050">
-            <a:solidFill>
-              <a:srgbClr val="7030A0"/>
-            </a:solidFill>
-            <a:prstDash val="sysDot"/>
-            <a:headEnd type="none" w="med" len="med"/>
-            <a:tailEnd type="none" w="med" len="med"/>
-          </a:ln>
-          <a:effectLst/>
-        </p:spPr>
-        <p:style>
-          <a:lnRef idx="1">
-            <a:schemeClr val="accent2"/>
-          </a:lnRef>
-          <a:fillRef idx="2">
-            <a:schemeClr val="accent2"/>
-          </a:fillRef>
-          <a:effectRef idx="1">
-            <a:schemeClr val="accent2"/>
-          </a:effectRef>
-          <a:fontRef idx="minor">
-            <a:schemeClr val="dk1"/>
-          </a:fontRef>
-        </p:style>
-      </p:cxnSp>
-      <p:sp>
-        <p:nvSpPr>
-          <p:cNvPr id="42" name="Flowchart: Decision 96"/>
-          <p:cNvSpPr/>
-          <p:nvPr/>
-        </p:nvSpPr>
-        <p:spPr>
-          <a:xfrm>
-            <a:off x="2286000" y="3549930"/>
-            <a:ext cx="236048" cy="173380"/>
-          </a:xfrm>
-          <a:prstGeom prst="flowChartDecision">
-            <a:avLst/>
-          </a:prstGeom>
-          <a:noFill/>
-          <a:ln w="19050">
-            <a:solidFill>
-              <a:srgbClr val="7030A0"/>
-            </a:solidFill>
-          </a:ln>
-          <a:effectLst/>
-        </p:spPr>
-        <p:style>
-          <a:lnRef idx="1">
-            <a:schemeClr val="accent6"/>
-          </a:lnRef>
-          <a:fillRef idx="2">
-            <a:schemeClr val="accent6"/>
-          </a:fillRef>
-          <a:effectRef idx="1">
-            <a:schemeClr val="accent6"/>
-          </a:effectRef>
-          <a:fontRef idx="minor">
-            <a:schemeClr val="dk1"/>
-          </a:fontRef>
-        </p:style>
-        <p:txBody>
-          <a:bodyPr rtlCol="0" anchor="ctr"/>
-          <a:lstStyle/>
-          <a:p>
-            <a:pPr algn="ctr"/>
-            <a:endParaRPr lang="en-US" sz="1050"/>
-          </a:p>
-        </p:txBody>
-      </p:sp>
-      <p:sp>
-        <p:nvSpPr>
-          <p:cNvPr id="46" name="Rectangle 8"/>
-          <p:cNvSpPr/>
-          <p:nvPr/>
-        </p:nvSpPr>
-        <p:spPr>
-          <a:xfrm>
-            <a:off x="2825280" y="2846162"/>
-            <a:ext cx="1746720" cy="334856"/>
-          </a:xfrm>
-          <a:prstGeom prst="rect">
-            <a:avLst/>
-          </a:prstGeom>
-          <a:ln w="19050">
-            <a:solidFill>
-              <a:srgbClr val="7030A0"/>
-            </a:solidFill>
-          </a:ln>
-          <a:effectLst/>
-        </p:spPr>
-        <p:style>
-          <a:lnRef idx="1">
-            <a:schemeClr val="accent4"/>
-          </a:lnRef>
-          <a:fillRef idx="2">
-            <a:schemeClr val="accent4"/>
-          </a:fillRef>
-          <a:effectRef idx="1">
-            <a:schemeClr val="accent4"/>
-          </a:effectRef>
-          <a:fontRef idx="minor">
-            <a:schemeClr val="dk1"/>
-          </a:fontRef>
-        </p:style>
-        <p:txBody>
-          <a:bodyPr rtlCol="0" anchor="ctr"/>
-          <a:lstStyle/>
-          <a:p>
-            <a:pPr algn="ctr"/>
-            <a:r>
-              <a:rPr lang="en-US" sz="1050" dirty="0" err="1">
+            <a:ln w="19050">
+              <a:solidFill>
+                <a:srgbClr val="7030A0"/>
+              </a:solidFill>
+            </a:ln>
+            <a:effectLst/>
+          </p:spPr>
+          <p:style>
+            <a:lnRef idx="1">
+              <a:schemeClr val="accent6"/>
+            </a:lnRef>
+            <a:fillRef idx="2">
+              <a:schemeClr val="accent6"/>
+            </a:fillRef>
+            <a:effectRef idx="1">
+              <a:schemeClr val="accent6"/>
+            </a:effectRef>
+            <a:fontRef idx="minor">
+              <a:schemeClr val="dk1"/>
+            </a:fontRef>
+          </p:style>
+          <p:txBody>
+            <a:bodyPr rtlCol="0" anchor="ctr"/>
+            <a:lstStyle/>
+            <a:p>
+              <a:pPr algn="ctr"/>
+              <a:endParaRPr lang="en-US" sz="1050"/>
+            </a:p>
+          </p:txBody>
+        </p:sp>
+        <p:sp>
+          <p:nvSpPr>
+            <p:cNvPr id="62" name="Rectangle 8"/>
+            <p:cNvSpPr/>
+            <p:nvPr/>
+          </p:nvSpPr>
+          <p:spPr>
+            <a:xfrm>
+              <a:off x="8663945" y="2846162"/>
+              <a:ext cx="979216" cy="346760"/>
+            </a:xfrm>
+            <a:prstGeom prst="rect">
+              <a:avLst/>
+            </a:prstGeom>
+            <a:ln w="19050">
+              <a:solidFill>
+                <a:srgbClr val="7030A0"/>
+              </a:solidFill>
+            </a:ln>
+            <a:effectLst/>
+          </p:spPr>
+          <p:style>
+            <a:lnRef idx="1">
+              <a:schemeClr val="accent4"/>
+            </a:lnRef>
+            <a:fillRef idx="2">
+              <a:schemeClr val="accent4"/>
+            </a:fillRef>
+            <a:effectRef idx="1">
+              <a:schemeClr val="accent4"/>
+            </a:effectRef>
+            <a:fontRef idx="minor">
+              <a:schemeClr val="dk1"/>
+            </a:fontRef>
+          </p:style>
+          <p:txBody>
+            <a:bodyPr rtlCol="0" anchor="ctr"/>
+            <a:lstStyle/>
+            <a:p>
+              <a:pPr algn="ctr"/>
+              <a:r>
+                <a:rPr lang="en-US" sz="1050" dirty="0">
+                  <a:solidFill>
+                    <a:srgbClr val="7030A0"/>
+                  </a:solidFill>
+                </a:rPr>
+                <a:t>Transaction</a:t>
+              </a:r>
+              <a:endParaRPr lang="en-SG" sz="1050" dirty="0">
                 <a:solidFill>
                   <a:srgbClr val="7030A0"/>
                 </a:solidFill>
-              </a:rPr>
-              <a:t>VersionedFinancialDatabase</a:t>
-            </a:r>
-            <a:endParaRPr lang="en-SG" sz="1050" dirty="0">
+              </a:endParaRPr>
+            </a:p>
+          </p:txBody>
+        </p:sp>
+        <p:sp>
+          <p:nvSpPr>
+            <p:cNvPr id="63" name="Flowchart: Decision 96"/>
+            <p:cNvSpPr/>
+            <p:nvPr/>
+          </p:nvSpPr>
+          <p:spPr>
+            <a:xfrm>
+              <a:off x="8093809" y="2911893"/>
+              <a:ext cx="236048" cy="173380"/>
+            </a:xfrm>
+            <a:prstGeom prst="flowChartDecision">
+              <a:avLst/>
+            </a:prstGeom>
+            <a:noFill/>
+            <a:ln w="19050">
               <a:solidFill>
                 <a:srgbClr val="7030A0"/>
               </a:solidFill>
-            </a:endParaRPr>
-          </a:p>
-        </p:txBody>
-      </p:sp>
-      <p:cxnSp>
-        <p:nvCxnSpPr>
-          <p:cNvPr id="47" name="Straight Arrow Connector 46"/>
-          <p:cNvCxnSpPr>
-            <a:cxnSpLocks/>
-            <a:stCxn id="48" idx="3"/>
-            <a:endCxn id="46" idx="1"/>
-          </p:cNvCxnSpPr>
-          <p:nvPr/>
-        </p:nvCxnSpPr>
-        <p:spPr>
-          <a:xfrm>
-            <a:off x="2522048" y="3003033"/>
-            <a:ext cx="303232" cy="10557"/>
-          </a:xfrm>
-          <a:prstGeom prst="straightConnector1">
-            <a:avLst/>
-          </a:prstGeom>
-          <a:ln w="19050">
-            <a:solidFill>
-              <a:srgbClr val="7030A0"/>
-            </a:solidFill>
-            <a:headEnd type="none" w="med" len="med"/>
-            <a:tailEnd type="arrow" w="med" len="med"/>
-          </a:ln>
-          <a:effectLst/>
-        </p:spPr>
-        <p:style>
-          <a:lnRef idx="1">
-            <a:schemeClr val="accent2"/>
-          </a:lnRef>
-          <a:fillRef idx="2">
-            <a:schemeClr val="accent2"/>
-          </a:fillRef>
-          <a:effectRef idx="1">
-            <a:schemeClr val="accent2"/>
-          </a:effectRef>
-          <a:fontRef idx="minor">
-            <a:schemeClr val="dk1"/>
-          </a:fontRef>
-        </p:style>
-      </p:cxnSp>
-      <p:sp>
-        <p:nvSpPr>
-          <p:cNvPr id="48" name="Flowchart: Decision 96"/>
-          <p:cNvSpPr/>
-          <p:nvPr/>
-        </p:nvSpPr>
-        <p:spPr>
-          <a:xfrm>
-            <a:off x="2286000" y="2916343"/>
-            <a:ext cx="236048" cy="173380"/>
-          </a:xfrm>
-          <a:prstGeom prst="flowChartDecision">
-            <a:avLst/>
-          </a:prstGeom>
-          <a:noFill/>
-          <a:ln w="19050">
-            <a:solidFill>
-              <a:srgbClr val="7030A0"/>
-            </a:solidFill>
-          </a:ln>
-          <a:effectLst/>
-        </p:spPr>
-        <p:style>
-          <a:lnRef idx="1">
-            <a:schemeClr val="accent6"/>
-          </a:lnRef>
-          <a:fillRef idx="2">
-            <a:schemeClr val="accent6"/>
-          </a:fillRef>
-          <a:effectRef idx="1">
-            <a:schemeClr val="accent6"/>
-          </a:effectRef>
-          <a:fontRef idx="minor">
-            <a:schemeClr val="dk1"/>
-          </a:fontRef>
-        </p:style>
-        <p:txBody>
-          <a:bodyPr rtlCol="0" anchor="ctr"/>
-          <a:lstStyle/>
-          <a:p>
-            <a:pPr algn="ctr"/>
-            <a:endParaRPr lang="en-US" sz="1050" dirty="0"/>
-          </a:p>
-        </p:txBody>
-      </p:sp>
-      <p:sp>
-        <p:nvSpPr>
-          <p:cNvPr id="49" name="Rectangle 8"/>
-          <p:cNvSpPr/>
-          <p:nvPr/>
-        </p:nvSpPr>
-        <p:spPr>
-          <a:xfrm>
-            <a:off x="5156708" y="2837441"/>
-            <a:ext cx="1413101" cy="346760"/>
-          </a:xfrm>
-          <a:prstGeom prst="rect">
-            <a:avLst/>
-          </a:prstGeom>
-          <a:ln w="19050">
-            <a:solidFill>
-              <a:srgbClr val="7030A0"/>
-            </a:solidFill>
-          </a:ln>
-          <a:effectLst/>
-        </p:spPr>
-        <p:style>
-          <a:lnRef idx="1">
-            <a:schemeClr val="accent4"/>
-          </a:lnRef>
-          <a:fillRef idx="2">
-            <a:schemeClr val="accent4"/>
-          </a:fillRef>
-          <a:effectRef idx="1">
-            <a:schemeClr val="accent4"/>
-          </a:effectRef>
-          <a:fontRef idx="minor">
-            <a:schemeClr val="dk1"/>
-          </a:fontRef>
-        </p:style>
-        <p:txBody>
-          <a:bodyPr rtlCol="0" anchor="ctr"/>
-          <a:lstStyle/>
-          <a:p>
-            <a:pPr algn="ctr"/>
-            <a:r>
-              <a:rPr lang="en-US" sz="1050" dirty="0" err="1">
+            </a:ln>
+            <a:effectLst/>
+          </p:spPr>
+          <p:style>
+            <a:lnRef idx="1">
+              <a:schemeClr val="accent6"/>
+            </a:lnRef>
+            <a:fillRef idx="2">
+              <a:schemeClr val="accent6"/>
+            </a:fillRef>
+            <a:effectRef idx="1">
+              <a:schemeClr val="accent6"/>
+            </a:effectRef>
+            <a:fontRef idx="minor">
+              <a:schemeClr val="dk1"/>
+            </a:fontRef>
+          </p:style>
+          <p:txBody>
+            <a:bodyPr rtlCol="0" anchor="ctr"/>
+            <a:lstStyle/>
+            <a:p>
+              <a:pPr algn="ctr"/>
+              <a:endParaRPr lang="en-US" sz="1050"/>
+            </a:p>
+          </p:txBody>
+        </p:sp>
+        <p:cxnSp>
+          <p:nvCxnSpPr>
+            <p:cNvPr id="97" name="Elbow Connector 63"/>
+            <p:cNvCxnSpPr>
+              <a:cxnSpLocks/>
+              <a:stCxn id="99" idx="3"/>
+            </p:cNvCxnSpPr>
+            <p:nvPr/>
+          </p:nvCxnSpPr>
+          <p:spPr>
+            <a:xfrm rot="5400000">
+              <a:off x="5077612" y="2687559"/>
+              <a:ext cx="293825" cy="5938"/>
+            </a:xfrm>
+            <a:prstGeom prst="bentConnector3">
+              <a:avLst>
+                <a:gd name="adj1" fmla="val 50000"/>
+              </a:avLst>
+            </a:prstGeom>
+            <a:ln w="19050">
+              <a:solidFill>
+                <a:srgbClr val="7030A0"/>
+              </a:solidFill>
+              <a:prstDash val="sysDot"/>
+              <a:headEnd type="none" w="med" len="med"/>
+              <a:tailEnd type="none" w="med" len="med"/>
+            </a:ln>
+            <a:effectLst/>
+          </p:spPr>
+          <p:style>
+            <a:lnRef idx="1">
+              <a:schemeClr val="accent2"/>
+            </a:lnRef>
+            <a:fillRef idx="2">
+              <a:schemeClr val="accent2"/>
+            </a:fillRef>
+            <a:effectRef idx="1">
+              <a:schemeClr val="accent2"/>
+            </a:effectRef>
+            <a:fontRef idx="minor">
+              <a:schemeClr val="dk1"/>
+            </a:fontRef>
+          </p:style>
+        </p:cxnSp>
+        <p:sp>
+          <p:nvSpPr>
+            <p:cNvPr id="99" name="Isosceles Triangle 102"/>
+            <p:cNvSpPr/>
+            <p:nvPr/>
+          </p:nvSpPr>
+          <p:spPr>
+            <a:xfrm rot="10800000" flipV="1">
+              <a:off x="5086300" y="2386554"/>
+              <a:ext cx="282387" cy="157062"/>
+            </a:xfrm>
+            <a:prstGeom prst="triangle">
+              <a:avLst/>
+            </a:prstGeom>
+            <a:ln w="19050">
+              <a:solidFill>
+                <a:srgbClr val="7030A0"/>
+              </a:solidFill>
+            </a:ln>
+            <a:effectLst/>
+          </p:spPr>
+          <p:style>
+            <a:lnRef idx="1">
+              <a:schemeClr val="accent4"/>
+            </a:lnRef>
+            <a:fillRef idx="2">
+              <a:schemeClr val="accent4"/>
+            </a:fillRef>
+            <a:effectRef idx="1">
+              <a:schemeClr val="accent4"/>
+            </a:effectRef>
+            <a:fontRef idx="minor">
+              <a:schemeClr val="dk1"/>
+            </a:fontRef>
+          </p:style>
+          <p:txBody>
+            <a:bodyPr rtlCol="0" anchor="ctr"/>
+            <a:lstStyle/>
+            <a:p>
+              <a:pPr algn="ctr"/>
+              <a:endParaRPr lang="en-SG" sz="1050" b="1">
+                <a:solidFill>
+                  <a:srgbClr val="92D050"/>
+                </a:solidFill>
+              </a:endParaRPr>
+            </a:p>
+          </p:txBody>
+        </p:sp>
+        <p:sp>
+          <p:nvSpPr>
+            <p:cNvPr id="100" name="Rectangle 8"/>
+            <p:cNvSpPr/>
+            <p:nvPr/>
+          </p:nvSpPr>
+          <p:spPr>
+            <a:xfrm>
+              <a:off x="2133600" y="1998350"/>
+              <a:ext cx="1829379" cy="413281"/>
+            </a:xfrm>
+            <a:prstGeom prst="rect">
+              <a:avLst/>
+            </a:prstGeom>
+            <a:ln w="19050">
+              <a:solidFill>
+                <a:srgbClr val="7030A0"/>
+              </a:solidFill>
+            </a:ln>
+            <a:effectLst/>
+          </p:spPr>
+          <p:style>
+            <a:lnRef idx="1">
+              <a:schemeClr val="accent4"/>
+            </a:lnRef>
+            <a:fillRef idx="2">
+              <a:schemeClr val="accent4"/>
+            </a:fillRef>
+            <a:effectRef idx="1">
+              <a:schemeClr val="accent4"/>
+            </a:effectRef>
+            <a:fontRef idx="minor">
+              <a:schemeClr val="dk1"/>
+            </a:fontRef>
+          </p:style>
+          <p:txBody>
+            <a:bodyPr rtlCol="0" anchor="ctr"/>
+            <a:lstStyle/>
+            <a:p>
+              <a:pPr algn="ctr"/>
+              <a:r>
+                <a:rPr lang="en-US" sz="1050" dirty="0">
+                  <a:solidFill>
+                    <a:srgbClr val="7030A0"/>
+                  </a:solidFill>
+                </a:rPr>
+                <a:t>&lt;&lt;interface&gt;&gt;</a:t>
+              </a:r>
+              <a:br>
+                <a:rPr lang="en-US" sz="1050" dirty="0">
+                  <a:solidFill>
+                    <a:srgbClr val="7030A0"/>
+                  </a:solidFill>
+                </a:rPr>
+              </a:br>
+              <a:r>
+                <a:rPr lang="en-US" sz="1050" dirty="0">
+                  <a:solidFill>
+                    <a:srgbClr val="7030A0"/>
+                  </a:solidFill>
+                </a:rPr>
+                <a:t>ReadOnlyFinancialDatabase</a:t>
+              </a:r>
+              <a:endParaRPr lang="en-SG" sz="1050" dirty="0">
                 <a:solidFill>
                   <a:srgbClr val="7030A0"/>
                 </a:solidFill>
-              </a:rPr>
-              <a:t>UniqueTransactionList</a:t>
-            </a:r>
-            <a:endParaRPr lang="en-SG" sz="1050" dirty="0">
+              </a:endParaRPr>
+            </a:p>
+          </p:txBody>
+        </p:sp>
+        <p:sp>
+          <p:nvSpPr>
+            <p:cNvPr id="114" name="TextBox 113"/>
+            <p:cNvSpPr txBox="1"/>
+            <p:nvPr/>
+          </p:nvSpPr>
+          <p:spPr>
+            <a:xfrm rot="16200000">
+              <a:off x="7886886" y="3586305"/>
+              <a:ext cx="881018" cy="261610"/>
+            </a:xfrm>
+            <a:prstGeom prst="rect">
+              <a:avLst/>
+            </a:prstGeom>
+            <a:noFill/>
+          </p:spPr>
+          <p:txBody>
+            <a:bodyPr wrap="square" rtlCol="0">
+              <a:spAutoFit/>
+            </a:bodyPr>
+            <a:lstStyle/>
+            <a:p>
+              <a:pPr algn="r"/>
+              <a:r>
+                <a:rPr lang="en-US" sz="1100" dirty="0">
+                  <a:solidFill>
+                    <a:srgbClr val="7030A0"/>
+                  </a:solidFill>
+                </a:rPr>
+                <a:t>filtered list</a:t>
+              </a:r>
+              <a:endParaRPr lang="en-SG" sz="1100" dirty="0">
+                <a:solidFill>
+                  <a:srgbClr val="7030A0"/>
+                </a:solidFill>
+              </a:endParaRPr>
+            </a:p>
+          </p:txBody>
+        </p:sp>
+        <p:sp>
+          <p:nvSpPr>
+            <p:cNvPr id="122" name="Rectangle 8"/>
+            <p:cNvSpPr/>
+            <p:nvPr/>
+          </p:nvSpPr>
+          <p:spPr>
+            <a:xfrm>
+              <a:off x="3581401" y="4239491"/>
+              <a:ext cx="1066800" cy="346760"/>
+            </a:xfrm>
+            <a:prstGeom prst="rect">
+              <a:avLst/>
+            </a:prstGeom>
+            <a:ln w="19050">
               <a:solidFill>
                 <a:srgbClr val="7030A0"/>
               </a:solidFill>
-            </a:endParaRPr>
-          </a:p>
-        </p:txBody>
-      </p:sp>
-      <p:sp>
-        <p:nvSpPr>
-          <p:cNvPr id="51" name="Flowchart: Decision 96"/>
+            </a:ln>
+            <a:effectLst/>
+          </p:spPr>
+          <p:style>
+            <a:lnRef idx="1">
+              <a:schemeClr val="accent4"/>
+            </a:lnRef>
+            <a:fillRef idx="2">
+              <a:schemeClr val="accent4"/>
+            </a:fillRef>
+            <a:effectRef idx="1">
+              <a:schemeClr val="accent4"/>
+            </a:effectRef>
+            <a:fontRef idx="minor">
+              <a:schemeClr val="dk1"/>
+            </a:fontRef>
+          </p:style>
+          <p:txBody>
+            <a:bodyPr rtlCol="0" anchor="ctr"/>
+            <a:lstStyle/>
+            <a:p>
+              <a:pPr algn="ctr"/>
+              <a:r>
+                <a:rPr lang="en-US" sz="1050" dirty="0">
+                  <a:solidFill>
+                    <a:srgbClr val="7030A0"/>
+                  </a:solidFill>
+                </a:rPr>
+                <a:t>&lt;&lt;interface&gt;&gt;</a:t>
+              </a:r>
+              <a:br>
+                <a:rPr lang="en-US" sz="1050" dirty="0">
+                  <a:solidFill>
+                    <a:srgbClr val="7030A0"/>
+                  </a:solidFill>
+                </a:rPr>
+              </a:br>
+              <a:r>
+                <a:rPr lang="en-US" sz="1050" dirty="0" err="1">
+                  <a:solidFill>
+                    <a:srgbClr val="7030A0"/>
+                  </a:solidFill>
+                </a:rPr>
+                <a:t>ObservableList</a:t>
+              </a:r>
+              <a:endParaRPr lang="en-SG" sz="1050" dirty="0">
+                <a:solidFill>
+                  <a:srgbClr val="7030A0"/>
+                </a:solidFill>
+              </a:endParaRPr>
+            </a:p>
+          </p:txBody>
+        </p:sp>
+        <p:cxnSp>
+          <p:nvCxnSpPr>
+            <p:cNvPr id="124" name="Elbow Connector 122"/>
+            <p:cNvCxnSpPr>
+              <a:cxnSpLocks/>
+              <a:stCxn id="119" idx="1"/>
+              <a:endCxn id="122" idx="1"/>
+            </p:cNvCxnSpPr>
+            <p:nvPr/>
+          </p:nvCxnSpPr>
+          <p:spPr>
+            <a:xfrm rot="16200000" flipH="1">
+              <a:off x="2736076" y="3567545"/>
+              <a:ext cx="831471" cy="859181"/>
+            </a:xfrm>
+            <a:prstGeom prst="bentConnector2">
+              <a:avLst/>
+            </a:prstGeom>
+            <a:ln w="19050">
+              <a:solidFill>
+                <a:srgbClr val="7030A0"/>
+              </a:solidFill>
+              <a:prstDash val="sysDot"/>
+              <a:headEnd type="none" w="med" len="med"/>
+              <a:tailEnd type="arrow" w="med" len="med"/>
+            </a:ln>
+            <a:effectLst/>
+          </p:spPr>
+          <p:style>
+            <a:lnRef idx="1">
+              <a:schemeClr val="accent2"/>
+            </a:lnRef>
+            <a:fillRef idx="2">
+              <a:schemeClr val="accent2"/>
+            </a:fillRef>
+            <a:effectRef idx="1">
+              <a:schemeClr val="accent2"/>
+            </a:effectRef>
+            <a:fontRef idx="minor">
+              <a:schemeClr val="dk1"/>
+            </a:fontRef>
+          </p:style>
+        </p:cxnSp>
+        <p:sp>
+          <p:nvSpPr>
+            <p:cNvPr id="54" name="TextBox 53"/>
+            <p:cNvSpPr txBox="1"/>
+            <p:nvPr/>
+          </p:nvSpPr>
+          <p:spPr>
+            <a:xfrm>
+              <a:off x="6363944" y="3111480"/>
+              <a:ext cx="189257" cy="178683"/>
+            </a:xfrm>
+            <a:prstGeom prst="rect">
+              <a:avLst/>
+            </a:prstGeom>
+            <a:noFill/>
+          </p:spPr>
+          <p:txBody>
+            <a:bodyPr wrap="square" lIns="0" tIns="0" rIns="0" bIns="0" rtlCol="0">
+              <a:noAutofit/>
+            </a:bodyPr>
+            <a:lstStyle/>
+            <a:p>
+              <a:pPr algn="ctr"/>
+              <a:r>
+                <a:rPr lang="en-US" sz="1100" dirty="0">
+                  <a:solidFill>
+                    <a:srgbClr val="7030A0"/>
+                  </a:solidFill>
+                </a:rPr>
+                <a:t>1</a:t>
+              </a:r>
+              <a:endParaRPr lang="en-SG" sz="1100" dirty="0">
+                <a:solidFill>
+                  <a:srgbClr val="7030A0"/>
+                </a:solidFill>
+              </a:endParaRPr>
+            </a:p>
+          </p:txBody>
+        </p:sp>
+        <p:sp>
+          <p:nvSpPr>
+            <p:cNvPr id="61" name="TextBox 60"/>
+            <p:cNvSpPr txBox="1"/>
+            <p:nvPr/>
+          </p:nvSpPr>
+          <p:spPr>
+            <a:xfrm>
+              <a:off x="7578828" y="3334676"/>
+              <a:ext cx="189257" cy="178683"/>
+            </a:xfrm>
+            <a:prstGeom prst="rect">
+              <a:avLst/>
+            </a:prstGeom>
+            <a:noFill/>
+          </p:spPr>
+          <p:txBody>
+            <a:bodyPr wrap="square" lIns="0" tIns="0" rIns="0" bIns="0" rtlCol="0">
+              <a:noAutofit/>
+            </a:bodyPr>
+            <a:lstStyle/>
+            <a:p>
+              <a:pPr algn="ctr"/>
+              <a:r>
+                <a:rPr lang="en-US" sz="1100" dirty="0">
+                  <a:solidFill>
+                    <a:srgbClr val="7030A0"/>
+                  </a:solidFill>
+                </a:rPr>
+                <a:t>*</a:t>
+              </a:r>
+              <a:endParaRPr lang="en-SG" sz="1100" dirty="0">
+                <a:solidFill>
+                  <a:srgbClr val="7030A0"/>
+                </a:solidFill>
+              </a:endParaRPr>
+            </a:p>
+          </p:txBody>
+        </p:sp>
+        <p:sp>
+          <p:nvSpPr>
+            <p:cNvPr id="65" name="TextBox 64"/>
+            <p:cNvSpPr txBox="1"/>
+            <p:nvPr/>
+          </p:nvSpPr>
+          <p:spPr>
+            <a:xfrm>
+              <a:off x="4097394" y="2756715"/>
+              <a:ext cx="170110" cy="137542"/>
+            </a:xfrm>
+            <a:prstGeom prst="rect">
+              <a:avLst/>
+            </a:prstGeom>
+            <a:noFill/>
+          </p:spPr>
+          <p:txBody>
+            <a:bodyPr wrap="square" lIns="0" tIns="0" rIns="0" bIns="0" rtlCol="0">
+              <a:noAutofit/>
+            </a:bodyPr>
+            <a:lstStyle/>
+            <a:p>
+              <a:pPr algn="ctr"/>
+              <a:r>
+                <a:rPr lang="en-US" sz="1100" dirty="0">
+                  <a:solidFill>
+                    <a:srgbClr val="7030A0"/>
+                  </a:solidFill>
+                </a:rPr>
+                <a:t>1</a:t>
+              </a:r>
+              <a:endParaRPr lang="en-SG" sz="1100" dirty="0">
+                <a:solidFill>
+                  <a:srgbClr val="7030A0"/>
+                </a:solidFill>
+              </a:endParaRPr>
+            </a:p>
+          </p:txBody>
+        </p:sp>
+        <p:sp>
+          <p:nvSpPr>
+            <p:cNvPr id="66" name="TextBox 65"/>
+            <p:cNvSpPr txBox="1"/>
+            <p:nvPr/>
+          </p:nvSpPr>
+          <p:spPr>
+            <a:xfrm>
+              <a:off x="4231071" y="3667738"/>
+              <a:ext cx="189257" cy="178683"/>
+            </a:xfrm>
+            <a:prstGeom prst="rect">
+              <a:avLst/>
+            </a:prstGeom>
+            <a:noFill/>
+          </p:spPr>
+          <p:txBody>
+            <a:bodyPr wrap="square" lIns="0" tIns="0" rIns="0" bIns="0" rtlCol="0">
+              <a:noAutofit/>
+            </a:bodyPr>
+            <a:lstStyle/>
+            <a:p>
+              <a:pPr algn="ctr"/>
+              <a:r>
+                <a:rPr lang="en-US" sz="1100" dirty="0">
+                  <a:solidFill>
+                    <a:srgbClr val="7030A0"/>
+                  </a:solidFill>
+                </a:rPr>
+                <a:t>1</a:t>
+              </a:r>
+              <a:endParaRPr lang="en-SG" sz="1100" dirty="0">
+                <a:solidFill>
+                  <a:srgbClr val="7030A0"/>
+                </a:solidFill>
+              </a:endParaRPr>
+            </a:p>
+          </p:txBody>
+        </p:sp>
+        <p:sp>
+          <p:nvSpPr>
+            <p:cNvPr id="70" name="TextBox 69"/>
+            <p:cNvSpPr txBox="1"/>
+            <p:nvPr/>
+          </p:nvSpPr>
+          <p:spPr>
+            <a:xfrm>
+              <a:off x="7973897" y="3204827"/>
+              <a:ext cx="189257" cy="178683"/>
+            </a:xfrm>
+            <a:prstGeom prst="rect">
+              <a:avLst/>
+            </a:prstGeom>
+            <a:noFill/>
+          </p:spPr>
+          <p:txBody>
+            <a:bodyPr wrap="square" lIns="0" tIns="0" rIns="0" bIns="0" rtlCol="0">
+              <a:noAutofit/>
+            </a:bodyPr>
+            <a:lstStyle/>
+            <a:p>
+              <a:pPr algn="ctr"/>
+              <a:r>
+                <a:rPr lang="en-US" sz="1100" dirty="0">
+                  <a:solidFill>
+                    <a:srgbClr val="7030A0"/>
+                  </a:solidFill>
+                </a:rPr>
+                <a:t>1</a:t>
+              </a:r>
+              <a:endParaRPr lang="en-SG" sz="1100" dirty="0">
+                <a:solidFill>
+                  <a:srgbClr val="7030A0"/>
+                </a:solidFill>
+              </a:endParaRPr>
+            </a:p>
+          </p:txBody>
+        </p:sp>
+        <p:sp>
+          <p:nvSpPr>
+            <p:cNvPr id="55" name="Rectangle 8"/>
+            <p:cNvSpPr/>
+            <p:nvPr/>
+          </p:nvSpPr>
+          <p:spPr>
+            <a:xfrm>
+              <a:off x="4495800" y="2022158"/>
+              <a:ext cx="1353172" cy="364396"/>
+            </a:xfrm>
+            <a:prstGeom prst="rect">
+              <a:avLst/>
+            </a:prstGeom>
+            <a:ln w="19050">
+              <a:solidFill>
+                <a:srgbClr val="7030A0"/>
+              </a:solidFill>
+            </a:ln>
+            <a:effectLst/>
+          </p:spPr>
+          <p:style>
+            <a:lnRef idx="1">
+              <a:schemeClr val="accent4"/>
+            </a:lnRef>
+            <a:fillRef idx="2">
+              <a:schemeClr val="accent4"/>
+            </a:fillRef>
+            <a:effectRef idx="1">
+              <a:schemeClr val="accent4"/>
+            </a:effectRef>
+            <a:fontRef idx="minor">
+              <a:schemeClr val="dk1"/>
+            </a:fontRef>
+          </p:style>
+          <p:txBody>
+            <a:bodyPr rtlCol="0" anchor="ctr"/>
+            <a:lstStyle/>
+            <a:p>
+              <a:pPr algn="ctr"/>
+              <a:r>
+                <a:rPr lang="en-US" sz="1050" dirty="0">
+                  <a:solidFill>
+                    <a:srgbClr val="7030A0"/>
+                  </a:solidFill>
+                </a:rPr>
+                <a:t>FinancialDatabase</a:t>
+              </a:r>
+              <a:endParaRPr lang="en-SG" sz="1050" dirty="0">
+                <a:solidFill>
+                  <a:srgbClr val="7030A0"/>
+                </a:solidFill>
+              </a:endParaRPr>
+            </a:p>
+          </p:txBody>
+        </p:sp>
+        <p:cxnSp>
+          <p:nvCxnSpPr>
+            <p:cNvPr id="60" name="Straight Arrow Connector 59"/>
+            <p:cNvCxnSpPr>
+              <a:cxnSpLocks/>
+            </p:cNvCxnSpPr>
+            <p:nvPr/>
+          </p:nvCxnSpPr>
+          <p:spPr>
+            <a:xfrm>
+              <a:off x="6345966" y="3003033"/>
+              <a:ext cx="336550" cy="0"/>
+            </a:xfrm>
+            <a:prstGeom prst="straightConnector1">
+              <a:avLst/>
+            </a:prstGeom>
+            <a:ln w="19050">
+              <a:solidFill>
+                <a:srgbClr val="7030A0"/>
+              </a:solidFill>
+              <a:headEnd type="none" w="med" len="med"/>
+              <a:tailEnd type="arrow" w="med" len="med"/>
+            </a:ln>
+            <a:effectLst/>
+          </p:spPr>
+          <p:style>
+            <a:lnRef idx="1">
+              <a:schemeClr val="accent2"/>
+            </a:lnRef>
+            <a:fillRef idx="2">
+              <a:schemeClr val="accent2"/>
+            </a:fillRef>
+            <a:effectRef idx="1">
+              <a:schemeClr val="accent2"/>
+            </a:effectRef>
+            <a:fontRef idx="minor">
+              <a:schemeClr val="dk1"/>
+            </a:fontRef>
+          </p:style>
+        </p:cxnSp>
+        <p:sp>
+          <p:nvSpPr>
+            <p:cNvPr id="68" name="Isosceles Triangle 102"/>
+            <p:cNvSpPr/>
+            <p:nvPr/>
+          </p:nvSpPr>
+          <p:spPr>
+            <a:xfrm rot="16200000">
+              <a:off x="3961784" y="2099200"/>
+              <a:ext cx="271014" cy="187417"/>
+            </a:xfrm>
+            <a:prstGeom prst="triangle">
+              <a:avLst>
+                <a:gd name="adj" fmla="val 44517"/>
+              </a:avLst>
+            </a:prstGeom>
+            <a:solidFill>
+              <a:schemeClr val="accent4">
+                <a:lumMod val="20000"/>
+                <a:lumOff val="80000"/>
+              </a:schemeClr>
+            </a:solidFill>
+            <a:ln w="19050">
+              <a:solidFill>
+                <a:srgbClr val="7030A0"/>
+              </a:solidFill>
+            </a:ln>
+            <a:effectLst/>
+          </p:spPr>
+          <p:style>
+            <a:lnRef idx="1">
+              <a:schemeClr val="accent6"/>
+            </a:lnRef>
+            <a:fillRef idx="2">
+              <a:schemeClr val="accent6"/>
+            </a:fillRef>
+            <a:effectRef idx="1">
+              <a:schemeClr val="accent6"/>
+            </a:effectRef>
+            <a:fontRef idx="minor">
+              <a:schemeClr val="dk1"/>
+            </a:fontRef>
+          </p:style>
+          <p:txBody>
+            <a:bodyPr rtlCol="0" anchor="ctr"/>
+            <a:lstStyle/>
+            <a:p>
+              <a:pPr algn="ctr"/>
+              <a:endParaRPr lang="en-SG" sz="1050"/>
+            </a:p>
+          </p:txBody>
+        </p:sp>
+        <p:cxnSp>
+          <p:nvCxnSpPr>
+            <p:cNvPr id="69" name="Elbow Connector 63"/>
+            <p:cNvCxnSpPr>
+              <a:cxnSpLocks/>
+              <a:stCxn id="68" idx="3"/>
+              <a:endCxn id="55" idx="1"/>
+            </p:cNvCxnSpPr>
+            <p:nvPr/>
+          </p:nvCxnSpPr>
+          <p:spPr>
+            <a:xfrm flipV="1">
+              <a:off x="4191000" y="2204356"/>
+              <a:ext cx="304800" cy="3412"/>
+            </a:xfrm>
+            <a:prstGeom prst="bentConnector3">
+              <a:avLst>
+                <a:gd name="adj1" fmla="val 50000"/>
+              </a:avLst>
+            </a:prstGeom>
+            <a:ln w="19050">
+              <a:solidFill>
+                <a:srgbClr val="7030A0"/>
+              </a:solidFill>
+              <a:prstDash val="sysDot"/>
+              <a:headEnd type="none" w="med" len="med"/>
+              <a:tailEnd type="none" w="med" len="med"/>
+            </a:ln>
+            <a:effectLst/>
+          </p:spPr>
+          <p:style>
+            <a:lnRef idx="1">
+              <a:schemeClr val="accent2"/>
+            </a:lnRef>
+            <a:fillRef idx="2">
+              <a:schemeClr val="accent2"/>
+            </a:fillRef>
+            <a:effectRef idx="1">
+              <a:schemeClr val="accent2"/>
+            </a:effectRef>
+            <a:fontRef idx="minor">
+              <a:schemeClr val="dk1"/>
+            </a:fontRef>
+          </p:style>
+        </p:cxnSp>
+        <p:cxnSp>
+          <p:nvCxnSpPr>
+            <p:cNvPr id="67" name="Straight Arrow Connector 66">
+              <a:extLst>
+                <a:ext uri="{FF2B5EF4-FFF2-40B4-BE49-F238E27FC236}">
+                  <a16:creationId xmlns:a16="http://schemas.microsoft.com/office/drawing/2014/main" id="{88DF6772-B3C3-EA4C-9D80-36BA5B69817C}"/>
+                </a:ext>
+              </a:extLst>
+            </p:cNvPr>
+            <p:cNvCxnSpPr>
+              <a:cxnSpLocks/>
+            </p:cNvCxnSpPr>
+            <p:nvPr/>
+          </p:nvCxnSpPr>
+          <p:spPr>
+            <a:xfrm>
+              <a:off x="8327395" y="2998583"/>
+              <a:ext cx="336550" cy="0"/>
+            </a:xfrm>
+            <a:prstGeom prst="straightConnector1">
+              <a:avLst/>
+            </a:prstGeom>
+            <a:ln w="19050">
+              <a:solidFill>
+                <a:srgbClr val="7030A0"/>
+              </a:solidFill>
+              <a:headEnd type="none" w="med" len="med"/>
+              <a:tailEnd type="arrow" w="med" len="med"/>
+            </a:ln>
+            <a:effectLst/>
+          </p:spPr>
+          <p:style>
+            <a:lnRef idx="1">
+              <a:schemeClr val="accent2"/>
+            </a:lnRef>
+            <a:fillRef idx="2">
+              <a:schemeClr val="accent2"/>
+            </a:fillRef>
+            <a:effectRef idx="1">
+              <a:schemeClr val="accent2"/>
+            </a:effectRef>
+            <a:fontRef idx="minor">
+              <a:schemeClr val="dk1"/>
+            </a:fontRef>
+          </p:style>
+        </p:cxnSp>
+        <p:cxnSp>
+          <p:nvCxnSpPr>
+            <p:cNvPr id="24" name="Straight Connector 23">
+              <a:extLst>
+                <a:ext uri="{FF2B5EF4-FFF2-40B4-BE49-F238E27FC236}">
+                  <a16:creationId xmlns:a16="http://schemas.microsoft.com/office/drawing/2014/main" id="{9D105430-CAB9-6A40-933C-8CD8F73D319B}"/>
+                </a:ext>
+              </a:extLst>
+            </p:cNvPr>
+            <p:cNvCxnSpPr>
+              <a:cxnSpLocks/>
+            </p:cNvCxnSpPr>
+            <p:nvPr/>
+          </p:nvCxnSpPr>
+          <p:spPr>
+            <a:xfrm flipV="1">
+              <a:off x="3581401" y="4090092"/>
+              <a:ext cx="5572152" cy="4678"/>
+            </a:xfrm>
+            <a:prstGeom prst="line">
+              <a:avLst/>
+            </a:prstGeom>
+            <a:ln w="19050">
+              <a:solidFill>
+                <a:srgbClr val="7030A0"/>
+              </a:solidFill>
+            </a:ln>
+          </p:spPr>
+          <p:style>
+            <a:lnRef idx="1">
+              <a:schemeClr val="accent1"/>
+            </a:lnRef>
+            <a:fillRef idx="0">
+              <a:schemeClr val="accent1"/>
+            </a:fillRef>
+            <a:effectRef idx="0">
+              <a:schemeClr val="accent1"/>
+            </a:effectRef>
+            <a:fontRef idx="minor">
+              <a:schemeClr val="tx1"/>
+            </a:fontRef>
+          </p:style>
+        </p:cxnSp>
+        <p:cxnSp>
+          <p:nvCxnSpPr>
+            <p:cNvPr id="26" name="Straight Arrow Connector 25">
+              <a:extLst>
+                <a:ext uri="{FF2B5EF4-FFF2-40B4-BE49-F238E27FC236}">
+                  <a16:creationId xmlns:a16="http://schemas.microsoft.com/office/drawing/2014/main" id="{8A680623-C2DF-9A44-B524-88AD5D5ED841}"/>
+                </a:ext>
+              </a:extLst>
+            </p:cNvPr>
+            <p:cNvCxnSpPr>
+              <a:cxnSpLocks/>
+              <a:endCxn id="62" idx="2"/>
+            </p:cNvCxnSpPr>
+            <p:nvPr/>
+          </p:nvCxnSpPr>
+          <p:spPr>
+            <a:xfrm flipV="1">
+              <a:off x="9153553" y="3192923"/>
+              <a:ext cx="0" cy="889067"/>
+            </a:xfrm>
+            <a:prstGeom prst="straightConnector1">
+              <a:avLst/>
+            </a:prstGeom>
+            <a:ln w="19050">
+              <a:solidFill>
+                <a:srgbClr val="7030A0"/>
+              </a:solidFill>
+              <a:tailEnd type="triangle"/>
+            </a:ln>
+          </p:spPr>
+          <p:style>
+            <a:lnRef idx="1">
+              <a:schemeClr val="accent1"/>
+            </a:lnRef>
+            <a:fillRef idx="0">
+              <a:schemeClr val="accent1"/>
+            </a:fillRef>
+            <a:effectRef idx="0">
+              <a:schemeClr val="accent1"/>
+            </a:effectRef>
+            <a:fontRef idx="minor">
+              <a:schemeClr val="tx1"/>
+            </a:fontRef>
+          </p:style>
+        </p:cxnSp>
+        <p:cxnSp>
+          <p:nvCxnSpPr>
+            <p:cNvPr id="71" name="Straight Connector 70">
+              <a:extLst>
+                <a:ext uri="{FF2B5EF4-FFF2-40B4-BE49-F238E27FC236}">
+                  <a16:creationId xmlns:a16="http://schemas.microsoft.com/office/drawing/2014/main" id="{377E90C4-F315-4F45-A0D6-5384DC36DC1D}"/>
+                </a:ext>
+              </a:extLst>
+            </p:cNvPr>
+            <p:cNvCxnSpPr>
+              <a:cxnSpLocks/>
+            </p:cNvCxnSpPr>
+            <p:nvPr/>
+          </p:nvCxnSpPr>
+          <p:spPr>
+            <a:xfrm flipH="1">
+              <a:off x="3581400" y="3824055"/>
+              <a:ext cx="1" cy="281075"/>
+            </a:xfrm>
+            <a:prstGeom prst="line">
+              <a:avLst/>
+            </a:prstGeom>
+            <a:ln w="19050">
+              <a:solidFill>
+                <a:srgbClr val="7030A0"/>
+              </a:solidFill>
+            </a:ln>
+          </p:spPr>
+          <p:style>
+            <a:lnRef idx="1">
+              <a:schemeClr val="accent1"/>
+            </a:lnRef>
+            <a:fillRef idx="0">
+              <a:schemeClr val="accent1"/>
+            </a:fillRef>
+            <a:effectRef idx="0">
+              <a:schemeClr val="accent1"/>
+            </a:effectRef>
+            <a:fontRef idx="minor">
+              <a:schemeClr val="tx1"/>
+            </a:fontRef>
+          </p:style>
+        </p:cxnSp>
+        <p:sp>
+          <p:nvSpPr>
+            <p:cNvPr id="73" name="TextBox 72">
+              <a:extLst>
+                <a:ext uri="{FF2B5EF4-FFF2-40B4-BE49-F238E27FC236}">
+                  <a16:creationId xmlns:a16="http://schemas.microsoft.com/office/drawing/2014/main" id="{2344763F-6F73-AE43-88C6-7506360E3C67}"/>
+                </a:ext>
+              </a:extLst>
+            </p:cNvPr>
+            <p:cNvSpPr txBox="1"/>
+            <p:nvPr/>
+          </p:nvSpPr>
+          <p:spPr>
+            <a:xfrm>
+              <a:off x="8878544" y="3263880"/>
+              <a:ext cx="189257" cy="178683"/>
+            </a:xfrm>
+            <a:prstGeom prst="rect">
+              <a:avLst/>
+            </a:prstGeom>
+            <a:noFill/>
+          </p:spPr>
+          <p:txBody>
+            <a:bodyPr wrap="square" lIns="0" tIns="0" rIns="0" bIns="0" rtlCol="0">
+              <a:noAutofit/>
+            </a:bodyPr>
+            <a:lstStyle/>
+            <a:p>
+              <a:pPr algn="ctr"/>
+              <a:r>
+                <a:rPr lang="en-US" sz="1100" dirty="0">
+                  <a:solidFill>
+                    <a:srgbClr val="7030A0"/>
+                  </a:solidFill>
+                </a:rPr>
+                <a:t>1</a:t>
+              </a:r>
+              <a:endParaRPr lang="en-SG" sz="1100" dirty="0">
+                <a:solidFill>
+                  <a:srgbClr val="7030A0"/>
+                </a:solidFill>
+              </a:endParaRPr>
+            </a:p>
+          </p:txBody>
+        </p:sp>
+      </p:grpSp>
+      <p:sp>
+        <p:nvSpPr>
+          <p:cNvPr id="88" name="Flowchart: Decision 96">
+            <a:extLst>
+              <a:ext uri="{FF2B5EF4-FFF2-40B4-BE49-F238E27FC236}">
+                <a16:creationId xmlns:a16="http://schemas.microsoft.com/office/drawing/2014/main" id="{4CA538EA-6E1F-8247-B87D-B84BB5B75FB6}"/>
+              </a:ext>
+            </a:extLst>
+          </p:cNvPr>
           <p:cNvSpPr/>
           <p:nvPr/>
         </p:nvSpPr>
         <p:spPr>
           <a:xfrm>
-            <a:off x="4585918" y="2924537"/>
+            <a:off x="9351432" y="2375273"/>
             <a:ext cx="236048" cy="173380"/>
           </a:xfrm>
           <a:prstGeom prst="flowChartDecision">
@@ -4154,745 +5256,12 @@
           </a:p>
         </p:txBody>
       </p:sp>
-      <p:sp>
-        <p:nvSpPr>
-          <p:cNvPr id="62" name="Rectangle 8"/>
-          <p:cNvSpPr/>
-          <p:nvPr/>
-        </p:nvSpPr>
-        <p:spPr>
-          <a:xfrm>
-            <a:off x="7139945" y="2846162"/>
-            <a:ext cx="979216" cy="346760"/>
-          </a:xfrm>
-          <a:prstGeom prst="rect">
-            <a:avLst/>
-          </a:prstGeom>
-          <a:ln w="19050">
-            <a:solidFill>
-              <a:srgbClr val="7030A0"/>
-            </a:solidFill>
-          </a:ln>
-          <a:effectLst/>
-        </p:spPr>
-        <p:style>
-          <a:lnRef idx="1">
-            <a:schemeClr val="accent4"/>
-          </a:lnRef>
-          <a:fillRef idx="2">
-            <a:schemeClr val="accent4"/>
-          </a:fillRef>
-          <a:effectRef idx="1">
-            <a:schemeClr val="accent4"/>
-          </a:effectRef>
-          <a:fontRef idx="minor">
-            <a:schemeClr val="dk1"/>
-          </a:fontRef>
-        </p:style>
-        <p:txBody>
-          <a:bodyPr rtlCol="0" anchor="ctr"/>
-          <a:lstStyle/>
-          <a:p>
-            <a:pPr algn="ctr"/>
-            <a:r>
-              <a:rPr lang="en-US" sz="1050" dirty="0">
-                <a:solidFill>
-                  <a:srgbClr val="7030A0"/>
-                </a:solidFill>
-              </a:rPr>
-              <a:t>Transaction</a:t>
-            </a:r>
-            <a:endParaRPr lang="en-SG" sz="1050" dirty="0">
-              <a:solidFill>
-                <a:srgbClr val="7030A0"/>
-              </a:solidFill>
-            </a:endParaRPr>
-          </a:p>
-        </p:txBody>
-      </p:sp>
-      <p:sp>
-        <p:nvSpPr>
-          <p:cNvPr id="63" name="Flowchart: Decision 96"/>
-          <p:cNvSpPr/>
-          <p:nvPr/>
-        </p:nvSpPr>
-        <p:spPr>
-          <a:xfrm>
-            <a:off x="6569809" y="2911893"/>
-            <a:ext cx="236048" cy="173380"/>
-          </a:xfrm>
-          <a:prstGeom prst="flowChartDecision">
-            <a:avLst/>
-          </a:prstGeom>
-          <a:noFill/>
-          <a:ln w="19050">
-            <a:solidFill>
-              <a:srgbClr val="7030A0"/>
-            </a:solidFill>
-          </a:ln>
-          <a:effectLst/>
-        </p:spPr>
-        <p:style>
-          <a:lnRef idx="1">
-            <a:schemeClr val="accent6"/>
-          </a:lnRef>
-          <a:fillRef idx="2">
-            <a:schemeClr val="accent6"/>
-          </a:fillRef>
-          <a:effectRef idx="1">
-            <a:schemeClr val="accent6"/>
-          </a:effectRef>
-          <a:fontRef idx="minor">
-            <a:schemeClr val="dk1"/>
-          </a:fontRef>
-        </p:style>
-        <p:txBody>
-          <a:bodyPr rtlCol="0" anchor="ctr"/>
-          <a:lstStyle/>
-          <a:p>
-            <a:pPr algn="ctr"/>
-            <a:endParaRPr lang="en-US" sz="1050"/>
-          </a:p>
-        </p:txBody>
-      </p:sp>
-      <p:cxnSp>
-        <p:nvCxnSpPr>
-          <p:cNvPr id="81" name="Elbow Connector 80"/>
-          <p:cNvCxnSpPr>
-            <a:stCxn id="78" idx="3"/>
-            <a:endCxn id="80" idx="1"/>
-          </p:cNvCxnSpPr>
-          <p:nvPr/>
-        </p:nvCxnSpPr>
-        <p:spPr>
-          <a:xfrm flipV="1">
-            <a:off x="7326275" y="5624008"/>
-            <a:ext cx="434402" cy="4783"/>
-          </a:xfrm>
-          <a:prstGeom prst="bentConnector3">
-            <a:avLst/>
-          </a:prstGeom>
-          <a:ln w="19050">
-            <a:solidFill>
-              <a:srgbClr val="7030A0"/>
-            </a:solidFill>
-            <a:headEnd type="none" w="med" len="med"/>
-            <a:tailEnd type="arrow" w="med" len="med"/>
-          </a:ln>
-          <a:effectLst/>
-        </p:spPr>
-        <p:style>
-          <a:lnRef idx="1">
-            <a:schemeClr val="accent2"/>
-          </a:lnRef>
-          <a:fillRef idx="2">
-            <a:schemeClr val="accent2"/>
-          </a:fillRef>
-          <a:effectRef idx="1">
-            <a:schemeClr val="accent2"/>
-          </a:effectRef>
-          <a:fontRef idx="minor">
-            <a:schemeClr val="dk1"/>
-          </a:fontRef>
-        </p:style>
-      </p:cxnSp>
-      <p:cxnSp>
-        <p:nvCxnSpPr>
-          <p:cNvPr id="84" name="Elbow Connector 83"/>
-          <p:cNvCxnSpPr>
-            <a:stCxn id="78" idx="3"/>
-            <a:endCxn id="83" idx="1"/>
-          </p:cNvCxnSpPr>
-          <p:nvPr/>
-        </p:nvCxnSpPr>
-        <p:spPr>
-          <a:xfrm>
-            <a:off x="7326275" y="5628791"/>
-            <a:ext cx="434402" cy="318195"/>
-          </a:xfrm>
-          <a:prstGeom prst="bentConnector3">
-            <a:avLst/>
-          </a:prstGeom>
-          <a:ln w="19050">
-            <a:solidFill>
-              <a:srgbClr val="7030A0"/>
-            </a:solidFill>
-            <a:headEnd type="none" w="med" len="med"/>
-            <a:tailEnd type="arrow" w="med" len="med"/>
-          </a:ln>
-          <a:effectLst/>
-        </p:spPr>
-        <p:style>
-          <a:lnRef idx="1">
-            <a:schemeClr val="accent2"/>
-          </a:lnRef>
-          <a:fillRef idx="2">
-            <a:schemeClr val="accent2"/>
-          </a:fillRef>
-          <a:effectRef idx="1">
-            <a:schemeClr val="accent2"/>
-          </a:effectRef>
-          <a:fontRef idx="minor">
-            <a:schemeClr val="dk1"/>
-          </a:fontRef>
-        </p:style>
-      </p:cxnSp>
-      <p:cxnSp>
-        <p:nvCxnSpPr>
-          <p:cNvPr id="86" name="Elbow Connector 85"/>
-          <p:cNvCxnSpPr>
-            <a:stCxn id="78" idx="3"/>
-            <a:endCxn id="85" idx="1"/>
-          </p:cNvCxnSpPr>
-          <p:nvPr/>
-        </p:nvCxnSpPr>
-        <p:spPr>
-          <a:xfrm>
-            <a:off x="7326275" y="5628791"/>
-            <a:ext cx="434402" cy="641172"/>
-          </a:xfrm>
-          <a:prstGeom prst="bentConnector3">
-            <a:avLst/>
-          </a:prstGeom>
-          <a:ln w="19050">
-            <a:solidFill>
-              <a:srgbClr val="7030A0"/>
-            </a:solidFill>
-            <a:headEnd type="none" w="med" len="med"/>
-            <a:tailEnd type="arrow" w="med" len="med"/>
-          </a:ln>
-          <a:effectLst/>
-        </p:spPr>
-        <p:style>
-          <a:lnRef idx="1">
-            <a:schemeClr val="accent2"/>
-          </a:lnRef>
-          <a:fillRef idx="2">
-            <a:schemeClr val="accent2"/>
-          </a:fillRef>
-          <a:effectRef idx="1">
-            <a:schemeClr val="accent2"/>
-          </a:effectRef>
-          <a:fontRef idx="minor">
-            <a:schemeClr val="dk1"/>
-          </a:fontRef>
-        </p:style>
-      </p:cxnSp>
-      <p:cxnSp>
-        <p:nvCxnSpPr>
-          <p:cNvPr id="97" name="Elbow Connector 63"/>
-          <p:cNvCxnSpPr>
-            <a:stCxn id="99" idx="3"/>
-          </p:cNvCxnSpPr>
-          <p:nvPr/>
-        </p:nvCxnSpPr>
-        <p:spPr>
-          <a:xfrm rot="5400000">
-            <a:off x="3553611" y="2687559"/>
-            <a:ext cx="293825" cy="5938"/>
-          </a:xfrm>
-          <a:prstGeom prst="bentConnector3">
-            <a:avLst>
-              <a:gd name="adj1" fmla="val 50000"/>
-            </a:avLst>
-          </a:prstGeom>
-          <a:ln w="19050">
-            <a:solidFill>
-              <a:srgbClr val="7030A0"/>
-            </a:solidFill>
-            <a:prstDash val="sysDot"/>
-            <a:headEnd type="none" w="med" len="med"/>
-            <a:tailEnd type="none" w="med" len="med"/>
-          </a:ln>
-          <a:effectLst/>
-        </p:spPr>
-        <p:style>
-          <a:lnRef idx="1">
-            <a:schemeClr val="accent2"/>
-          </a:lnRef>
-          <a:fillRef idx="2">
-            <a:schemeClr val="accent2"/>
-          </a:fillRef>
-          <a:effectRef idx="1">
-            <a:schemeClr val="accent2"/>
-          </a:effectRef>
-          <a:fontRef idx="minor">
-            <a:schemeClr val="dk1"/>
-          </a:fontRef>
-        </p:style>
-      </p:cxnSp>
-      <p:sp>
-        <p:nvSpPr>
-          <p:cNvPr id="99" name="Isosceles Triangle 102"/>
-          <p:cNvSpPr/>
-          <p:nvPr/>
-        </p:nvSpPr>
-        <p:spPr>
-          <a:xfrm rot="10800000" flipV="1">
-            <a:off x="3562299" y="2386554"/>
-            <a:ext cx="282387" cy="157062"/>
-          </a:xfrm>
-          <a:prstGeom prst="triangle">
-            <a:avLst/>
-          </a:prstGeom>
-          <a:ln w="19050">
-            <a:solidFill>
-              <a:srgbClr val="7030A0"/>
-            </a:solidFill>
-          </a:ln>
-          <a:effectLst/>
-        </p:spPr>
-        <p:style>
-          <a:lnRef idx="1">
-            <a:schemeClr val="accent4"/>
-          </a:lnRef>
-          <a:fillRef idx="2">
-            <a:schemeClr val="accent4"/>
-          </a:fillRef>
-          <a:effectRef idx="1">
-            <a:schemeClr val="accent4"/>
-          </a:effectRef>
-          <a:fontRef idx="minor">
-            <a:schemeClr val="dk1"/>
-          </a:fontRef>
-        </p:style>
-        <p:txBody>
-          <a:bodyPr rtlCol="0" anchor="ctr"/>
-          <a:lstStyle/>
-          <a:p>
-            <a:pPr algn="ctr"/>
-            <a:endParaRPr lang="en-SG" sz="1050" b="1">
-              <a:solidFill>
-                <a:srgbClr val="92D050"/>
-              </a:solidFill>
-            </a:endParaRPr>
-          </a:p>
-        </p:txBody>
-      </p:sp>
-      <p:sp>
-        <p:nvSpPr>
-          <p:cNvPr id="100" name="Rectangle 8"/>
-          <p:cNvSpPr/>
-          <p:nvPr/>
-        </p:nvSpPr>
-        <p:spPr>
-          <a:xfrm>
-            <a:off x="609599" y="1998349"/>
-            <a:ext cx="1829379" cy="413281"/>
-          </a:xfrm>
-          <a:prstGeom prst="rect">
-            <a:avLst/>
-          </a:prstGeom>
-          <a:ln w="19050">
-            <a:solidFill>
-              <a:srgbClr val="7030A0"/>
-            </a:solidFill>
-          </a:ln>
-          <a:effectLst/>
-        </p:spPr>
-        <p:style>
-          <a:lnRef idx="1">
-            <a:schemeClr val="accent4"/>
-          </a:lnRef>
-          <a:fillRef idx="2">
-            <a:schemeClr val="accent4"/>
-          </a:fillRef>
-          <a:effectRef idx="1">
-            <a:schemeClr val="accent4"/>
-          </a:effectRef>
-          <a:fontRef idx="minor">
-            <a:schemeClr val="dk1"/>
-          </a:fontRef>
-        </p:style>
-        <p:txBody>
-          <a:bodyPr rtlCol="0" anchor="ctr"/>
-          <a:lstStyle/>
-          <a:p>
-            <a:pPr algn="ctr"/>
-            <a:r>
-              <a:rPr lang="en-US" sz="1050" dirty="0">
-                <a:solidFill>
-                  <a:srgbClr val="7030A0"/>
-                </a:solidFill>
-              </a:rPr>
-              <a:t>&lt;&lt;interface&gt;&gt;</a:t>
-            </a:r>
-            <a:br>
-              <a:rPr lang="en-US" sz="1050" dirty="0">
-                <a:solidFill>
-                  <a:srgbClr val="7030A0"/>
-                </a:solidFill>
-              </a:rPr>
-            </a:br>
-            <a:r>
-              <a:rPr lang="en-US" sz="1050" dirty="0">
-                <a:solidFill>
-                  <a:srgbClr val="7030A0"/>
-                </a:solidFill>
-              </a:rPr>
-              <a:t>ReadOnlyFinancialDatabase</a:t>
-            </a:r>
-            <a:endParaRPr lang="en-SG" sz="1050" dirty="0">
-              <a:solidFill>
-                <a:srgbClr val="7030A0"/>
-              </a:solidFill>
-            </a:endParaRPr>
-          </a:p>
-        </p:txBody>
-      </p:sp>
-      <p:sp>
-        <p:nvSpPr>
-          <p:cNvPr id="114" name="TextBox 113"/>
-          <p:cNvSpPr txBox="1"/>
-          <p:nvPr/>
-        </p:nvSpPr>
-        <p:spPr>
-          <a:xfrm rot="16200000">
-            <a:off x="6362886" y="3586305"/>
-            <a:ext cx="881018" cy="261610"/>
-          </a:xfrm>
-          <a:prstGeom prst="rect">
-            <a:avLst/>
-          </a:prstGeom>
-          <a:noFill/>
-        </p:spPr>
-        <p:txBody>
-          <a:bodyPr wrap="square" rtlCol="0">
-            <a:spAutoFit/>
-          </a:bodyPr>
-          <a:lstStyle/>
-          <a:p>
-            <a:pPr algn="r"/>
-            <a:r>
-              <a:rPr lang="en-US" sz="1100" dirty="0">
-                <a:solidFill>
-                  <a:srgbClr val="7030A0"/>
-                </a:solidFill>
-              </a:rPr>
-              <a:t>filtered list</a:t>
-            </a:r>
-            <a:endParaRPr lang="en-SG" sz="1100" dirty="0">
-              <a:solidFill>
-                <a:srgbClr val="7030A0"/>
-              </a:solidFill>
-            </a:endParaRPr>
-          </a:p>
-        </p:txBody>
-      </p:sp>
-      <p:sp>
-        <p:nvSpPr>
-          <p:cNvPr id="122" name="Rectangle 8"/>
-          <p:cNvSpPr/>
-          <p:nvPr/>
-        </p:nvSpPr>
-        <p:spPr>
-          <a:xfrm>
-            <a:off x="2057401" y="4239491"/>
-            <a:ext cx="1066800" cy="346760"/>
-          </a:xfrm>
-          <a:prstGeom prst="rect">
-            <a:avLst/>
-          </a:prstGeom>
-          <a:ln w="19050">
-            <a:solidFill>
-              <a:srgbClr val="7030A0"/>
-            </a:solidFill>
-          </a:ln>
-          <a:effectLst/>
-        </p:spPr>
-        <p:style>
-          <a:lnRef idx="1">
-            <a:schemeClr val="accent4"/>
-          </a:lnRef>
-          <a:fillRef idx="2">
-            <a:schemeClr val="accent4"/>
-          </a:fillRef>
-          <a:effectRef idx="1">
-            <a:schemeClr val="accent4"/>
-          </a:effectRef>
-          <a:fontRef idx="minor">
-            <a:schemeClr val="dk1"/>
-          </a:fontRef>
-        </p:style>
-        <p:txBody>
-          <a:bodyPr rtlCol="0" anchor="ctr"/>
-          <a:lstStyle/>
-          <a:p>
-            <a:pPr algn="ctr"/>
-            <a:r>
-              <a:rPr lang="en-US" sz="1050" dirty="0">
-                <a:solidFill>
-                  <a:srgbClr val="7030A0"/>
-                </a:solidFill>
-              </a:rPr>
-              <a:t>&lt;&lt;interface&gt;&gt;</a:t>
-            </a:r>
-            <a:br>
-              <a:rPr lang="en-US" sz="1050" dirty="0">
-                <a:solidFill>
-                  <a:srgbClr val="7030A0"/>
-                </a:solidFill>
-              </a:rPr>
-            </a:br>
-            <a:r>
-              <a:rPr lang="en-US" sz="1050" dirty="0" err="1">
-                <a:solidFill>
-                  <a:srgbClr val="7030A0"/>
-                </a:solidFill>
-              </a:rPr>
-              <a:t>ObservableList</a:t>
-            </a:r>
-            <a:endParaRPr lang="en-SG" sz="1050" dirty="0">
-              <a:solidFill>
-                <a:srgbClr val="7030A0"/>
-              </a:solidFill>
-            </a:endParaRPr>
-          </a:p>
-        </p:txBody>
-      </p:sp>
-      <p:cxnSp>
-        <p:nvCxnSpPr>
-          <p:cNvPr id="124" name="Elbow Connector 122"/>
-          <p:cNvCxnSpPr>
-            <a:stCxn id="119" idx="1"/>
-            <a:endCxn id="122" idx="1"/>
-          </p:cNvCxnSpPr>
-          <p:nvPr/>
-        </p:nvCxnSpPr>
-        <p:spPr>
-          <a:xfrm rot="16200000" flipH="1">
-            <a:off x="1212075" y="3567544"/>
-            <a:ext cx="831471" cy="859181"/>
-          </a:xfrm>
-          <a:prstGeom prst="bentConnector2">
-            <a:avLst/>
-          </a:prstGeom>
-          <a:ln w="19050">
-            <a:solidFill>
-              <a:srgbClr val="7030A0"/>
-            </a:solidFill>
-            <a:prstDash val="sysDot"/>
-            <a:headEnd type="none" w="med" len="med"/>
-            <a:tailEnd type="arrow" w="med" len="med"/>
-          </a:ln>
-          <a:effectLst/>
-        </p:spPr>
-        <p:style>
-          <a:lnRef idx="1">
-            <a:schemeClr val="accent2"/>
-          </a:lnRef>
-          <a:fillRef idx="2">
-            <a:schemeClr val="accent2"/>
-          </a:fillRef>
-          <a:effectRef idx="1">
-            <a:schemeClr val="accent2"/>
-          </a:effectRef>
-          <a:fontRef idx="minor">
-            <a:schemeClr val="dk1"/>
-          </a:fontRef>
-        </p:style>
-      </p:cxnSp>
-      <p:sp>
-        <p:nvSpPr>
-          <p:cNvPr id="54" name="TextBox 53"/>
-          <p:cNvSpPr txBox="1"/>
-          <p:nvPr/>
-        </p:nvSpPr>
-        <p:spPr>
-          <a:xfrm>
-            <a:off x="4839943" y="3111479"/>
-            <a:ext cx="189257" cy="178683"/>
-          </a:xfrm>
-          <a:prstGeom prst="rect">
-            <a:avLst/>
-          </a:prstGeom>
-          <a:noFill/>
-        </p:spPr>
-        <p:txBody>
-          <a:bodyPr wrap="square" lIns="0" tIns="0" rIns="0" bIns="0" rtlCol="0">
-            <a:noAutofit/>
-          </a:bodyPr>
-          <a:lstStyle/>
-          <a:p>
-            <a:pPr algn="ctr"/>
-            <a:r>
-              <a:rPr lang="en-US" sz="1100" dirty="0">
-                <a:solidFill>
-                  <a:srgbClr val="7030A0"/>
-                </a:solidFill>
-              </a:rPr>
-              <a:t>1</a:t>
-            </a:r>
-            <a:endParaRPr lang="en-SG" sz="1100" dirty="0">
-              <a:solidFill>
-                <a:srgbClr val="7030A0"/>
-              </a:solidFill>
-            </a:endParaRPr>
-          </a:p>
-        </p:txBody>
-      </p:sp>
-      <p:sp>
-        <p:nvSpPr>
-          <p:cNvPr id="61" name="TextBox 60"/>
-          <p:cNvSpPr txBox="1"/>
-          <p:nvPr/>
-        </p:nvSpPr>
-        <p:spPr>
-          <a:xfrm>
-            <a:off x="6054827" y="3334675"/>
-            <a:ext cx="189257" cy="178683"/>
-          </a:xfrm>
-          <a:prstGeom prst="rect">
-            <a:avLst/>
-          </a:prstGeom>
-          <a:noFill/>
-        </p:spPr>
-        <p:txBody>
-          <a:bodyPr wrap="square" lIns="0" tIns="0" rIns="0" bIns="0" rtlCol="0">
-            <a:noAutofit/>
-          </a:bodyPr>
-          <a:lstStyle/>
-          <a:p>
-            <a:pPr algn="ctr"/>
-            <a:r>
-              <a:rPr lang="en-US" sz="1100" dirty="0">
-                <a:solidFill>
-                  <a:srgbClr val="7030A0"/>
-                </a:solidFill>
-              </a:rPr>
-              <a:t>*</a:t>
-            </a:r>
-            <a:endParaRPr lang="en-SG" sz="1100" dirty="0">
-              <a:solidFill>
-                <a:srgbClr val="7030A0"/>
-              </a:solidFill>
-            </a:endParaRPr>
-          </a:p>
-        </p:txBody>
-      </p:sp>
-      <p:sp>
-        <p:nvSpPr>
-          <p:cNvPr id="65" name="TextBox 64"/>
-          <p:cNvSpPr txBox="1"/>
-          <p:nvPr/>
-        </p:nvSpPr>
-        <p:spPr>
-          <a:xfrm>
-            <a:off x="2573394" y="2756715"/>
-            <a:ext cx="170110" cy="137542"/>
-          </a:xfrm>
-          <a:prstGeom prst="rect">
-            <a:avLst/>
-          </a:prstGeom>
-          <a:noFill/>
-        </p:spPr>
-        <p:txBody>
-          <a:bodyPr wrap="square" lIns="0" tIns="0" rIns="0" bIns="0" rtlCol="0">
-            <a:noAutofit/>
-          </a:bodyPr>
-          <a:lstStyle/>
-          <a:p>
-            <a:pPr algn="ctr"/>
-            <a:r>
-              <a:rPr lang="en-US" sz="1100" dirty="0">
-                <a:solidFill>
-                  <a:srgbClr val="7030A0"/>
-                </a:solidFill>
-              </a:rPr>
-              <a:t>1</a:t>
-            </a:r>
-            <a:endParaRPr lang="en-SG" sz="1100" dirty="0">
-              <a:solidFill>
-                <a:srgbClr val="7030A0"/>
-              </a:solidFill>
-            </a:endParaRPr>
-          </a:p>
-        </p:txBody>
-      </p:sp>
-      <p:sp>
-        <p:nvSpPr>
-          <p:cNvPr id="66" name="TextBox 65"/>
-          <p:cNvSpPr txBox="1"/>
-          <p:nvPr/>
-        </p:nvSpPr>
-        <p:spPr>
-          <a:xfrm>
-            <a:off x="2707070" y="3667737"/>
-            <a:ext cx="189257" cy="178683"/>
-          </a:xfrm>
-          <a:prstGeom prst="rect">
-            <a:avLst/>
-          </a:prstGeom>
-          <a:noFill/>
-        </p:spPr>
-        <p:txBody>
-          <a:bodyPr wrap="square" lIns="0" tIns="0" rIns="0" bIns="0" rtlCol="0">
-            <a:noAutofit/>
-          </a:bodyPr>
-          <a:lstStyle/>
-          <a:p>
-            <a:pPr algn="ctr"/>
-            <a:r>
-              <a:rPr lang="en-US" sz="1100" dirty="0">
-                <a:solidFill>
-                  <a:srgbClr val="7030A0"/>
-                </a:solidFill>
-              </a:rPr>
-              <a:t>1</a:t>
-            </a:r>
-            <a:endParaRPr lang="en-SG" sz="1100" dirty="0">
-              <a:solidFill>
-                <a:srgbClr val="7030A0"/>
-              </a:solidFill>
-            </a:endParaRPr>
-          </a:p>
-        </p:txBody>
-      </p:sp>
-      <p:sp>
-        <p:nvSpPr>
-          <p:cNvPr id="70" name="TextBox 69"/>
-          <p:cNvSpPr txBox="1"/>
-          <p:nvPr/>
-        </p:nvSpPr>
-        <p:spPr>
-          <a:xfrm>
-            <a:off x="6449896" y="3204826"/>
-            <a:ext cx="189257" cy="178683"/>
-          </a:xfrm>
-          <a:prstGeom prst="rect">
-            <a:avLst/>
-          </a:prstGeom>
-          <a:noFill/>
-        </p:spPr>
-        <p:txBody>
-          <a:bodyPr wrap="square" lIns="0" tIns="0" rIns="0" bIns="0" rtlCol="0">
-            <a:noAutofit/>
-          </a:bodyPr>
-          <a:lstStyle/>
-          <a:p>
-            <a:pPr algn="ctr"/>
-            <a:r>
-              <a:rPr lang="en-US" sz="1100" dirty="0">
-                <a:solidFill>
-                  <a:srgbClr val="7030A0"/>
-                </a:solidFill>
-              </a:rPr>
-              <a:t>1</a:t>
-            </a:r>
-            <a:endParaRPr lang="en-SG" sz="1100" dirty="0">
-              <a:solidFill>
-                <a:srgbClr val="7030A0"/>
-              </a:solidFill>
-            </a:endParaRPr>
-          </a:p>
-        </p:txBody>
-      </p:sp>
       <p:grpSp>
         <p:nvGrpSpPr>
-          <p:cNvPr id="14" name="Group 13">
+          <p:cNvPr id="166" name="Group 165">
             <a:extLst>
               <a:ext uri="{FF2B5EF4-FFF2-40B4-BE49-F238E27FC236}">
-                <a16:creationId xmlns:a16="http://schemas.microsoft.com/office/drawing/2014/main" id="{C948861A-F49D-5548-80F9-7FF47E958508}"/>
+                <a16:creationId xmlns:a16="http://schemas.microsoft.com/office/drawing/2014/main" id="{FE5FAB22-B343-CC43-8AB9-8292CAEA7EBD}"/>
               </a:ext>
             </a:extLst>
           </p:cNvPr>
@@ -4901,21 +5270,27 @@
         </p:nvGrpSpPr>
         <p:grpSpPr>
           <a:xfrm>
-            <a:off x="7090227" y="4822717"/>
-            <a:ext cx="1378636" cy="1590137"/>
-            <a:chOff x="7041947" y="2228817"/>
-            <a:chExt cx="1378636" cy="1590137"/>
+            <a:off x="10099589" y="1702840"/>
+            <a:ext cx="708186" cy="1590137"/>
+            <a:chOff x="9284677" y="4822718"/>
+            <a:chExt cx="708186" cy="1590137"/>
           </a:xfrm>
         </p:grpSpPr>
         <p:sp>
           <p:nvSpPr>
-            <p:cNvPr id="76" name="Rectangle 8"/>
+            <p:cNvPr id="87" name="Rectangle 8">
+              <a:extLst>
+                <a:ext uri="{FF2B5EF4-FFF2-40B4-BE49-F238E27FC236}">
+                  <a16:creationId xmlns:a16="http://schemas.microsoft.com/office/drawing/2014/main" id="{484EAFF9-C0C8-5542-A9F7-DEE76D1B2616}"/>
+                </a:ext>
+              </a:extLst>
+            </p:cNvPr>
             <p:cNvSpPr/>
             <p:nvPr/>
           </p:nvSpPr>
           <p:spPr>
             <a:xfrm>
-              <a:off x="7712397" y="2564238"/>
+              <a:off x="9284677" y="5158139"/>
               <a:ext cx="708186" cy="285783"/>
             </a:xfrm>
             <a:prstGeom prst="rect">
@@ -4965,100 +5340,19 @@
         </p:sp>
         <p:sp>
           <p:nvSpPr>
-            <p:cNvPr id="78" name="Flowchart: Decision 96"/>
+            <p:cNvPr id="90" name="Rectangle 8">
+              <a:extLst>
+                <a:ext uri="{FF2B5EF4-FFF2-40B4-BE49-F238E27FC236}">
+                  <a16:creationId xmlns:a16="http://schemas.microsoft.com/office/drawing/2014/main" id="{CB4204C4-F54A-574F-8335-B8BE6CF1E018}"/>
+                </a:ext>
+              </a:extLst>
+            </p:cNvPr>
             <p:cNvSpPr/>
             <p:nvPr/>
           </p:nvSpPr>
           <p:spPr>
             <a:xfrm>
-              <a:off x="7041947" y="2948201"/>
-              <a:ext cx="236048" cy="173380"/>
-            </a:xfrm>
-            <a:prstGeom prst="flowChartDecision">
-              <a:avLst/>
-            </a:prstGeom>
-            <a:solidFill>
-              <a:srgbClr val="7030A0"/>
-            </a:solidFill>
-            <a:ln w="19050">
-              <a:solidFill>
-                <a:srgbClr val="7030A0"/>
-              </a:solidFill>
-            </a:ln>
-            <a:effectLst/>
-          </p:spPr>
-          <p:style>
-            <a:lnRef idx="1">
-              <a:schemeClr val="accent6"/>
-            </a:lnRef>
-            <a:fillRef idx="2">
-              <a:schemeClr val="accent6"/>
-            </a:fillRef>
-            <a:effectRef idx="1">
-              <a:schemeClr val="accent6"/>
-            </a:effectRef>
-            <a:fontRef idx="minor">
-              <a:schemeClr val="dk1"/>
-            </a:fontRef>
-          </p:style>
-          <p:txBody>
-            <a:bodyPr rtlCol="0" anchor="ctr"/>
-            <a:lstStyle/>
-            <a:p>
-              <a:pPr algn="ctr"/>
-              <a:endParaRPr lang="en-US" sz="1050"/>
-            </a:p>
-          </p:txBody>
-        </p:sp>
-        <p:cxnSp>
-          <p:nvCxnSpPr>
-            <p:cNvPr id="79" name="Elbow Connector 78"/>
-            <p:cNvCxnSpPr>
-              <a:cxnSpLocks/>
-            </p:cNvCxnSpPr>
-            <p:nvPr/>
-          </p:nvCxnSpPr>
-          <p:spPr>
-            <a:xfrm flipV="1">
-              <a:off x="7277995" y="2706821"/>
-              <a:ext cx="434402" cy="327761"/>
-            </a:xfrm>
-            <a:prstGeom prst="bentConnector3">
-              <a:avLst/>
-            </a:prstGeom>
-            <a:ln w="19050">
-              <a:solidFill>
-                <a:srgbClr val="7030A0"/>
-              </a:solidFill>
-              <a:headEnd type="none" w="med" len="med"/>
-              <a:tailEnd type="arrow" w="med" len="med"/>
-            </a:ln>
-            <a:effectLst/>
-          </p:spPr>
-          <p:style>
-            <a:lnRef idx="1">
-              <a:schemeClr val="accent2"/>
-            </a:lnRef>
-            <a:fillRef idx="2">
-              <a:schemeClr val="accent2"/>
-            </a:fillRef>
-            <a:effectRef idx="1">
-              <a:schemeClr val="accent2"/>
-            </a:effectRef>
-            <a:fontRef idx="minor">
-              <a:schemeClr val="dk1"/>
-            </a:fontRef>
-          </p:style>
-        </p:cxnSp>
-        <p:sp>
-          <p:nvSpPr>
-            <p:cNvPr id="80" name="Rectangle 8"/>
-            <p:cNvSpPr/>
-            <p:nvPr/>
-          </p:nvSpPr>
-          <p:spPr>
-            <a:xfrm>
-              <a:off x="7712397" y="2887216"/>
+              <a:off x="9284677" y="5481117"/>
               <a:ext cx="708186" cy="285783"/>
             </a:xfrm>
             <a:prstGeom prst="rect">
@@ -5108,13 +5402,19 @@
         </p:sp>
         <p:sp>
           <p:nvSpPr>
-            <p:cNvPr id="83" name="Rectangle 8"/>
+            <p:cNvPr id="91" name="Rectangle 8">
+              <a:extLst>
+                <a:ext uri="{FF2B5EF4-FFF2-40B4-BE49-F238E27FC236}">
+                  <a16:creationId xmlns:a16="http://schemas.microsoft.com/office/drawing/2014/main" id="{9B9BE62C-328B-5F41-AC06-C354CD0C97ED}"/>
+                </a:ext>
+              </a:extLst>
+            </p:cNvPr>
             <p:cNvSpPr/>
             <p:nvPr/>
           </p:nvSpPr>
           <p:spPr>
             <a:xfrm>
-              <a:off x="7712397" y="3210194"/>
+              <a:off x="9284677" y="5804095"/>
               <a:ext cx="708186" cy="285783"/>
             </a:xfrm>
             <a:prstGeom prst="rect">
@@ -5164,13 +5464,19 @@
         </p:sp>
         <p:sp>
           <p:nvSpPr>
-            <p:cNvPr id="85" name="Rectangle 8"/>
+            <p:cNvPr id="92" name="Rectangle 8">
+              <a:extLst>
+                <a:ext uri="{FF2B5EF4-FFF2-40B4-BE49-F238E27FC236}">
+                  <a16:creationId xmlns:a16="http://schemas.microsoft.com/office/drawing/2014/main" id="{3E26CBF2-E957-D14A-913F-205C2444AEDC}"/>
+                </a:ext>
+              </a:extLst>
+            </p:cNvPr>
             <p:cNvSpPr/>
             <p:nvPr/>
           </p:nvSpPr>
           <p:spPr>
             <a:xfrm>
-              <a:off x="7712397" y="3533171"/>
+              <a:off x="9284677" y="6127072"/>
               <a:ext cx="708186" cy="285783"/>
             </a:xfrm>
             <a:prstGeom prst="rect">
@@ -5220,10 +5526,10 @@
         </p:sp>
         <p:sp>
           <p:nvSpPr>
-            <p:cNvPr id="52" name="Rectangle 8">
+            <p:cNvPr id="93" name="Rectangle 92">
               <a:extLst>
                 <a:ext uri="{FF2B5EF4-FFF2-40B4-BE49-F238E27FC236}">
-                  <a16:creationId xmlns:a16="http://schemas.microsoft.com/office/drawing/2014/main" id="{ABDCDBD2-131A-4B66-A2F2-43BBEE82C773}"/>
+                  <a16:creationId xmlns:a16="http://schemas.microsoft.com/office/drawing/2014/main" id="{E0F263CD-AF23-EB4C-8B9F-BD40F7434AA3}"/>
                 </a:ext>
               </a:extLst>
             </p:cNvPr>
@@ -5232,7 +5538,7 @@
           </p:nvSpPr>
           <p:spPr>
             <a:xfrm>
-              <a:off x="7712397" y="2228817"/>
+              <a:off x="9284677" y="4822718"/>
               <a:ext cx="708186" cy="285783"/>
             </a:xfrm>
             <a:prstGeom prst="rect">
@@ -5280,25 +5586,497 @@
             </a:p>
           </p:txBody>
         </p:sp>
+      </p:grpSp>
+      <p:sp>
+        <p:nvSpPr>
+          <p:cNvPr id="95" name="TextBox 94">
+            <a:extLst>
+              <a:ext uri="{FF2B5EF4-FFF2-40B4-BE49-F238E27FC236}">
+                <a16:creationId xmlns:a16="http://schemas.microsoft.com/office/drawing/2014/main" id="{741C0579-3A27-8545-BB7D-B8AB73B28462}"/>
+              </a:ext>
+            </a:extLst>
+          </p:cNvPr>
+          <p:cNvSpPr txBox="1"/>
+          <p:nvPr/>
+        </p:nvSpPr>
+        <p:spPr>
+          <a:xfrm>
+            <a:off x="8804199" y="4565427"/>
+            <a:ext cx="189257" cy="178683"/>
+          </a:xfrm>
+          <a:prstGeom prst="rect">
+            <a:avLst/>
+          </a:prstGeom>
+          <a:noFill/>
+        </p:spPr>
+        <p:txBody>
+          <a:bodyPr wrap="square" lIns="0" tIns="0" rIns="0" bIns="0" rtlCol="0">
+            <a:noAutofit/>
+          </a:bodyPr>
+          <a:lstStyle/>
+          <a:p>
+            <a:pPr algn="ctr"/>
+            <a:r>
+              <a:rPr lang="en-US" sz="1100" dirty="0">
+                <a:solidFill>
+                  <a:srgbClr val="7030A0"/>
+                </a:solidFill>
+              </a:rPr>
+              <a:t>*</a:t>
+            </a:r>
+            <a:endParaRPr lang="en-SG" sz="1100" dirty="0">
+              <a:solidFill>
+                <a:srgbClr val="7030A0"/>
+              </a:solidFill>
+            </a:endParaRPr>
+          </a:p>
+        </p:txBody>
+      </p:sp>
+      <p:sp>
+        <p:nvSpPr>
+          <p:cNvPr id="98" name="Rectangle 8">
+            <a:extLst>
+              <a:ext uri="{FF2B5EF4-FFF2-40B4-BE49-F238E27FC236}">
+                <a16:creationId xmlns:a16="http://schemas.microsoft.com/office/drawing/2014/main" id="{C4F5ED01-14CA-0A4A-B554-E0569AA7E9EF}"/>
+              </a:ext>
+            </a:extLst>
+          </p:cNvPr>
+          <p:cNvSpPr/>
+          <p:nvPr/>
+        </p:nvSpPr>
+        <p:spPr>
+          <a:xfrm>
+            <a:off x="8643246" y="1350139"/>
+            <a:ext cx="708186" cy="285783"/>
+          </a:xfrm>
+          <a:prstGeom prst="rect">
+            <a:avLst/>
+          </a:prstGeom>
+          <a:ln w="19050">
+            <a:solidFill>
+              <a:srgbClr val="7030A0"/>
+            </a:solidFill>
+          </a:ln>
+          <a:effectLst/>
+        </p:spPr>
+        <p:style>
+          <a:lnRef idx="1">
+            <a:schemeClr val="accent4"/>
+          </a:lnRef>
+          <a:fillRef idx="2">
+            <a:schemeClr val="accent4"/>
+          </a:fillRef>
+          <a:effectRef idx="1">
+            <a:schemeClr val="accent4"/>
+          </a:effectRef>
+          <a:fontRef idx="minor">
+            <a:schemeClr val="dk1"/>
+          </a:fontRef>
+        </p:style>
+        <p:txBody>
+          <a:bodyPr rtlCol="0" anchor="ctr"/>
+          <a:lstStyle/>
+          <a:p>
+            <a:pPr algn="ctr"/>
+            <a:r>
+              <a:rPr lang="en-US" sz="1050" dirty="0">
+                <a:solidFill>
+                  <a:srgbClr val="7030A0"/>
+                </a:solidFill>
+              </a:rPr>
+              <a:t>Deadline</a:t>
+            </a:r>
+            <a:endParaRPr lang="en-SG" sz="1050" dirty="0">
+              <a:solidFill>
+                <a:srgbClr val="7030A0"/>
+              </a:solidFill>
+            </a:endParaRPr>
+          </a:p>
+        </p:txBody>
+      </p:sp>
+      <p:sp>
+        <p:nvSpPr>
+          <p:cNvPr id="101" name="Flowchart: Decision 96">
+            <a:extLst>
+              <a:ext uri="{FF2B5EF4-FFF2-40B4-BE49-F238E27FC236}">
+                <a16:creationId xmlns:a16="http://schemas.microsoft.com/office/drawing/2014/main" id="{C448AE7C-1DB2-C446-A6E1-B15F48552D85}"/>
+              </a:ext>
+            </a:extLst>
+          </p:cNvPr>
+          <p:cNvSpPr/>
+          <p:nvPr/>
+        </p:nvSpPr>
+        <p:spPr>
+          <a:xfrm>
+            <a:off x="7972796" y="1734102"/>
+            <a:ext cx="236048" cy="173380"/>
+          </a:xfrm>
+          <a:prstGeom prst="flowChartDecision">
+            <a:avLst/>
+          </a:prstGeom>
+          <a:solidFill>
+            <a:srgbClr val="7030A0"/>
+          </a:solidFill>
+          <a:ln w="19050">
+            <a:solidFill>
+              <a:srgbClr val="7030A0"/>
+            </a:solidFill>
+          </a:ln>
+          <a:effectLst/>
+        </p:spPr>
+        <p:style>
+          <a:lnRef idx="1">
+            <a:schemeClr val="accent6"/>
+          </a:lnRef>
+          <a:fillRef idx="2">
+            <a:schemeClr val="accent6"/>
+          </a:fillRef>
+          <a:effectRef idx="1">
+            <a:schemeClr val="accent6"/>
+          </a:effectRef>
+          <a:fontRef idx="minor">
+            <a:schemeClr val="dk1"/>
+          </a:fontRef>
+        </p:style>
+        <p:txBody>
+          <a:bodyPr rtlCol="0" anchor="ctr"/>
+          <a:lstStyle/>
+          <a:p>
+            <a:pPr algn="ctr"/>
+            <a:endParaRPr lang="en-US" sz="1050"/>
+          </a:p>
+        </p:txBody>
+      </p:sp>
+      <p:sp>
+        <p:nvSpPr>
+          <p:cNvPr id="103" name="Rectangle 8">
+            <a:extLst>
+              <a:ext uri="{FF2B5EF4-FFF2-40B4-BE49-F238E27FC236}">
+                <a16:creationId xmlns:a16="http://schemas.microsoft.com/office/drawing/2014/main" id="{0F044452-1694-E743-AA23-0A6B521AD393}"/>
+              </a:ext>
+            </a:extLst>
+          </p:cNvPr>
+          <p:cNvSpPr/>
+          <p:nvPr/>
+        </p:nvSpPr>
+        <p:spPr>
+          <a:xfrm>
+            <a:off x="8643246" y="1673117"/>
+            <a:ext cx="708186" cy="285783"/>
+          </a:xfrm>
+          <a:prstGeom prst="rect">
+            <a:avLst/>
+          </a:prstGeom>
+          <a:ln w="19050">
+            <a:solidFill>
+              <a:srgbClr val="7030A0"/>
+            </a:solidFill>
+          </a:ln>
+          <a:effectLst/>
+        </p:spPr>
+        <p:style>
+          <a:lnRef idx="1">
+            <a:schemeClr val="accent4"/>
+          </a:lnRef>
+          <a:fillRef idx="2">
+            <a:schemeClr val="accent4"/>
+          </a:fillRef>
+          <a:effectRef idx="1">
+            <a:schemeClr val="accent4"/>
+          </a:effectRef>
+          <a:fontRef idx="minor">
+            <a:schemeClr val="dk1"/>
+          </a:fontRef>
+        </p:style>
+        <p:txBody>
+          <a:bodyPr rtlCol="0" anchor="ctr"/>
+          <a:lstStyle/>
+          <a:p>
+            <a:pPr algn="ctr"/>
+            <a:r>
+              <a:rPr lang="en-US" sz="1050" dirty="0">
+                <a:solidFill>
+                  <a:srgbClr val="7030A0"/>
+                </a:solidFill>
+              </a:rPr>
+              <a:t>Interest</a:t>
+            </a:r>
+            <a:endParaRPr lang="en-SG" sz="1050" dirty="0">
+              <a:solidFill>
+                <a:srgbClr val="7030A0"/>
+              </a:solidFill>
+            </a:endParaRPr>
+          </a:p>
+        </p:txBody>
+      </p:sp>
+      <p:sp>
+        <p:nvSpPr>
+          <p:cNvPr id="104" name="Rectangle 8">
+            <a:extLst>
+              <a:ext uri="{FF2B5EF4-FFF2-40B4-BE49-F238E27FC236}">
+                <a16:creationId xmlns:a16="http://schemas.microsoft.com/office/drawing/2014/main" id="{72DD6E33-5BED-6B4D-916E-96312F840147}"/>
+              </a:ext>
+            </a:extLst>
+          </p:cNvPr>
+          <p:cNvSpPr/>
+          <p:nvPr/>
+        </p:nvSpPr>
+        <p:spPr>
+          <a:xfrm>
+            <a:off x="8643246" y="1996095"/>
+            <a:ext cx="708186" cy="285783"/>
+          </a:xfrm>
+          <a:prstGeom prst="rect">
+            <a:avLst/>
+          </a:prstGeom>
+          <a:ln w="19050">
+            <a:solidFill>
+              <a:srgbClr val="7030A0"/>
+            </a:solidFill>
+          </a:ln>
+          <a:effectLst/>
+        </p:spPr>
+        <p:style>
+          <a:lnRef idx="1">
+            <a:schemeClr val="accent4"/>
+          </a:lnRef>
+          <a:fillRef idx="2">
+            <a:schemeClr val="accent4"/>
+          </a:fillRef>
+          <a:effectRef idx="1">
+            <a:schemeClr val="accent4"/>
+          </a:effectRef>
+          <a:fontRef idx="minor">
+            <a:schemeClr val="dk1"/>
+          </a:fontRef>
+        </p:style>
+        <p:txBody>
+          <a:bodyPr rtlCol="0" anchor="ctr"/>
+          <a:lstStyle/>
+          <a:p>
+            <a:pPr algn="ctr"/>
+            <a:r>
+              <a:rPr lang="en-US" sz="1050" dirty="0">
+                <a:solidFill>
+                  <a:srgbClr val="7030A0"/>
+                </a:solidFill>
+              </a:rPr>
+              <a:t>Type</a:t>
+            </a:r>
+            <a:endParaRPr lang="en-SG" sz="1050" dirty="0">
+              <a:solidFill>
+                <a:srgbClr val="7030A0"/>
+              </a:solidFill>
+            </a:endParaRPr>
+          </a:p>
+        </p:txBody>
+      </p:sp>
+      <p:sp>
+        <p:nvSpPr>
+          <p:cNvPr id="105" name="Rectangle 8">
+            <a:extLst>
+              <a:ext uri="{FF2B5EF4-FFF2-40B4-BE49-F238E27FC236}">
+                <a16:creationId xmlns:a16="http://schemas.microsoft.com/office/drawing/2014/main" id="{EB75F7A0-27DB-824E-957D-33264C05EF7C}"/>
+              </a:ext>
+            </a:extLst>
+          </p:cNvPr>
+          <p:cNvSpPr/>
+          <p:nvPr/>
+        </p:nvSpPr>
+        <p:spPr>
+          <a:xfrm>
+            <a:off x="8643246" y="2319072"/>
+            <a:ext cx="708186" cy="285783"/>
+          </a:xfrm>
+          <a:prstGeom prst="rect">
+            <a:avLst/>
+          </a:prstGeom>
+          <a:ln w="19050">
+            <a:solidFill>
+              <a:srgbClr val="7030A0"/>
+            </a:solidFill>
+          </a:ln>
+          <a:effectLst/>
+        </p:spPr>
+        <p:style>
+          <a:lnRef idx="1">
+            <a:schemeClr val="accent4"/>
+          </a:lnRef>
+          <a:fillRef idx="2">
+            <a:schemeClr val="accent4"/>
+          </a:fillRef>
+          <a:effectRef idx="1">
+            <a:schemeClr val="accent4"/>
+          </a:effectRef>
+          <a:fontRef idx="minor">
+            <a:schemeClr val="dk1"/>
+          </a:fontRef>
+        </p:style>
+        <p:txBody>
+          <a:bodyPr rtlCol="0" anchor="ctr"/>
+          <a:lstStyle/>
+          <a:p>
+            <a:pPr algn="ctr"/>
+            <a:r>
+              <a:rPr lang="en-US" sz="1050" dirty="0">
+                <a:solidFill>
+                  <a:srgbClr val="7030A0"/>
+                </a:solidFill>
+              </a:rPr>
+              <a:t>Person</a:t>
+            </a:r>
+            <a:endParaRPr lang="en-SG" sz="1050" dirty="0">
+              <a:solidFill>
+                <a:srgbClr val="7030A0"/>
+              </a:solidFill>
+            </a:endParaRPr>
+          </a:p>
+        </p:txBody>
+      </p:sp>
+      <p:sp>
+        <p:nvSpPr>
+          <p:cNvPr id="106" name="Rectangle 105">
+            <a:extLst>
+              <a:ext uri="{FF2B5EF4-FFF2-40B4-BE49-F238E27FC236}">
+                <a16:creationId xmlns:a16="http://schemas.microsoft.com/office/drawing/2014/main" id="{EB34A25A-7A53-CF41-91BD-C064878DDE6B}"/>
+              </a:ext>
+            </a:extLst>
+          </p:cNvPr>
+          <p:cNvSpPr/>
+          <p:nvPr/>
+        </p:nvSpPr>
+        <p:spPr>
+          <a:xfrm>
+            <a:off x="8643246" y="1014718"/>
+            <a:ext cx="708186" cy="285783"/>
+          </a:xfrm>
+          <a:prstGeom prst="rect">
+            <a:avLst/>
+          </a:prstGeom>
+          <a:ln w="19050">
+            <a:solidFill>
+              <a:srgbClr val="7030A0"/>
+            </a:solidFill>
+          </a:ln>
+          <a:effectLst/>
+        </p:spPr>
+        <p:style>
+          <a:lnRef idx="1">
+            <a:schemeClr val="accent4"/>
+          </a:lnRef>
+          <a:fillRef idx="2">
+            <a:schemeClr val="accent4"/>
+          </a:fillRef>
+          <a:effectRef idx="1">
+            <a:schemeClr val="accent4"/>
+          </a:effectRef>
+          <a:fontRef idx="minor">
+            <a:schemeClr val="dk1"/>
+          </a:fontRef>
+        </p:style>
+        <p:txBody>
+          <a:bodyPr rtlCol="0" anchor="ctr"/>
+          <a:lstStyle/>
+          <a:p>
+            <a:pPr algn="ctr"/>
+            <a:r>
+              <a:rPr lang="en-US" sz="1050" dirty="0">
+                <a:solidFill>
+                  <a:srgbClr val="7030A0"/>
+                </a:solidFill>
+              </a:rPr>
+              <a:t>Amount</a:t>
+            </a:r>
+            <a:endParaRPr lang="en-SG" sz="1050" dirty="0">
+              <a:solidFill>
+                <a:srgbClr val="7030A0"/>
+              </a:solidFill>
+            </a:endParaRPr>
+          </a:p>
+        </p:txBody>
+      </p:sp>
+      <p:sp>
+        <p:nvSpPr>
+          <p:cNvPr id="108" name="TextBox 107">
+            <a:extLst>
+              <a:ext uri="{FF2B5EF4-FFF2-40B4-BE49-F238E27FC236}">
+                <a16:creationId xmlns:a16="http://schemas.microsoft.com/office/drawing/2014/main" id="{12AD77E3-636A-3C46-8F4D-CC6167A3C9B4}"/>
+              </a:ext>
+            </a:extLst>
+          </p:cNvPr>
+          <p:cNvSpPr txBox="1"/>
+          <p:nvPr/>
+        </p:nvSpPr>
+        <p:spPr>
+          <a:xfrm>
+            <a:off x="8397092" y="1041612"/>
+            <a:ext cx="189257" cy="178683"/>
+          </a:xfrm>
+          <a:prstGeom prst="rect">
+            <a:avLst/>
+          </a:prstGeom>
+          <a:noFill/>
+        </p:spPr>
+        <p:txBody>
+          <a:bodyPr wrap="square" lIns="0" tIns="0" rIns="0" bIns="0" rtlCol="0">
+            <a:noAutofit/>
+          </a:bodyPr>
+          <a:lstStyle/>
+          <a:p>
+            <a:pPr algn="ctr"/>
+            <a:r>
+              <a:rPr lang="en-US" sz="1100" dirty="0">
+                <a:solidFill>
+                  <a:srgbClr val="7030A0"/>
+                </a:solidFill>
+              </a:rPr>
+              <a:t>*</a:t>
+            </a:r>
+            <a:endParaRPr lang="en-SG" sz="1100" dirty="0">
+              <a:solidFill>
+                <a:srgbClr val="7030A0"/>
+              </a:solidFill>
+            </a:endParaRPr>
+          </a:p>
+        </p:txBody>
+      </p:sp>
+      <p:grpSp>
+        <p:nvGrpSpPr>
+          <p:cNvPr id="159" name="Group 158">
+            <a:extLst>
+              <a:ext uri="{FF2B5EF4-FFF2-40B4-BE49-F238E27FC236}">
+                <a16:creationId xmlns:a16="http://schemas.microsoft.com/office/drawing/2014/main" id="{2636D7D5-2095-104A-A3CE-FB56FE3145CA}"/>
+              </a:ext>
+            </a:extLst>
+          </p:cNvPr>
+          <p:cNvGrpSpPr/>
+          <p:nvPr/>
+        </p:nvGrpSpPr>
+        <p:grpSpPr>
+          <a:xfrm>
+            <a:off x="8183646" y="1167355"/>
+            <a:ext cx="459600" cy="1294609"/>
+            <a:chOff x="8183646" y="1167355"/>
+            <a:chExt cx="459600" cy="1294609"/>
+          </a:xfrm>
+        </p:grpSpPr>
         <p:cxnSp>
           <p:nvCxnSpPr>
-            <p:cNvPr id="53" name="Elbow Connector 78">
+            <p:cNvPr id="107" name="Elbow Connector 78">
               <a:extLst>
                 <a:ext uri="{FF2B5EF4-FFF2-40B4-BE49-F238E27FC236}">
-                  <a16:creationId xmlns:a16="http://schemas.microsoft.com/office/drawing/2014/main" id="{B97967F8-618A-448B-81FD-CDFD4AF0EC64}"/>
+                  <a16:creationId xmlns:a16="http://schemas.microsoft.com/office/drawing/2014/main" id="{DEDE48E9-7046-8B4E-B0DA-2F27C90B5D59}"/>
                 </a:ext>
               </a:extLst>
             </p:cNvPr>
             <p:cNvCxnSpPr>
               <a:cxnSpLocks/>
-              <a:stCxn id="78" idx="3"/>
-              <a:endCxn id="52" idx="1"/>
             </p:cNvCxnSpPr>
             <p:nvPr/>
           </p:nvCxnSpPr>
           <p:spPr>
             <a:xfrm flipV="1">
-              <a:off x="7277995" y="2371709"/>
+              <a:off x="8208844" y="1167355"/>
               <a:ext cx="434402" cy="663182"/>
             </a:xfrm>
             <a:prstGeom prst="bentConnector3">
@@ -5330,341 +6108,488 @@
             </a:fontRef>
           </p:style>
         </p:cxnSp>
-        <p:sp>
-          <p:nvSpPr>
-            <p:cNvPr id="50" name="TextBox 49">
+        <p:cxnSp>
+          <p:nvCxnSpPr>
+            <p:cNvPr id="102" name="Elbow Connector 101">
               <a:extLst>
                 <a:ext uri="{FF2B5EF4-FFF2-40B4-BE49-F238E27FC236}">
-                  <a16:creationId xmlns:a16="http://schemas.microsoft.com/office/drawing/2014/main" id="{B3FA9D57-880F-49C4-AD0B-A64E30D6F403}"/>
+                  <a16:creationId xmlns:a16="http://schemas.microsoft.com/office/drawing/2014/main" id="{CDC11661-D766-8144-B1B3-33BA861784C0}"/>
                 </a:ext>
               </a:extLst>
             </p:cNvPr>
-            <p:cNvSpPr txBox="1"/>
+            <p:cNvCxnSpPr>
+              <a:cxnSpLocks/>
+            </p:cNvCxnSpPr>
             <p:nvPr/>
-          </p:nvSpPr>
+          </p:nvCxnSpPr>
           <p:spPr>
-            <a:xfrm>
-              <a:off x="7466243" y="2255711"/>
-              <a:ext cx="189257" cy="178683"/>
+            <a:xfrm flipV="1">
+              <a:off x="8208844" y="1492722"/>
+              <a:ext cx="434402" cy="327761"/>
             </a:xfrm>
-            <a:prstGeom prst="rect">
+            <a:prstGeom prst="bentConnector3">
               <a:avLst/>
             </a:prstGeom>
-            <a:noFill/>
-          </p:spPr>
-          <p:txBody>
-            <a:bodyPr wrap="square" lIns="0" tIns="0" rIns="0" bIns="0" rtlCol="0">
-              <a:noAutofit/>
-            </a:bodyPr>
-            <a:lstStyle/>
-            <a:p>
-              <a:pPr algn="ctr"/>
-              <a:r>
-                <a:rPr lang="en-US" sz="1100" dirty="0">
-                  <a:solidFill>
-                    <a:srgbClr val="7030A0"/>
-                  </a:solidFill>
-                </a:rPr>
-                <a:t>*</a:t>
-              </a:r>
-              <a:endParaRPr lang="en-SG" sz="1100" dirty="0">
-                <a:solidFill>
-                  <a:srgbClr val="7030A0"/>
-                </a:solidFill>
-              </a:endParaRPr>
-            </a:p>
-          </p:txBody>
-        </p:sp>
-      </p:grpSp>
-      <p:sp>
-        <p:nvSpPr>
-          <p:cNvPr id="55" name="Rectangle 8"/>
-          <p:cNvSpPr/>
-          <p:nvPr/>
-        </p:nvSpPr>
-        <p:spPr>
-          <a:xfrm>
-            <a:off x="2971800" y="2022158"/>
-            <a:ext cx="1353172" cy="364396"/>
-          </a:xfrm>
-          <a:prstGeom prst="rect">
-            <a:avLst/>
-          </a:prstGeom>
-          <a:ln w="19050">
-            <a:solidFill>
-              <a:srgbClr val="7030A0"/>
-            </a:solidFill>
-          </a:ln>
-          <a:effectLst/>
-        </p:spPr>
-        <p:style>
-          <a:lnRef idx="1">
-            <a:schemeClr val="accent4"/>
-          </a:lnRef>
-          <a:fillRef idx="2">
-            <a:schemeClr val="accent4"/>
-          </a:fillRef>
-          <a:effectRef idx="1">
-            <a:schemeClr val="accent4"/>
-          </a:effectRef>
-          <a:fontRef idx="minor">
-            <a:schemeClr val="dk1"/>
-          </a:fontRef>
-        </p:style>
-        <p:txBody>
-          <a:bodyPr rtlCol="0" anchor="ctr"/>
-          <a:lstStyle/>
-          <a:p>
-            <a:pPr algn="ctr"/>
-            <a:r>
-              <a:rPr lang="en-US" sz="1050" dirty="0">
-                <a:solidFill>
-                  <a:srgbClr val="7030A0"/>
-                </a:solidFill>
-              </a:rPr>
-              <a:t>FinancialDatabase</a:t>
-            </a:r>
-            <a:endParaRPr lang="en-SG" sz="1050" dirty="0">
+            <a:ln w="19050">
               <a:solidFill>
                 <a:srgbClr val="7030A0"/>
               </a:solidFill>
-            </a:endParaRPr>
-          </a:p>
-        </p:txBody>
-      </p:sp>
-      <p:cxnSp>
-        <p:nvCxnSpPr>
-          <p:cNvPr id="60" name="Straight Arrow Connector 59"/>
-          <p:cNvCxnSpPr>
-            <a:cxnSpLocks/>
-          </p:cNvCxnSpPr>
-          <p:nvPr/>
-        </p:nvCxnSpPr>
-        <p:spPr>
-          <a:xfrm>
-            <a:off x="4821966" y="3003033"/>
-            <a:ext cx="336550" cy="0"/>
-          </a:xfrm>
-          <a:prstGeom prst="straightConnector1">
-            <a:avLst/>
-          </a:prstGeom>
-          <a:ln w="19050">
-            <a:solidFill>
-              <a:srgbClr val="7030A0"/>
-            </a:solidFill>
-            <a:headEnd type="none" w="med" len="med"/>
-            <a:tailEnd type="arrow" w="med" len="med"/>
-          </a:ln>
-          <a:effectLst/>
-        </p:spPr>
-        <p:style>
-          <a:lnRef idx="1">
-            <a:schemeClr val="accent2"/>
-          </a:lnRef>
-          <a:fillRef idx="2">
-            <a:schemeClr val="accent2"/>
-          </a:fillRef>
-          <a:effectRef idx="1">
-            <a:schemeClr val="accent2"/>
-          </a:effectRef>
-          <a:fontRef idx="minor">
-            <a:schemeClr val="dk1"/>
-          </a:fontRef>
-        </p:style>
-      </p:cxnSp>
-      <p:sp>
-        <p:nvSpPr>
-          <p:cNvPr id="68" name="Isosceles Triangle 102"/>
-          <p:cNvSpPr/>
-          <p:nvPr/>
-        </p:nvSpPr>
-        <p:spPr>
-          <a:xfrm rot="16200000">
-            <a:off x="2437784" y="2099199"/>
-            <a:ext cx="271014" cy="187417"/>
-          </a:xfrm>
-          <a:prstGeom prst="triangle">
-            <a:avLst>
-              <a:gd name="adj" fmla="val 44517"/>
-            </a:avLst>
-          </a:prstGeom>
-          <a:solidFill>
-            <a:schemeClr val="accent4">
-              <a:lumMod val="20000"/>
-              <a:lumOff val="80000"/>
-            </a:schemeClr>
-          </a:solidFill>
-          <a:ln w="19050">
-            <a:solidFill>
-              <a:srgbClr val="7030A0"/>
-            </a:solidFill>
-          </a:ln>
-          <a:effectLst/>
-        </p:spPr>
-        <p:style>
-          <a:lnRef idx="1">
-            <a:schemeClr val="accent6"/>
-          </a:lnRef>
-          <a:fillRef idx="2">
-            <a:schemeClr val="accent6"/>
-          </a:fillRef>
-          <a:effectRef idx="1">
-            <a:schemeClr val="accent6"/>
-          </a:effectRef>
-          <a:fontRef idx="minor">
-            <a:schemeClr val="dk1"/>
-          </a:fontRef>
-        </p:style>
-        <p:txBody>
-          <a:bodyPr rtlCol="0" anchor="ctr"/>
-          <a:lstStyle/>
-          <a:p>
-            <a:pPr algn="ctr"/>
-            <a:endParaRPr lang="en-SG" sz="1050"/>
-          </a:p>
-        </p:txBody>
-      </p:sp>
-      <p:cxnSp>
-        <p:nvCxnSpPr>
-          <p:cNvPr id="69" name="Elbow Connector 63"/>
-          <p:cNvCxnSpPr>
-            <a:cxnSpLocks/>
-            <a:stCxn id="68" idx="3"/>
-            <a:endCxn id="55" idx="1"/>
-          </p:cNvCxnSpPr>
-          <p:nvPr/>
-        </p:nvCxnSpPr>
-        <p:spPr>
-          <a:xfrm flipV="1">
-            <a:off x="2667000" y="2204356"/>
-            <a:ext cx="304800" cy="3412"/>
-          </a:xfrm>
-          <a:prstGeom prst="bentConnector3">
-            <a:avLst>
-              <a:gd name="adj1" fmla="val 50000"/>
-            </a:avLst>
-          </a:prstGeom>
-          <a:ln w="19050">
-            <a:solidFill>
-              <a:srgbClr val="7030A0"/>
-            </a:solidFill>
-            <a:prstDash val="sysDot"/>
-            <a:headEnd type="none" w="med" len="med"/>
-            <a:tailEnd type="none" w="med" len="med"/>
-          </a:ln>
-          <a:effectLst/>
-        </p:spPr>
-        <p:style>
-          <a:lnRef idx="1">
-            <a:schemeClr val="accent2"/>
-          </a:lnRef>
-          <a:fillRef idx="2">
-            <a:schemeClr val="accent2"/>
-          </a:fillRef>
-          <a:effectRef idx="1">
-            <a:schemeClr val="accent2"/>
-          </a:effectRef>
-          <a:fontRef idx="minor">
-            <a:schemeClr val="dk1"/>
-          </a:fontRef>
-        </p:style>
-      </p:cxnSp>
-      <p:cxnSp>
-        <p:nvCxnSpPr>
-          <p:cNvPr id="67" name="Straight Arrow Connector 66">
+              <a:headEnd type="none" w="med" len="med"/>
+              <a:tailEnd type="arrow" w="med" len="med"/>
+            </a:ln>
+            <a:effectLst/>
+          </p:spPr>
+          <p:style>
+            <a:lnRef idx="1">
+              <a:schemeClr val="accent2"/>
+            </a:lnRef>
+            <a:fillRef idx="2">
+              <a:schemeClr val="accent2"/>
+            </a:fillRef>
+            <a:effectRef idx="1">
+              <a:schemeClr val="accent2"/>
+            </a:effectRef>
+            <a:fontRef idx="minor">
+              <a:schemeClr val="dk1"/>
+            </a:fontRef>
+          </p:style>
+        </p:cxnSp>
+        <p:cxnSp>
+          <p:nvCxnSpPr>
+            <p:cNvPr id="117" name="Elbow Connector 78">
+              <a:extLst>
+                <a:ext uri="{FF2B5EF4-FFF2-40B4-BE49-F238E27FC236}">
+                  <a16:creationId xmlns:a16="http://schemas.microsoft.com/office/drawing/2014/main" id="{9DB77F9F-C6E7-9B44-A4F8-0F960DA00C75}"/>
+                </a:ext>
+              </a:extLst>
+            </p:cNvPr>
+            <p:cNvCxnSpPr>
+              <a:cxnSpLocks/>
+            </p:cNvCxnSpPr>
+            <p:nvPr/>
+          </p:nvCxnSpPr>
+          <p:spPr>
+            <a:xfrm flipV="1">
+              <a:off x="8183646" y="1829222"/>
+              <a:ext cx="434402" cy="4783"/>
+            </a:xfrm>
+            <a:prstGeom prst="bentConnector3">
+              <a:avLst>
+                <a:gd name="adj1" fmla="val 50000"/>
+              </a:avLst>
+            </a:prstGeom>
+            <a:ln w="19050">
+              <a:solidFill>
+                <a:srgbClr val="7030A0"/>
+              </a:solidFill>
+              <a:headEnd type="none" w="med" len="med"/>
+              <a:tailEnd type="arrow" w="med" len="med"/>
+            </a:ln>
+            <a:effectLst/>
+          </p:spPr>
+          <p:style>
+            <a:lnRef idx="1">
+              <a:schemeClr val="accent2"/>
+            </a:lnRef>
+            <a:fillRef idx="2">
+              <a:schemeClr val="accent2"/>
+            </a:fillRef>
+            <a:effectRef idx="1">
+              <a:schemeClr val="accent2"/>
+            </a:effectRef>
+            <a:fontRef idx="minor">
+              <a:schemeClr val="dk1"/>
+            </a:fontRef>
+          </p:style>
+        </p:cxnSp>
+        <p:cxnSp>
+          <p:nvCxnSpPr>
+            <p:cNvPr id="123" name="Elbow Connector 78">
+              <a:extLst>
+                <a:ext uri="{FF2B5EF4-FFF2-40B4-BE49-F238E27FC236}">
+                  <a16:creationId xmlns:a16="http://schemas.microsoft.com/office/drawing/2014/main" id="{A3272224-A5E9-3541-A7F4-B0B7819B0CA2}"/>
+                </a:ext>
+              </a:extLst>
+            </p:cNvPr>
+            <p:cNvCxnSpPr>
+              <a:cxnSpLocks/>
+              <a:endCxn id="104" idx="1"/>
+            </p:cNvCxnSpPr>
+            <p:nvPr/>
+          </p:nvCxnSpPr>
+          <p:spPr>
+            <a:xfrm>
+              <a:off x="8217257" y="1828801"/>
+              <a:ext cx="425989" cy="310186"/>
+            </a:xfrm>
+            <a:prstGeom prst="bentConnector3">
+              <a:avLst>
+                <a:gd name="adj1" fmla="val 50000"/>
+              </a:avLst>
+            </a:prstGeom>
+            <a:ln w="19050">
+              <a:solidFill>
+                <a:srgbClr val="7030A0"/>
+              </a:solidFill>
+              <a:headEnd type="none" w="med" len="med"/>
+              <a:tailEnd type="arrow" w="med" len="med"/>
+            </a:ln>
+            <a:effectLst/>
+          </p:spPr>
+          <p:style>
+            <a:lnRef idx="1">
+              <a:schemeClr val="accent2"/>
+            </a:lnRef>
+            <a:fillRef idx="2">
+              <a:schemeClr val="accent2"/>
+            </a:fillRef>
+            <a:effectRef idx="1">
+              <a:schemeClr val="accent2"/>
+            </a:effectRef>
+            <a:fontRef idx="minor">
+              <a:schemeClr val="dk1"/>
+            </a:fontRef>
+          </p:style>
+        </p:cxnSp>
+        <p:cxnSp>
+          <p:nvCxnSpPr>
+            <p:cNvPr id="148" name="Elbow Connector 78">
+              <a:extLst>
+                <a:ext uri="{FF2B5EF4-FFF2-40B4-BE49-F238E27FC236}">
+                  <a16:creationId xmlns:a16="http://schemas.microsoft.com/office/drawing/2014/main" id="{2CD76CD3-10C1-1745-BB45-F36544E01067}"/>
+                </a:ext>
+              </a:extLst>
+            </p:cNvPr>
+            <p:cNvCxnSpPr>
+              <a:cxnSpLocks/>
+              <a:endCxn id="105" idx="1"/>
+            </p:cNvCxnSpPr>
+            <p:nvPr/>
+          </p:nvCxnSpPr>
+          <p:spPr>
+            <a:xfrm rot="16200000" flipH="1">
+              <a:off x="8034023" y="1852741"/>
+              <a:ext cx="990636" cy="227810"/>
+            </a:xfrm>
+            <a:prstGeom prst="bentConnector2">
+              <a:avLst/>
+            </a:prstGeom>
+            <a:ln w="19050">
+              <a:solidFill>
+                <a:srgbClr val="7030A0"/>
+              </a:solidFill>
+              <a:headEnd type="none" w="med" len="med"/>
+              <a:tailEnd type="arrow" w="med" len="med"/>
+            </a:ln>
+            <a:effectLst/>
+          </p:spPr>
+          <p:style>
+            <a:lnRef idx="1">
+              <a:schemeClr val="accent2"/>
+            </a:lnRef>
+            <a:fillRef idx="2">
+              <a:schemeClr val="accent2"/>
+            </a:fillRef>
+            <a:effectRef idx="1">
+              <a:schemeClr val="accent2"/>
+            </a:effectRef>
+            <a:fontRef idx="minor">
+              <a:schemeClr val="dk1"/>
+            </a:fontRef>
+          </p:style>
+        </p:cxnSp>
+      </p:grpSp>
+      <p:grpSp>
+        <p:nvGrpSpPr>
+          <p:cNvPr id="160" name="Group 159">
             <a:extLst>
               <a:ext uri="{FF2B5EF4-FFF2-40B4-BE49-F238E27FC236}">
-                <a16:creationId xmlns:a16="http://schemas.microsoft.com/office/drawing/2014/main" id="{88DF6772-B3C3-EA4C-9D80-36BA5B69817C}"/>
+                <a16:creationId xmlns:a16="http://schemas.microsoft.com/office/drawing/2014/main" id="{FC00546F-D642-7D4E-B0D3-8006581F299A}"/>
               </a:ext>
             </a:extLst>
           </p:cNvPr>
-          <p:cNvCxnSpPr>
-            <a:cxnSpLocks/>
-          </p:cNvCxnSpPr>
+          <p:cNvGrpSpPr/>
           <p:nvPr/>
-        </p:nvCxnSpPr>
-        <p:spPr>
+        </p:nvGrpSpPr>
+        <p:grpSpPr>
           <a:xfrm>
-            <a:off x="6803395" y="2998583"/>
-            <a:ext cx="336550" cy="0"/>
+            <a:off x="9597410" y="1801233"/>
+            <a:ext cx="459600" cy="1294609"/>
+            <a:chOff x="8183646" y="1167355"/>
+            <a:chExt cx="459600" cy="1294609"/>
           </a:xfrm>
-          <a:prstGeom prst="straightConnector1">
-            <a:avLst/>
-          </a:prstGeom>
-          <a:ln w="19050">
-            <a:solidFill>
-              <a:srgbClr val="7030A0"/>
-            </a:solidFill>
-            <a:headEnd type="none" w="med" len="med"/>
-            <a:tailEnd type="arrow" w="med" len="med"/>
-          </a:ln>
-          <a:effectLst/>
-        </p:spPr>
-        <p:style>
-          <a:lnRef idx="1">
-            <a:schemeClr val="accent2"/>
-          </a:lnRef>
-          <a:fillRef idx="2">
-            <a:schemeClr val="accent2"/>
-          </a:fillRef>
-          <a:effectRef idx="1">
-            <a:schemeClr val="accent2"/>
-          </a:effectRef>
-          <a:fontRef idx="minor">
-            <a:schemeClr val="dk1"/>
-          </a:fontRef>
-        </p:style>
-      </p:cxnSp>
-      <p:cxnSp>
-        <p:nvCxnSpPr>
-          <p:cNvPr id="72" name="Straight Arrow Connector 71">
-            <a:extLst>
-              <a:ext uri="{FF2B5EF4-FFF2-40B4-BE49-F238E27FC236}">
-                <a16:creationId xmlns:a16="http://schemas.microsoft.com/office/drawing/2014/main" id="{54CB99EB-C410-DE42-9810-57570B034199}"/>
-              </a:ext>
-            </a:extLst>
-          </p:cNvPr>
-          <p:cNvCxnSpPr>
-            <a:cxnSpLocks/>
-          </p:cNvCxnSpPr>
-          <p:nvPr/>
-        </p:nvCxnSpPr>
-        <p:spPr>
-          <a:xfrm flipV="1">
-            <a:off x="6687833" y="4157619"/>
-            <a:ext cx="1015947" cy="4022"/>
-          </a:xfrm>
-          <a:prstGeom prst="straightConnector1">
-            <a:avLst/>
-          </a:prstGeom>
-          <a:ln w="19050">
-            <a:solidFill>
-              <a:srgbClr val="7030A0"/>
-            </a:solidFill>
-            <a:headEnd type="none" w="med" len="med"/>
-            <a:tailEnd type="arrow" w="med" len="med"/>
-          </a:ln>
-          <a:effectLst/>
-        </p:spPr>
-        <p:style>
-          <a:lnRef idx="1">
-            <a:schemeClr val="accent2"/>
-          </a:lnRef>
-          <a:fillRef idx="2">
-            <a:schemeClr val="accent2"/>
-          </a:fillRef>
-          <a:effectRef idx="1">
-            <a:schemeClr val="accent2"/>
-          </a:effectRef>
-          <a:fontRef idx="minor">
-            <a:schemeClr val="dk1"/>
-          </a:fontRef>
-        </p:style>
-      </p:cxnSp>
+        </p:grpSpPr>
+        <p:cxnSp>
+          <p:nvCxnSpPr>
+            <p:cNvPr id="161" name="Elbow Connector 78">
+              <a:extLst>
+                <a:ext uri="{FF2B5EF4-FFF2-40B4-BE49-F238E27FC236}">
+                  <a16:creationId xmlns:a16="http://schemas.microsoft.com/office/drawing/2014/main" id="{77A5C052-731C-C340-83BB-77F8C9EAA31D}"/>
+                </a:ext>
+              </a:extLst>
+            </p:cNvPr>
+            <p:cNvCxnSpPr>
+              <a:cxnSpLocks/>
+            </p:cNvCxnSpPr>
+            <p:nvPr/>
+          </p:nvCxnSpPr>
+          <p:spPr>
+            <a:xfrm flipV="1">
+              <a:off x="8208844" y="1167355"/>
+              <a:ext cx="434402" cy="663182"/>
+            </a:xfrm>
+            <a:prstGeom prst="bentConnector3">
+              <a:avLst>
+                <a:gd name="adj1" fmla="val 50000"/>
+              </a:avLst>
+            </a:prstGeom>
+            <a:ln w="19050">
+              <a:solidFill>
+                <a:srgbClr val="7030A0"/>
+              </a:solidFill>
+              <a:headEnd type="none" w="med" len="med"/>
+              <a:tailEnd type="arrow" w="med" len="med"/>
+            </a:ln>
+            <a:effectLst/>
+          </p:spPr>
+          <p:style>
+            <a:lnRef idx="1">
+              <a:schemeClr val="accent2"/>
+            </a:lnRef>
+            <a:fillRef idx="2">
+              <a:schemeClr val="accent2"/>
+            </a:fillRef>
+            <a:effectRef idx="1">
+              <a:schemeClr val="accent2"/>
+            </a:effectRef>
+            <a:fontRef idx="minor">
+              <a:schemeClr val="dk1"/>
+            </a:fontRef>
+          </p:style>
+        </p:cxnSp>
+        <p:cxnSp>
+          <p:nvCxnSpPr>
+            <p:cNvPr id="162" name="Elbow Connector 161">
+              <a:extLst>
+                <a:ext uri="{FF2B5EF4-FFF2-40B4-BE49-F238E27FC236}">
+                  <a16:creationId xmlns:a16="http://schemas.microsoft.com/office/drawing/2014/main" id="{003FC00C-CC92-0641-804A-BBCAAFF0F68A}"/>
+                </a:ext>
+              </a:extLst>
+            </p:cNvPr>
+            <p:cNvCxnSpPr>
+              <a:cxnSpLocks/>
+            </p:cNvCxnSpPr>
+            <p:nvPr/>
+          </p:nvCxnSpPr>
+          <p:spPr>
+            <a:xfrm flipV="1">
+              <a:off x="8208844" y="1492722"/>
+              <a:ext cx="434402" cy="327761"/>
+            </a:xfrm>
+            <a:prstGeom prst="bentConnector3">
+              <a:avLst/>
+            </a:prstGeom>
+            <a:ln w="19050">
+              <a:solidFill>
+                <a:srgbClr val="7030A0"/>
+              </a:solidFill>
+              <a:headEnd type="none" w="med" len="med"/>
+              <a:tailEnd type="arrow" w="med" len="med"/>
+            </a:ln>
+            <a:effectLst/>
+          </p:spPr>
+          <p:style>
+            <a:lnRef idx="1">
+              <a:schemeClr val="accent2"/>
+            </a:lnRef>
+            <a:fillRef idx="2">
+              <a:schemeClr val="accent2"/>
+            </a:fillRef>
+            <a:effectRef idx="1">
+              <a:schemeClr val="accent2"/>
+            </a:effectRef>
+            <a:fontRef idx="minor">
+              <a:schemeClr val="dk1"/>
+            </a:fontRef>
+          </p:style>
+        </p:cxnSp>
+        <p:cxnSp>
+          <p:nvCxnSpPr>
+            <p:cNvPr id="163" name="Elbow Connector 78">
+              <a:extLst>
+                <a:ext uri="{FF2B5EF4-FFF2-40B4-BE49-F238E27FC236}">
+                  <a16:creationId xmlns:a16="http://schemas.microsoft.com/office/drawing/2014/main" id="{A4087508-725D-8B44-97B5-815DA6F5B5B3}"/>
+                </a:ext>
+              </a:extLst>
+            </p:cNvPr>
+            <p:cNvCxnSpPr>
+              <a:cxnSpLocks/>
+            </p:cNvCxnSpPr>
+            <p:nvPr/>
+          </p:nvCxnSpPr>
+          <p:spPr>
+            <a:xfrm flipV="1">
+              <a:off x="8183646" y="1829222"/>
+              <a:ext cx="434402" cy="4783"/>
+            </a:xfrm>
+            <a:prstGeom prst="bentConnector3">
+              <a:avLst>
+                <a:gd name="adj1" fmla="val 50000"/>
+              </a:avLst>
+            </a:prstGeom>
+            <a:ln w="19050">
+              <a:solidFill>
+                <a:srgbClr val="7030A0"/>
+              </a:solidFill>
+              <a:headEnd type="none" w="med" len="med"/>
+              <a:tailEnd type="arrow" w="med" len="med"/>
+            </a:ln>
+            <a:effectLst/>
+          </p:spPr>
+          <p:style>
+            <a:lnRef idx="1">
+              <a:schemeClr val="accent2"/>
+            </a:lnRef>
+            <a:fillRef idx="2">
+              <a:schemeClr val="accent2"/>
+            </a:fillRef>
+            <a:effectRef idx="1">
+              <a:schemeClr val="accent2"/>
+            </a:effectRef>
+            <a:fontRef idx="minor">
+              <a:schemeClr val="dk1"/>
+            </a:fontRef>
+          </p:style>
+        </p:cxnSp>
+        <p:cxnSp>
+          <p:nvCxnSpPr>
+            <p:cNvPr id="164" name="Elbow Connector 78">
+              <a:extLst>
+                <a:ext uri="{FF2B5EF4-FFF2-40B4-BE49-F238E27FC236}">
+                  <a16:creationId xmlns:a16="http://schemas.microsoft.com/office/drawing/2014/main" id="{19F5B6A9-C6D7-9746-A79D-5314C2D741BD}"/>
+                </a:ext>
+              </a:extLst>
+            </p:cNvPr>
+            <p:cNvCxnSpPr>
+              <a:cxnSpLocks/>
+            </p:cNvCxnSpPr>
+            <p:nvPr/>
+          </p:nvCxnSpPr>
+          <p:spPr>
+            <a:xfrm>
+              <a:off x="8217257" y="1828801"/>
+              <a:ext cx="425989" cy="310186"/>
+            </a:xfrm>
+            <a:prstGeom prst="bentConnector3">
+              <a:avLst>
+                <a:gd name="adj1" fmla="val 50000"/>
+              </a:avLst>
+            </a:prstGeom>
+            <a:ln w="19050">
+              <a:solidFill>
+                <a:srgbClr val="7030A0"/>
+              </a:solidFill>
+              <a:headEnd type="none" w="med" len="med"/>
+              <a:tailEnd type="arrow" w="med" len="med"/>
+            </a:ln>
+            <a:effectLst/>
+          </p:spPr>
+          <p:style>
+            <a:lnRef idx="1">
+              <a:schemeClr val="accent2"/>
+            </a:lnRef>
+            <a:fillRef idx="2">
+              <a:schemeClr val="accent2"/>
+            </a:fillRef>
+            <a:effectRef idx="1">
+              <a:schemeClr val="accent2"/>
+            </a:effectRef>
+            <a:fontRef idx="minor">
+              <a:schemeClr val="dk1"/>
+            </a:fontRef>
+          </p:style>
+        </p:cxnSp>
+        <p:cxnSp>
+          <p:nvCxnSpPr>
+            <p:cNvPr id="165" name="Elbow Connector 78">
+              <a:extLst>
+                <a:ext uri="{FF2B5EF4-FFF2-40B4-BE49-F238E27FC236}">
+                  <a16:creationId xmlns:a16="http://schemas.microsoft.com/office/drawing/2014/main" id="{87DF92CF-B12B-6343-9B03-D1BC06D8D743}"/>
+                </a:ext>
+              </a:extLst>
+            </p:cNvPr>
+            <p:cNvCxnSpPr>
+              <a:cxnSpLocks/>
+            </p:cNvCxnSpPr>
+            <p:nvPr/>
+          </p:nvCxnSpPr>
+          <p:spPr>
+            <a:xfrm rot="16200000" flipH="1">
+              <a:off x="8034023" y="1852741"/>
+              <a:ext cx="990636" cy="227810"/>
+            </a:xfrm>
+            <a:prstGeom prst="bentConnector2">
+              <a:avLst/>
+            </a:prstGeom>
+            <a:ln w="19050">
+              <a:solidFill>
+                <a:srgbClr val="7030A0"/>
+              </a:solidFill>
+              <a:headEnd type="none" w="med" len="med"/>
+              <a:tailEnd type="arrow" w="med" len="med"/>
+            </a:ln>
+            <a:effectLst/>
+          </p:spPr>
+          <p:style>
+            <a:lnRef idx="1">
+              <a:schemeClr val="accent2"/>
+            </a:lnRef>
+            <a:fillRef idx="2">
+              <a:schemeClr val="accent2"/>
+            </a:fillRef>
+            <a:effectRef idx="1">
+              <a:schemeClr val="accent2"/>
+            </a:effectRef>
+            <a:fontRef idx="minor">
+              <a:schemeClr val="dk1"/>
+            </a:fontRef>
+          </p:style>
+        </p:cxnSp>
+      </p:grpSp>
     </p:spTree>
     <p:extLst>
       <p:ext uri="{BB962C8B-B14F-4D97-AF65-F5344CB8AC3E}">
         <p14:creationId xmlns:p14="http://schemas.microsoft.com/office/powerpoint/2010/main" val="2396968029"/>
+      </p:ext>
+    </p:extLst>
+  </p:cSld>
+  <p:clrMapOvr>
+    <a:masterClrMapping/>
+  </p:clrMapOvr>
+</p:sld>
+</file>
+
+<file path=ppt/slides/slide2.xml><?xml version="1.0" encoding="utf-8"?>
+<p:sld xmlns:a="http://schemas.openxmlformats.org/drawingml/2006/main" xmlns:r="http://schemas.openxmlformats.org/officeDocument/2006/relationships" xmlns:p="http://schemas.openxmlformats.org/presentationml/2006/main">
+  <p:cSld>
+    <p:spTree>
+      <p:nvGrpSpPr>
+        <p:cNvPr id="1" name=""/>
+        <p:cNvGrpSpPr/>
+        <p:nvPr/>
+      </p:nvGrpSpPr>
+      <p:grpSpPr>
+        <a:xfrm>
+          <a:off x="0" y="0"/>
+          <a:ext cx="0" cy="0"/>
+          <a:chOff x="0" y="0"/>
+          <a:chExt cx="0" cy="0"/>
+        </a:xfrm>
+      </p:grpSpPr>
+    </p:spTree>
+    <p:extLst>
+      <p:ext uri="{BB962C8B-B14F-4D97-AF65-F5344CB8AC3E}">
+        <p14:creationId xmlns:p14="http://schemas.microsoft.com/office/powerpoint/2010/main" val="2646932848"/>
       </p:ext>
     </p:extLst>
   </p:cSld>
